--- a/TupleBrandStandards.pptx
+++ b/TupleBrandStandards.pptx
@@ -263,7 +263,7 @@
           <a:p>
             <a:fld id="{A4B95748-7583-476C-A01D-71A59B6EB51C}" type="datetimeFigureOut">
               <a:rPr lang="en-US" smtClean="0"/>
-              <a:t>7/12/2019</a:t>
+              <a:t>8/16/19</a:t>
             </a:fld>
             <a:endParaRPr lang="en-US"/>
           </a:p>
@@ -461,7 +461,7 @@
           <a:p>
             <a:fld id="{A4B95748-7583-476C-A01D-71A59B6EB51C}" type="datetimeFigureOut">
               <a:rPr lang="en-US" smtClean="0"/>
-              <a:t>7/12/2019</a:t>
+              <a:t>8/16/19</a:t>
             </a:fld>
             <a:endParaRPr lang="en-US"/>
           </a:p>
@@ -669,7 +669,7 @@
           <a:p>
             <a:fld id="{A4B95748-7583-476C-A01D-71A59B6EB51C}" type="datetimeFigureOut">
               <a:rPr lang="en-US" smtClean="0"/>
-              <a:t>7/12/2019</a:t>
+              <a:t>8/16/19</a:t>
             </a:fld>
             <a:endParaRPr lang="en-US"/>
           </a:p>
@@ -867,7 +867,7 @@
           <a:p>
             <a:fld id="{A4B95748-7583-476C-A01D-71A59B6EB51C}" type="datetimeFigureOut">
               <a:rPr lang="en-US" smtClean="0"/>
-              <a:t>7/12/2019</a:t>
+              <a:t>8/16/19</a:t>
             </a:fld>
             <a:endParaRPr lang="en-US"/>
           </a:p>
@@ -1142,7 +1142,7 @@
           <a:p>
             <a:fld id="{A4B95748-7583-476C-A01D-71A59B6EB51C}" type="datetimeFigureOut">
               <a:rPr lang="en-US" smtClean="0"/>
-              <a:t>7/12/2019</a:t>
+              <a:t>8/16/19</a:t>
             </a:fld>
             <a:endParaRPr lang="en-US"/>
           </a:p>
@@ -1407,7 +1407,7 @@
           <a:p>
             <a:fld id="{A4B95748-7583-476C-A01D-71A59B6EB51C}" type="datetimeFigureOut">
               <a:rPr lang="en-US" smtClean="0"/>
-              <a:t>7/12/2019</a:t>
+              <a:t>8/16/19</a:t>
             </a:fld>
             <a:endParaRPr lang="en-US"/>
           </a:p>
@@ -1819,7 +1819,7 @@
           <a:p>
             <a:fld id="{A4B95748-7583-476C-A01D-71A59B6EB51C}" type="datetimeFigureOut">
               <a:rPr lang="en-US" smtClean="0"/>
-              <a:t>7/12/2019</a:t>
+              <a:t>8/16/19</a:t>
             </a:fld>
             <a:endParaRPr lang="en-US"/>
           </a:p>
@@ -1960,7 +1960,7 @@
           <a:p>
             <a:fld id="{A4B95748-7583-476C-A01D-71A59B6EB51C}" type="datetimeFigureOut">
               <a:rPr lang="en-US" smtClean="0"/>
-              <a:t>7/12/2019</a:t>
+              <a:t>8/16/19</a:t>
             </a:fld>
             <a:endParaRPr lang="en-US"/>
           </a:p>
@@ -2073,7 +2073,7 @@
           <a:p>
             <a:fld id="{A4B95748-7583-476C-A01D-71A59B6EB51C}" type="datetimeFigureOut">
               <a:rPr lang="en-US" smtClean="0"/>
-              <a:t>7/12/2019</a:t>
+              <a:t>8/16/19</a:t>
             </a:fld>
             <a:endParaRPr lang="en-US"/>
           </a:p>
@@ -2384,7 +2384,7 @@
           <a:p>
             <a:fld id="{A4B95748-7583-476C-A01D-71A59B6EB51C}" type="datetimeFigureOut">
               <a:rPr lang="en-US" smtClean="0"/>
-              <a:t>7/12/2019</a:t>
+              <a:t>8/16/19</a:t>
             </a:fld>
             <a:endParaRPr lang="en-US"/>
           </a:p>
@@ -2672,7 +2672,7 @@
           <a:p>
             <a:fld id="{A4B95748-7583-476C-A01D-71A59B6EB51C}" type="datetimeFigureOut">
               <a:rPr lang="en-US" smtClean="0"/>
-              <a:t>7/12/2019</a:t>
+              <a:t>8/16/19</a:t>
             </a:fld>
             <a:endParaRPr lang="en-US"/>
           </a:p>
@@ -2913,7 +2913,7 @@
           <a:p>
             <a:fld id="{A4B95748-7583-476C-A01D-71A59B6EB51C}" type="datetimeFigureOut">
               <a:rPr lang="en-US" smtClean="0"/>
-              <a:t>7/12/2019</a:t>
+              <a:t>8/16/19</a:t>
             </a:fld>
             <a:endParaRPr lang="en-US"/>
           </a:p>
@@ -7031,6 +7031,21 @@
             <a:endParaRPr lang="en-US" dirty="0"/>
           </a:p>
           <a:p>
+            <a:pPr marL="0" indent="0">
+              <a:buNone/>
+            </a:pPr>
+            <a:r>
+              <a:rPr lang="en-US" dirty="0">
+                <a:hlinkClick r:id="rId5"/>
+              </a:rPr>
+              <a:t>http://patternico.com/#5Tn2ZygDom388J96</a:t>
+            </a:r>
+            <a:endParaRPr lang="en-US" dirty="0"/>
+          </a:p>
+          <a:p>
+            <a:pPr marL="0" indent="0">
+              <a:buNone/>
+            </a:pPr>
             <a:endParaRPr lang="en-US" dirty="0"/>
           </a:p>
         </p:txBody>

--- a/TupleBrandStandards.pptx
+++ b/TupleBrandStandards.pptx
@@ -10,6 +10,8 @@
     <p:sldId id="259" r:id="rId4"/>
     <p:sldId id="258" r:id="rId5"/>
     <p:sldId id="260" r:id="rId6"/>
+    <p:sldId id="261" r:id="rId7"/>
+    <p:sldId id="262" r:id="rId8"/>
   </p:sldIdLst>
   <p:sldSz cx="12192000" cy="6858000"/>
   <p:notesSz cx="6858000" cy="9144000"/>
@@ -263,7 +265,7 @@
           <a:p>
             <a:fld id="{A4B95748-7583-476C-A01D-71A59B6EB51C}" type="datetimeFigureOut">
               <a:rPr lang="en-US" smtClean="0"/>
-              <a:t>8/16/19</a:t>
+              <a:t>8/26/2019</a:t>
             </a:fld>
             <a:endParaRPr lang="en-US"/>
           </a:p>
@@ -461,7 +463,7 @@
           <a:p>
             <a:fld id="{A4B95748-7583-476C-A01D-71A59B6EB51C}" type="datetimeFigureOut">
               <a:rPr lang="en-US" smtClean="0"/>
-              <a:t>8/16/19</a:t>
+              <a:t>8/26/2019</a:t>
             </a:fld>
             <a:endParaRPr lang="en-US"/>
           </a:p>
@@ -669,7 +671,7 @@
           <a:p>
             <a:fld id="{A4B95748-7583-476C-A01D-71A59B6EB51C}" type="datetimeFigureOut">
               <a:rPr lang="en-US" smtClean="0"/>
-              <a:t>8/16/19</a:t>
+              <a:t>8/26/2019</a:t>
             </a:fld>
             <a:endParaRPr lang="en-US"/>
           </a:p>
@@ -867,7 +869,7 @@
           <a:p>
             <a:fld id="{A4B95748-7583-476C-A01D-71A59B6EB51C}" type="datetimeFigureOut">
               <a:rPr lang="en-US" smtClean="0"/>
-              <a:t>8/16/19</a:t>
+              <a:t>8/26/2019</a:t>
             </a:fld>
             <a:endParaRPr lang="en-US"/>
           </a:p>
@@ -1142,7 +1144,7 @@
           <a:p>
             <a:fld id="{A4B95748-7583-476C-A01D-71A59B6EB51C}" type="datetimeFigureOut">
               <a:rPr lang="en-US" smtClean="0"/>
-              <a:t>8/16/19</a:t>
+              <a:t>8/26/2019</a:t>
             </a:fld>
             <a:endParaRPr lang="en-US"/>
           </a:p>
@@ -1407,7 +1409,7 @@
           <a:p>
             <a:fld id="{A4B95748-7583-476C-A01D-71A59B6EB51C}" type="datetimeFigureOut">
               <a:rPr lang="en-US" smtClean="0"/>
-              <a:t>8/16/19</a:t>
+              <a:t>8/26/2019</a:t>
             </a:fld>
             <a:endParaRPr lang="en-US"/>
           </a:p>
@@ -1819,7 +1821,7 @@
           <a:p>
             <a:fld id="{A4B95748-7583-476C-A01D-71A59B6EB51C}" type="datetimeFigureOut">
               <a:rPr lang="en-US" smtClean="0"/>
-              <a:t>8/16/19</a:t>
+              <a:t>8/26/2019</a:t>
             </a:fld>
             <a:endParaRPr lang="en-US"/>
           </a:p>
@@ -1960,7 +1962,7 @@
           <a:p>
             <a:fld id="{A4B95748-7583-476C-A01D-71A59B6EB51C}" type="datetimeFigureOut">
               <a:rPr lang="en-US" smtClean="0"/>
-              <a:t>8/16/19</a:t>
+              <a:t>8/26/2019</a:t>
             </a:fld>
             <a:endParaRPr lang="en-US"/>
           </a:p>
@@ -2073,7 +2075,7 @@
           <a:p>
             <a:fld id="{A4B95748-7583-476C-A01D-71A59B6EB51C}" type="datetimeFigureOut">
               <a:rPr lang="en-US" smtClean="0"/>
-              <a:t>8/16/19</a:t>
+              <a:t>8/26/2019</a:t>
             </a:fld>
             <a:endParaRPr lang="en-US"/>
           </a:p>
@@ -2384,7 +2386,7 @@
           <a:p>
             <a:fld id="{A4B95748-7583-476C-A01D-71A59B6EB51C}" type="datetimeFigureOut">
               <a:rPr lang="en-US" smtClean="0"/>
-              <a:t>8/16/19</a:t>
+              <a:t>8/26/2019</a:t>
             </a:fld>
             <a:endParaRPr lang="en-US"/>
           </a:p>
@@ -2672,7 +2674,7 @@
           <a:p>
             <a:fld id="{A4B95748-7583-476C-A01D-71A59B6EB51C}" type="datetimeFigureOut">
               <a:rPr lang="en-US" smtClean="0"/>
-              <a:t>8/16/19</a:t>
+              <a:t>8/26/2019</a:t>
             </a:fld>
             <a:endParaRPr lang="en-US"/>
           </a:p>
@@ -2913,7 +2915,7 @@
           <a:p>
             <a:fld id="{A4B95748-7583-476C-A01D-71A59B6EB51C}" type="datetimeFigureOut">
               <a:rPr lang="en-US" smtClean="0"/>
-              <a:t>8/16/19</a:t>
+              <a:t>8/26/2019</a:t>
             </a:fld>
             <a:endParaRPr lang="en-US"/>
           </a:p>
@@ -7088,6 +7090,5252 @@
 </p:sld>
 </file>
 
+<file path=ppt/slides/slide6.xml><?xml version="1.0" encoding="utf-8"?>
+<p:sld xmlns:a="http://schemas.openxmlformats.org/drawingml/2006/main" xmlns:r="http://schemas.openxmlformats.org/officeDocument/2006/relationships" xmlns:p="http://schemas.openxmlformats.org/presentationml/2006/main">
+  <p:cSld>
+    <p:spTree>
+      <p:nvGrpSpPr>
+        <p:cNvPr id="1" name=""/>
+        <p:cNvGrpSpPr/>
+        <p:nvPr/>
+      </p:nvGrpSpPr>
+      <p:grpSpPr>
+        <a:xfrm>
+          <a:off x="0" y="0"/>
+          <a:ext cx="0" cy="0"/>
+          <a:chOff x="0" y="0"/>
+          <a:chExt cx="0" cy="0"/>
+        </a:xfrm>
+      </p:grpSpPr>
+      <p:sp>
+        <p:nvSpPr>
+          <p:cNvPr id="4" name="Rectangle 3">
+            <a:extLst>
+              <a:ext uri="{FF2B5EF4-FFF2-40B4-BE49-F238E27FC236}">
+                <a16:creationId xmlns:a16="http://schemas.microsoft.com/office/drawing/2014/main" id="{4E4E231A-2D2F-430C-BB6E-623DA1D93DB0}"/>
+              </a:ext>
+            </a:extLst>
+          </p:cNvPr>
+          <p:cNvSpPr/>
+          <p:nvPr/>
+        </p:nvSpPr>
+        <p:spPr>
+          <a:xfrm>
+            <a:off x="0" y="0"/>
+            <a:ext cx="12192000" cy="6858000"/>
+          </a:xfrm>
+          <a:prstGeom prst="rect">
+            <a:avLst/>
+          </a:prstGeom>
+          <a:ln>
+            <a:noFill/>
+          </a:ln>
+        </p:spPr>
+        <p:style>
+          <a:lnRef idx="2">
+            <a:schemeClr val="dk1">
+              <a:shade val="50000"/>
+            </a:schemeClr>
+          </a:lnRef>
+          <a:fillRef idx="1">
+            <a:schemeClr val="dk1"/>
+          </a:fillRef>
+          <a:effectRef idx="0">
+            <a:schemeClr val="dk1"/>
+          </a:effectRef>
+          <a:fontRef idx="minor">
+            <a:schemeClr val="lt1"/>
+          </a:fontRef>
+        </p:style>
+        <p:txBody>
+          <a:bodyPr rtlCol="0" anchor="ctr"/>
+          <a:lstStyle/>
+          <a:p>
+            <a:pPr algn="ctr"/>
+            <a:endParaRPr lang="en-US"/>
+          </a:p>
+        </p:txBody>
+      </p:sp>
+      <p:sp>
+        <p:nvSpPr>
+          <p:cNvPr id="5" name="Graphic 2">
+            <a:extLst>
+              <a:ext uri="{FF2B5EF4-FFF2-40B4-BE49-F238E27FC236}">
+                <a16:creationId xmlns:a16="http://schemas.microsoft.com/office/drawing/2014/main" id="{3BD01C59-C2F6-4295-A4A7-948AE6840ED1}"/>
+              </a:ext>
+            </a:extLst>
+          </p:cNvPr>
+          <p:cNvSpPr/>
+          <p:nvPr/>
+        </p:nvSpPr>
+        <p:spPr>
+          <a:xfrm>
+            <a:off x="3541691" y="2717525"/>
+            <a:ext cx="5090502" cy="1410045"/>
+          </a:xfrm>
+          <a:custGeom>
+            <a:avLst/>
+            <a:gdLst>
+              <a:gd name="connsiteX0" fmla="*/ 610884 w 5090501"/>
+              <a:gd name="connsiteY0" fmla="*/ 227782 h 1410044"/>
+              <a:gd name="connsiteX1" fmla="*/ 304737 w 5090501"/>
+              <a:gd name="connsiteY1" fmla="*/ 535339 h 1410044"/>
+              <a:gd name="connsiteX2" fmla="*/ 609450 w 5090501"/>
+              <a:gd name="connsiteY2" fmla="*/ 811851 h 1410044"/>
+              <a:gd name="connsiteX3" fmla="*/ 460774 w 5090501"/>
+              <a:gd name="connsiteY3" fmla="*/ 977472 h 1410044"/>
+              <a:gd name="connsiteX4" fmla="*/ 0 w 5090501"/>
+              <a:gd name="connsiteY4" fmla="*/ 544445 h 1410044"/>
+              <a:gd name="connsiteX5" fmla="*/ 450259 w 5090501"/>
+              <a:gd name="connsiteY5" fmla="*/ 76238 h 1410044"/>
+              <a:gd name="connsiteX6" fmla="*/ 610884 w 5090501"/>
+              <a:gd name="connsiteY6" fmla="*/ 227782 h 1410044"/>
+              <a:gd name="connsiteX7" fmla="*/ 1234435 w 5090501"/>
+              <a:gd name="connsiteY7" fmla="*/ 261456 h 1410044"/>
+              <a:gd name="connsiteX8" fmla="*/ 1234435 w 5090501"/>
+              <a:gd name="connsiteY8" fmla="*/ 1118022 h 1410044"/>
+              <a:gd name="connsiteX9" fmla="*/ 1020992 w 5090501"/>
+              <a:gd name="connsiteY9" fmla="*/ 1118022 h 1410044"/>
+              <a:gd name="connsiteX10" fmla="*/ 1020992 w 5090501"/>
+              <a:gd name="connsiteY10" fmla="*/ 261456 h 1410044"/>
+              <a:gd name="connsiteX11" fmla="*/ 699072 w 5090501"/>
+              <a:gd name="connsiteY11" fmla="*/ 261456 h 1410044"/>
+              <a:gd name="connsiteX12" fmla="*/ 699072 w 5090501"/>
+              <a:gd name="connsiteY12" fmla="*/ 47081 h 1410044"/>
+              <a:gd name="connsiteX13" fmla="*/ 1555614 w 5090501"/>
+              <a:gd name="connsiteY13" fmla="*/ 47081 h 1410044"/>
+              <a:gd name="connsiteX14" fmla="*/ 1555614 w 5090501"/>
+              <a:gd name="connsiteY14" fmla="*/ 261456 h 1410044"/>
+              <a:gd name="connsiteX15" fmla="*/ 1234435 w 5090501"/>
+              <a:gd name="connsiteY15" fmla="*/ 261456 h 1410044"/>
+              <a:gd name="connsiteX16" fmla="*/ 2192764 w 5090501"/>
+              <a:gd name="connsiteY16" fmla="*/ 1118022 h 1410044"/>
+              <a:gd name="connsiteX17" fmla="*/ 2125368 w 5090501"/>
+              <a:gd name="connsiteY17" fmla="*/ 1024577 h 1410044"/>
+              <a:gd name="connsiteX18" fmla="*/ 2125368 w 5090501"/>
+              <a:gd name="connsiteY18" fmla="*/ 1024577 h 1410044"/>
+              <a:gd name="connsiteX19" fmla="*/ 2072814 w 5090501"/>
+              <a:gd name="connsiteY19" fmla="*/ 1066878 h 1410044"/>
+              <a:gd name="connsiteX20" fmla="*/ 2072814 w 5090501"/>
+              <a:gd name="connsiteY20" fmla="*/ 1066878 h 1410044"/>
+              <a:gd name="connsiteX21" fmla="*/ 2072814 w 5090501"/>
+              <a:gd name="connsiteY21" fmla="*/ 1066878 h 1410044"/>
+              <a:gd name="connsiteX22" fmla="*/ 2014237 w 5090501"/>
+              <a:gd name="connsiteY22" fmla="*/ 1101269 h 1410044"/>
+              <a:gd name="connsiteX23" fmla="*/ 2014237 w 5090501"/>
+              <a:gd name="connsiteY23" fmla="*/ 1101269 h 1410044"/>
+              <a:gd name="connsiteX24" fmla="*/ 2014237 w 5090501"/>
+              <a:gd name="connsiteY24" fmla="*/ 1101269 h 1410044"/>
+              <a:gd name="connsiteX25" fmla="*/ 1951144 w 5090501"/>
+              <a:gd name="connsiteY25" fmla="*/ 1124475 h 1410044"/>
+              <a:gd name="connsiteX26" fmla="*/ 1951144 w 5090501"/>
+              <a:gd name="connsiteY26" fmla="*/ 1124475 h 1410044"/>
+              <a:gd name="connsiteX27" fmla="*/ 1951144 w 5090501"/>
+              <a:gd name="connsiteY27" fmla="*/ 1124475 h 1410044"/>
+              <a:gd name="connsiteX28" fmla="*/ 1884920 w 5090501"/>
+              <a:gd name="connsiteY28" fmla="*/ 1133055 h 1410044"/>
+              <a:gd name="connsiteX29" fmla="*/ 1884920 w 5090501"/>
+              <a:gd name="connsiteY29" fmla="*/ 1133055 h 1410044"/>
+              <a:gd name="connsiteX30" fmla="*/ 1884920 w 5090501"/>
+              <a:gd name="connsiteY30" fmla="*/ 1133055 h 1410044"/>
+              <a:gd name="connsiteX31" fmla="*/ 1746066 w 5090501"/>
+              <a:gd name="connsiteY31" fmla="*/ 1106766 h 1410044"/>
+              <a:gd name="connsiteX32" fmla="*/ 1746066 w 5090501"/>
+              <a:gd name="connsiteY32" fmla="*/ 1106766 h 1410044"/>
+              <a:gd name="connsiteX33" fmla="*/ 1746066 w 5090501"/>
+              <a:gd name="connsiteY33" fmla="*/ 1106766 h 1410044"/>
+              <a:gd name="connsiteX34" fmla="*/ 1632044 w 5090501"/>
+              <a:gd name="connsiteY34" fmla="*/ 1032463 h 1410044"/>
+              <a:gd name="connsiteX35" fmla="*/ 1632044 w 5090501"/>
+              <a:gd name="connsiteY35" fmla="*/ 1032463 h 1410044"/>
+              <a:gd name="connsiteX36" fmla="*/ 1632044 w 5090501"/>
+              <a:gd name="connsiteY36" fmla="*/ 1032463 h 1410044"/>
+              <a:gd name="connsiteX37" fmla="*/ 1555112 w 5090501"/>
+              <a:gd name="connsiteY37" fmla="*/ 915358 h 1410044"/>
+              <a:gd name="connsiteX38" fmla="*/ 1555112 w 5090501"/>
+              <a:gd name="connsiteY38" fmla="*/ 915358 h 1410044"/>
+              <a:gd name="connsiteX39" fmla="*/ 1555112 w 5090501"/>
+              <a:gd name="connsiteY39" fmla="*/ 915358 h 1410044"/>
+              <a:gd name="connsiteX40" fmla="*/ 1527151 w 5090501"/>
+              <a:gd name="connsiteY40" fmla="*/ 760253 h 1410044"/>
+              <a:gd name="connsiteX41" fmla="*/ 1527151 w 5090501"/>
+              <a:gd name="connsiteY41" fmla="*/ 760253 h 1410044"/>
+              <a:gd name="connsiteX42" fmla="*/ 1527151 w 5090501"/>
+              <a:gd name="connsiteY42" fmla="*/ 318120 h 1410044"/>
+              <a:gd name="connsiteX43" fmla="*/ 1730293 w 5090501"/>
+              <a:gd name="connsiteY43" fmla="*/ 318120 h 1410044"/>
+              <a:gd name="connsiteX44" fmla="*/ 1730293 w 5090501"/>
+              <a:gd name="connsiteY44" fmla="*/ 760253 h 1410044"/>
+              <a:gd name="connsiteX45" fmla="*/ 1730293 w 5090501"/>
+              <a:gd name="connsiteY45" fmla="*/ 760253 h 1410044"/>
+              <a:gd name="connsiteX46" fmla="*/ 1742720 w 5090501"/>
+              <a:gd name="connsiteY46" fmla="*/ 832428 h 1410044"/>
+              <a:gd name="connsiteX47" fmla="*/ 1742720 w 5090501"/>
+              <a:gd name="connsiteY47" fmla="*/ 832428 h 1410044"/>
+              <a:gd name="connsiteX48" fmla="*/ 1742720 w 5090501"/>
+              <a:gd name="connsiteY48" fmla="*/ 832428 h 1410044"/>
+              <a:gd name="connsiteX49" fmla="*/ 1775940 w 5090501"/>
+              <a:gd name="connsiteY49" fmla="*/ 885723 h 1410044"/>
+              <a:gd name="connsiteX50" fmla="*/ 1775940 w 5090501"/>
+              <a:gd name="connsiteY50" fmla="*/ 885723 h 1410044"/>
+              <a:gd name="connsiteX51" fmla="*/ 1775940 w 5090501"/>
+              <a:gd name="connsiteY51" fmla="*/ 885723 h 1410044"/>
+              <a:gd name="connsiteX52" fmla="*/ 1824933 w 5090501"/>
+              <a:gd name="connsiteY52" fmla="*/ 918704 h 1410044"/>
+              <a:gd name="connsiteX53" fmla="*/ 1824933 w 5090501"/>
+              <a:gd name="connsiteY53" fmla="*/ 918704 h 1410044"/>
+              <a:gd name="connsiteX54" fmla="*/ 1824933 w 5090501"/>
+              <a:gd name="connsiteY54" fmla="*/ 918704 h 1410044"/>
+              <a:gd name="connsiteX55" fmla="*/ 1884920 w 5090501"/>
+              <a:gd name="connsiteY55" fmla="*/ 929697 h 1410044"/>
+              <a:gd name="connsiteX56" fmla="*/ 1884920 w 5090501"/>
+              <a:gd name="connsiteY56" fmla="*/ 929697 h 1410044"/>
+              <a:gd name="connsiteX57" fmla="*/ 1884920 w 5090501"/>
+              <a:gd name="connsiteY57" fmla="*/ 929697 h 1410044"/>
+              <a:gd name="connsiteX58" fmla="*/ 1944428 w 5090501"/>
+              <a:gd name="connsiteY58" fmla="*/ 915358 h 1410044"/>
+              <a:gd name="connsiteX59" fmla="*/ 1944428 w 5090501"/>
+              <a:gd name="connsiteY59" fmla="*/ 915358 h 1410044"/>
+              <a:gd name="connsiteX60" fmla="*/ 1944428 w 5090501"/>
+              <a:gd name="connsiteY60" fmla="*/ 915358 h 1410044"/>
+              <a:gd name="connsiteX61" fmla="*/ 1993206 w 5090501"/>
+              <a:gd name="connsiteY61" fmla="*/ 876881 h 1410044"/>
+              <a:gd name="connsiteX62" fmla="*/ 1993206 w 5090501"/>
+              <a:gd name="connsiteY62" fmla="*/ 876881 h 1410044"/>
+              <a:gd name="connsiteX63" fmla="*/ 1993206 w 5090501"/>
+              <a:gd name="connsiteY63" fmla="*/ 876881 h 1410044"/>
+              <a:gd name="connsiteX64" fmla="*/ 2026163 w 5090501"/>
+              <a:gd name="connsiteY64" fmla="*/ 822630 h 1410044"/>
+              <a:gd name="connsiteX65" fmla="*/ 2026163 w 5090501"/>
+              <a:gd name="connsiteY65" fmla="*/ 822630 h 1410044"/>
+              <a:gd name="connsiteX66" fmla="*/ 2026163 w 5090501"/>
+              <a:gd name="connsiteY66" fmla="*/ 822630 h 1410044"/>
+              <a:gd name="connsiteX67" fmla="*/ 2038113 w 5090501"/>
+              <a:gd name="connsiteY67" fmla="*/ 760253 h 1410044"/>
+              <a:gd name="connsiteX68" fmla="*/ 2038113 w 5090501"/>
+              <a:gd name="connsiteY68" fmla="*/ 760253 h 1410044"/>
+              <a:gd name="connsiteX69" fmla="*/ 2038113 w 5090501"/>
+              <a:gd name="connsiteY69" fmla="*/ 318120 h 1410044"/>
+              <a:gd name="connsiteX70" fmla="*/ 2241972 w 5090501"/>
+              <a:gd name="connsiteY70" fmla="*/ 318120 h 1410044"/>
+              <a:gd name="connsiteX71" fmla="*/ 2241972 w 5090501"/>
+              <a:gd name="connsiteY71" fmla="*/ 1118046 h 1410044"/>
+              <a:gd name="connsiteX72" fmla="*/ 2192764 w 5090501"/>
+              <a:gd name="connsiteY72" fmla="*/ 1118046 h 1410044"/>
+              <a:gd name="connsiteX73" fmla="*/ 2602657 w 5090501"/>
+              <a:gd name="connsiteY73" fmla="*/ 1064249 h 1410044"/>
+              <a:gd name="connsiteX74" fmla="*/ 2602657 w 5090501"/>
+              <a:gd name="connsiteY74" fmla="*/ 1422735 h 1410044"/>
+              <a:gd name="connsiteX75" fmla="*/ 2397340 w 5090501"/>
+              <a:gd name="connsiteY75" fmla="*/ 1422735 h 1410044"/>
+              <a:gd name="connsiteX76" fmla="*/ 2397340 w 5090501"/>
+              <a:gd name="connsiteY76" fmla="*/ 318097 h 1410044"/>
+              <a:gd name="connsiteX77" fmla="*/ 2446572 w 5090501"/>
+              <a:gd name="connsiteY77" fmla="*/ 318097 h 1410044"/>
+              <a:gd name="connsiteX78" fmla="*/ 2528068 w 5090501"/>
+              <a:gd name="connsiteY78" fmla="*/ 414410 h 1410044"/>
+              <a:gd name="connsiteX79" fmla="*/ 2528068 w 5090501"/>
+              <a:gd name="connsiteY79" fmla="*/ 414410 h 1410044"/>
+              <a:gd name="connsiteX80" fmla="*/ 2588532 w 5090501"/>
+              <a:gd name="connsiteY80" fmla="*/ 365178 h 1410044"/>
+              <a:gd name="connsiteX81" fmla="*/ 2588532 w 5090501"/>
+              <a:gd name="connsiteY81" fmla="*/ 365178 h 1410044"/>
+              <a:gd name="connsiteX82" fmla="*/ 2588532 w 5090501"/>
+              <a:gd name="connsiteY82" fmla="*/ 365178 h 1410044"/>
+              <a:gd name="connsiteX83" fmla="*/ 2656883 w 5090501"/>
+              <a:gd name="connsiteY83" fmla="*/ 325242 h 1410044"/>
+              <a:gd name="connsiteX84" fmla="*/ 2656883 w 5090501"/>
+              <a:gd name="connsiteY84" fmla="*/ 325242 h 1410044"/>
+              <a:gd name="connsiteX85" fmla="*/ 2656883 w 5090501"/>
+              <a:gd name="connsiteY85" fmla="*/ 325242 h 1410044"/>
+              <a:gd name="connsiteX86" fmla="*/ 2730493 w 5090501"/>
+              <a:gd name="connsiteY86" fmla="*/ 298714 h 1410044"/>
+              <a:gd name="connsiteX87" fmla="*/ 2730493 w 5090501"/>
+              <a:gd name="connsiteY87" fmla="*/ 298714 h 1410044"/>
+              <a:gd name="connsiteX88" fmla="*/ 2730493 w 5090501"/>
+              <a:gd name="connsiteY88" fmla="*/ 298714 h 1410044"/>
+              <a:gd name="connsiteX89" fmla="*/ 2807448 w 5090501"/>
+              <a:gd name="connsiteY89" fmla="*/ 288940 h 1410044"/>
+              <a:gd name="connsiteX90" fmla="*/ 2807448 w 5090501"/>
+              <a:gd name="connsiteY90" fmla="*/ 288940 h 1410044"/>
+              <a:gd name="connsiteX91" fmla="*/ 2807448 w 5090501"/>
+              <a:gd name="connsiteY91" fmla="*/ 288940 h 1410044"/>
+              <a:gd name="connsiteX92" fmla="*/ 2966137 w 5090501"/>
+              <a:gd name="connsiteY92" fmla="*/ 319292 h 1410044"/>
+              <a:gd name="connsiteX93" fmla="*/ 2966137 w 5090501"/>
+              <a:gd name="connsiteY93" fmla="*/ 319292 h 1410044"/>
+              <a:gd name="connsiteX94" fmla="*/ 2966137 w 5090501"/>
+              <a:gd name="connsiteY94" fmla="*/ 319292 h 1410044"/>
+              <a:gd name="connsiteX95" fmla="*/ 3095909 w 5090501"/>
+              <a:gd name="connsiteY95" fmla="*/ 404850 h 1410044"/>
+              <a:gd name="connsiteX96" fmla="*/ 3095909 w 5090501"/>
+              <a:gd name="connsiteY96" fmla="*/ 404850 h 1410044"/>
+              <a:gd name="connsiteX97" fmla="*/ 3095909 w 5090501"/>
+              <a:gd name="connsiteY97" fmla="*/ 404850 h 1410044"/>
+              <a:gd name="connsiteX98" fmla="*/ 3183882 w 5090501"/>
+              <a:gd name="connsiteY98" fmla="*/ 537968 h 1410044"/>
+              <a:gd name="connsiteX99" fmla="*/ 3183882 w 5090501"/>
+              <a:gd name="connsiteY99" fmla="*/ 537968 h 1410044"/>
+              <a:gd name="connsiteX100" fmla="*/ 3183882 w 5090501"/>
+              <a:gd name="connsiteY100" fmla="*/ 537968 h 1410044"/>
+              <a:gd name="connsiteX101" fmla="*/ 3215907 w 5090501"/>
+              <a:gd name="connsiteY101" fmla="*/ 710973 h 1410044"/>
+              <a:gd name="connsiteX102" fmla="*/ 3215907 w 5090501"/>
+              <a:gd name="connsiteY102" fmla="*/ 710973 h 1410044"/>
+              <a:gd name="connsiteX103" fmla="*/ 3215907 w 5090501"/>
+              <a:gd name="connsiteY103" fmla="*/ 710973 h 1410044"/>
+              <a:gd name="connsiteX104" fmla="*/ 3183882 w 5090501"/>
+              <a:gd name="connsiteY104" fmla="*/ 888328 h 1410044"/>
+              <a:gd name="connsiteX105" fmla="*/ 3183882 w 5090501"/>
+              <a:gd name="connsiteY105" fmla="*/ 888328 h 1410044"/>
+              <a:gd name="connsiteX106" fmla="*/ 3183882 w 5090501"/>
+              <a:gd name="connsiteY106" fmla="*/ 888328 h 1410044"/>
+              <a:gd name="connsiteX107" fmla="*/ 3095909 w 5090501"/>
+              <a:gd name="connsiteY107" fmla="*/ 1021924 h 1410044"/>
+              <a:gd name="connsiteX108" fmla="*/ 3095909 w 5090501"/>
+              <a:gd name="connsiteY108" fmla="*/ 1021924 h 1410044"/>
+              <a:gd name="connsiteX109" fmla="*/ 3095909 w 5090501"/>
+              <a:gd name="connsiteY109" fmla="*/ 1021924 h 1410044"/>
+              <a:gd name="connsiteX110" fmla="*/ 2966137 w 5090501"/>
+              <a:gd name="connsiteY110" fmla="*/ 1106073 h 1410044"/>
+              <a:gd name="connsiteX111" fmla="*/ 2966137 w 5090501"/>
+              <a:gd name="connsiteY111" fmla="*/ 1106073 h 1410044"/>
+              <a:gd name="connsiteX112" fmla="*/ 2966137 w 5090501"/>
+              <a:gd name="connsiteY112" fmla="*/ 1106073 h 1410044"/>
+              <a:gd name="connsiteX113" fmla="*/ 2807448 w 5090501"/>
+              <a:gd name="connsiteY113" fmla="*/ 1135206 h 1410044"/>
+              <a:gd name="connsiteX114" fmla="*/ 2807448 w 5090501"/>
+              <a:gd name="connsiteY114" fmla="*/ 1135206 h 1410044"/>
+              <a:gd name="connsiteX115" fmla="*/ 2807448 w 5090501"/>
+              <a:gd name="connsiteY115" fmla="*/ 1135206 h 1410044"/>
+              <a:gd name="connsiteX116" fmla="*/ 2753938 w 5090501"/>
+              <a:gd name="connsiteY116" fmla="*/ 1129231 h 1410044"/>
+              <a:gd name="connsiteX117" fmla="*/ 2753938 w 5090501"/>
+              <a:gd name="connsiteY117" fmla="*/ 1129231 h 1410044"/>
+              <a:gd name="connsiteX118" fmla="*/ 2753938 w 5090501"/>
+              <a:gd name="connsiteY118" fmla="*/ 1129231 h 1410044"/>
+              <a:gd name="connsiteX119" fmla="*/ 2701575 w 5090501"/>
+              <a:gd name="connsiteY119" fmla="*/ 1113218 h 1410044"/>
+              <a:gd name="connsiteX120" fmla="*/ 2701575 w 5090501"/>
+              <a:gd name="connsiteY120" fmla="*/ 1113218 h 1410044"/>
+              <a:gd name="connsiteX121" fmla="*/ 2701575 w 5090501"/>
+              <a:gd name="connsiteY121" fmla="*/ 1113218 h 1410044"/>
+              <a:gd name="connsiteX122" fmla="*/ 2650933 w 5090501"/>
+              <a:gd name="connsiteY122" fmla="*/ 1090299 h 1410044"/>
+              <a:gd name="connsiteX123" fmla="*/ 2650933 w 5090501"/>
+              <a:gd name="connsiteY123" fmla="*/ 1090299 h 1410044"/>
+              <a:gd name="connsiteX124" fmla="*/ 2650933 w 5090501"/>
+              <a:gd name="connsiteY124" fmla="*/ 1090299 h 1410044"/>
+              <a:gd name="connsiteX125" fmla="*/ 2602657 w 5090501"/>
+              <a:gd name="connsiteY125" fmla="*/ 1064249 h 1410044"/>
+              <a:gd name="connsiteX126" fmla="*/ 2602657 w 5090501"/>
+              <a:gd name="connsiteY126" fmla="*/ 1064249 h 1410044"/>
+              <a:gd name="connsiteX127" fmla="*/ 3011307 w 5090501"/>
+              <a:gd name="connsiteY127" fmla="*/ 710997 h 1410044"/>
+              <a:gd name="connsiteX128" fmla="*/ 3011307 w 5090501"/>
+              <a:gd name="connsiteY128" fmla="*/ 710997 h 1410044"/>
+              <a:gd name="connsiteX129" fmla="*/ 3011307 w 5090501"/>
+              <a:gd name="connsiteY129" fmla="*/ 710997 h 1410044"/>
+              <a:gd name="connsiteX130" fmla="*/ 2995055 w 5090501"/>
+              <a:gd name="connsiteY130" fmla="*/ 619942 h 1410044"/>
+              <a:gd name="connsiteX131" fmla="*/ 2995055 w 5090501"/>
+              <a:gd name="connsiteY131" fmla="*/ 619942 h 1410044"/>
+              <a:gd name="connsiteX132" fmla="*/ 2995055 w 5090501"/>
+              <a:gd name="connsiteY132" fmla="*/ 619942 h 1410044"/>
+              <a:gd name="connsiteX133" fmla="*/ 2951559 w 5090501"/>
+              <a:gd name="connsiteY133" fmla="*/ 551590 h 1410044"/>
+              <a:gd name="connsiteX134" fmla="*/ 2951559 w 5090501"/>
+              <a:gd name="connsiteY134" fmla="*/ 551590 h 1410044"/>
+              <a:gd name="connsiteX135" fmla="*/ 2951559 w 5090501"/>
+              <a:gd name="connsiteY135" fmla="*/ 551590 h 1410044"/>
+              <a:gd name="connsiteX136" fmla="*/ 2886530 w 5090501"/>
+              <a:gd name="connsiteY136" fmla="*/ 508596 h 1410044"/>
+              <a:gd name="connsiteX137" fmla="*/ 2886530 w 5090501"/>
+              <a:gd name="connsiteY137" fmla="*/ 508596 h 1410044"/>
+              <a:gd name="connsiteX138" fmla="*/ 2886530 w 5090501"/>
+              <a:gd name="connsiteY138" fmla="*/ 508596 h 1410044"/>
+              <a:gd name="connsiteX139" fmla="*/ 2807424 w 5090501"/>
+              <a:gd name="connsiteY139" fmla="*/ 493516 h 1410044"/>
+              <a:gd name="connsiteX140" fmla="*/ 2807424 w 5090501"/>
+              <a:gd name="connsiteY140" fmla="*/ 493516 h 1410044"/>
+              <a:gd name="connsiteX141" fmla="*/ 2807424 w 5090501"/>
+              <a:gd name="connsiteY141" fmla="*/ 493516 h 1410044"/>
+              <a:gd name="connsiteX142" fmla="*/ 2728557 w 5090501"/>
+              <a:gd name="connsiteY142" fmla="*/ 508596 h 1410044"/>
+              <a:gd name="connsiteX143" fmla="*/ 2728557 w 5090501"/>
+              <a:gd name="connsiteY143" fmla="*/ 508596 h 1410044"/>
+              <a:gd name="connsiteX144" fmla="*/ 2728557 w 5090501"/>
+              <a:gd name="connsiteY144" fmla="*/ 508596 h 1410044"/>
+              <a:gd name="connsiteX145" fmla="*/ 2664029 w 5090501"/>
+              <a:gd name="connsiteY145" fmla="*/ 551590 h 1410044"/>
+              <a:gd name="connsiteX146" fmla="*/ 2664029 w 5090501"/>
+              <a:gd name="connsiteY146" fmla="*/ 551590 h 1410044"/>
+              <a:gd name="connsiteX147" fmla="*/ 2664029 w 5090501"/>
+              <a:gd name="connsiteY147" fmla="*/ 551590 h 1410044"/>
+              <a:gd name="connsiteX148" fmla="*/ 2620294 w 5090501"/>
+              <a:gd name="connsiteY148" fmla="*/ 619942 h 1410044"/>
+              <a:gd name="connsiteX149" fmla="*/ 2620294 w 5090501"/>
+              <a:gd name="connsiteY149" fmla="*/ 619942 h 1410044"/>
+              <a:gd name="connsiteX150" fmla="*/ 2620294 w 5090501"/>
+              <a:gd name="connsiteY150" fmla="*/ 619942 h 1410044"/>
+              <a:gd name="connsiteX151" fmla="*/ 2604282 w 5090501"/>
+              <a:gd name="connsiteY151" fmla="*/ 710997 h 1410044"/>
+              <a:gd name="connsiteX152" fmla="*/ 2604282 w 5090501"/>
+              <a:gd name="connsiteY152" fmla="*/ 710997 h 1410044"/>
+              <a:gd name="connsiteX153" fmla="*/ 2604282 w 5090501"/>
+              <a:gd name="connsiteY153" fmla="*/ 710997 h 1410044"/>
+              <a:gd name="connsiteX154" fmla="*/ 2620294 w 5090501"/>
+              <a:gd name="connsiteY154" fmla="*/ 799926 h 1410044"/>
+              <a:gd name="connsiteX155" fmla="*/ 2620294 w 5090501"/>
+              <a:gd name="connsiteY155" fmla="*/ 799926 h 1410044"/>
+              <a:gd name="connsiteX156" fmla="*/ 2620294 w 5090501"/>
+              <a:gd name="connsiteY156" fmla="*/ 799926 h 1410044"/>
+              <a:gd name="connsiteX157" fmla="*/ 2664029 w 5090501"/>
+              <a:gd name="connsiteY157" fmla="*/ 868516 h 1410044"/>
+              <a:gd name="connsiteX158" fmla="*/ 2664029 w 5090501"/>
+              <a:gd name="connsiteY158" fmla="*/ 868516 h 1410044"/>
+              <a:gd name="connsiteX159" fmla="*/ 2664029 w 5090501"/>
+              <a:gd name="connsiteY159" fmla="*/ 868516 h 1410044"/>
+              <a:gd name="connsiteX160" fmla="*/ 2728557 w 5090501"/>
+              <a:gd name="connsiteY160" fmla="*/ 912729 h 1410044"/>
+              <a:gd name="connsiteX161" fmla="*/ 2728557 w 5090501"/>
+              <a:gd name="connsiteY161" fmla="*/ 912729 h 1410044"/>
+              <a:gd name="connsiteX162" fmla="*/ 2728557 w 5090501"/>
+              <a:gd name="connsiteY162" fmla="*/ 912729 h 1410044"/>
+              <a:gd name="connsiteX163" fmla="*/ 2807424 w 5090501"/>
+              <a:gd name="connsiteY163" fmla="*/ 928264 h 1410044"/>
+              <a:gd name="connsiteX164" fmla="*/ 2807424 w 5090501"/>
+              <a:gd name="connsiteY164" fmla="*/ 928264 h 1410044"/>
+              <a:gd name="connsiteX165" fmla="*/ 2807424 w 5090501"/>
+              <a:gd name="connsiteY165" fmla="*/ 928264 h 1410044"/>
+              <a:gd name="connsiteX166" fmla="*/ 2886530 w 5090501"/>
+              <a:gd name="connsiteY166" fmla="*/ 912729 h 1410044"/>
+              <a:gd name="connsiteX167" fmla="*/ 2886530 w 5090501"/>
+              <a:gd name="connsiteY167" fmla="*/ 912729 h 1410044"/>
+              <a:gd name="connsiteX168" fmla="*/ 2886530 w 5090501"/>
+              <a:gd name="connsiteY168" fmla="*/ 912729 h 1410044"/>
+              <a:gd name="connsiteX169" fmla="*/ 2951559 w 5090501"/>
+              <a:gd name="connsiteY169" fmla="*/ 868516 h 1410044"/>
+              <a:gd name="connsiteX170" fmla="*/ 2951559 w 5090501"/>
+              <a:gd name="connsiteY170" fmla="*/ 868516 h 1410044"/>
+              <a:gd name="connsiteX171" fmla="*/ 2951559 w 5090501"/>
+              <a:gd name="connsiteY171" fmla="*/ 868516 h 1410044"/>
+              <a:gd name="connsiteX172" fmla="*/ 2995055 w 5090501"/>
+              <a:gd name="connsiteY172" fmla="*/ 799926 h 1410044"/>
+              <a:gd name="connsiteX173" fmla="*/ 2995055 w 5090501"/>
+              <a:gd name="connsiteY173" fmla="*/ 799926 h 1410044"/>
+              <a:gd name="connsiteX174" fmla="*/ 2995055 w 5090501"/>
+              <a:gd name="connsiteY174" fmla="*/ 799926 h 1410044"/>
+              <a:gd name="connsiteX175" fmla="*/ 3011307 w 5090501"/>
+              <a:gd name="connsiteY175" fmla="*/ 710997 h 1410044"/>
+              <a:gd name="connsiteX176" fmla="*/ 3533955 w 5090501"/>
+              <a:gd name="connsiteY176" fmla="*/ 0 h 1410044"/>
+              <a:gd name="connsiteX177" fmla="*/ 3533955 w 5090501"/>
+              <a:gd name="connsiteY177" fmla="*/ 1118022 h 1410044"/>
+              <a:gd name="connsiteX178" fmla="*/ 3328662 w 5090501"/>
+              <a:gd name="connsiteY178" fmla="*/ 1118022 h 1410044"/>
+              <a:gd name="connsiteX179" fmla="*/ 3328662 w 5090501"/>
+              <a:gd name="connsiteY179" fmla="*/ 0 h 1410044"/>
+              <a:gd name="connsiteX180" fmla="*/ 3533955 w 5090501"/>
+              <a:gd name="connsiteY180" fmla="*/ 0 h 1410044"/>
+              <a:gd name="connsiteX181" fmla="*/ 4389805 w 5090501"/>
+              <a:gd name="connsiteY181" fmla="*/ 461515 h 1410044"/>
+              <a:gd name="connsiteX182" fmla="*/ 4007420 w 5090501"/>
+              <a:gd name="connsiteY182" fmla="*/ 922289 h 1410044"/>
+              <a:gd name="connsiteX183" fmla="*/ 4007420 w 5090501"/>
+              <a:gd name="connsiteY183" fmla="*/ 922289 h 1410044"/>
+              <a:gd name="connsiteX184" fmla="*/ 4031319 w 5090501"/>
+              <a:gd name="connsiteY184" fmla="*/ 927308 h 1410044"/>
+              <a:gd name="connsiteX185" fmla="*/ 4031319 w 5090501"/>
+              <a:gd name="connsiteY185" fmla="*/ 927308 h 1410044"/>
+              <a:gd name="connsiteX186" fmla="*/ 4031319 w 5090501"/>
+              <a:gd name="connsiteY186" fmla="*/ 927308 h 1410044"/>
+              <a:gd name="connsiteX187" fmla="*/ 4055218 w 5090501"/>
+              <a:gd name="connsiteY187" fmla="*/ 928264 h 1410044"/>
+              <a:gd name="connsiteX188" fmla="*/ 4055218 w 5090501"/>
+              <a:gd name="connsiteY188" fmla="*/ 928264 h 1410044"/>
+              <a:gd name="connsiteX189" fmla="*/ 4055218 w 5090501"/>
+              <a:gd name="connsiteY189" fmla="*/ 928264 h 1410044"/>
+              <a:gd name="connsiteX190" fmla="*/ 4112815 w 5090501"/>
+              <a:gd name="connsiteY190" fmla="*/ 920114 h 1410044"/>
+              <a:gd name="connsiteX191" fmla="*/ 4112815 w 5090501"/>
+              <a:gd name="connsiteY191" fmla="*/ 920114 h 1410044"/>
+              <a:gd name="connsiteX192" fmla="*/ 4112815 w 5090501"/>
+              <a:gd name="connsiteY192" fmla="*/ 920114 h 1410044"/>
+              <a:gd name="connsiteX193" fmla="*/ 4164676 w 5090501"/>
+              <a:gd name="connsiteY193" fmla="*/ 896478 h 1410044"/>
+              <a:gd name="connsiteX194" fmla="*/ 4164676 w 5090501"/>
+              <a:gd name="connsiteY194" fmla="*/ 896478 h 1410044"/>
+              <a:gd name="connsiteX195" fmla="*/ 4164676 w 5090501"/>
+              <a:gd name="connsiteY195" fmla="*/ 896478 h 1410044"/>
+              <a:gd name="connsiteX196" fmla="*/ 4207957 w 5090501"/>
+              <a:gd name="connsiteY196" fmla="*/ 859195 h 1410044"/>
+              <a:gd name="connsiteX197" fmla="*/ 4207957 w 5090501"/>
+              <a:gd name="connsiteY197" fmla="*/ 859195 h 1410044"/>
+              <a:gd name="connsiteX198" fmla="*/ 4207957 w 5090501"/>
+              <a:gd name="connsiteY198" fmla="*/ 859195 h 1410044"/>
+              <a:gd name="connsiteX199" fmla="*/ 4239002 w 5090501"/>
+              <a:gd name="connsiteY199" fmla="*/ 810178 h 1410044"/>
+              <a:gd name="connsiteX200" fmla="*/ 4239002 w 5090501"/>
+              <a:gd name="connsiteY200" fmla="*/ 810178 h 1410044"/>
+              <a:gd name="connsiteX201" fmla="*/ 4388371 w 5090501"/>
+              <a:gd name="connsiteY201" fmla="*/ 960503 h 1410044"/>
+              <a:gd name="connsiteX202" fmla="*/ 4388371 w 5090501"/>
+              <a:gd name="connsiteY202" fmla="*/ 960503 h 1410044"/>
+              <a:gd name="connsiteX203" fmla="*/ 4323150 w 5090501"/>
+              <a:gd name="connsiteY203" fmla="*/ 1032917 h 1410044"/>
+              <a:gd name="connsiteX204" fmla="*/ 4323150 w 5090501"/>
+              <a:gd name="connsiteY204" fmla="*/ 1032917 h 1410044"/>
+              <a:gd name="connsiteX205" fmla="*/ 4323150 w 5090501"/>
+              <a:gd name="connsiteY205" fmla="*/ 1032917 h 1410044"/>
+              <a:gd name="connsiteX206" fmla="*/ 4243041 w 5090501"/>
+              <a:gd name="connsiteY206" fmla="*/ 1087384 h 1410044"/>
+              <a:gd name="connsiteX207" fmla="*/ 4243041 w 5090501"/>
+              <a:gd name="connsiteY207" fmla="*/ 1087384 h 1410044"/>
+              <a:gd name="connsiteX208" fmla="*/ 4243041 w 5090501"/>
+              <a:gd name="connsiteY208" fmla="*/ 1087384 h 1410044"/>
+              <a:gd name="connsiteX209" fmla="*/ 4152726 w 5090501"/>
+              <a:gd name="connsiteY209" fmla="*/ 1121344 h 1410044"/>
+              <a:gd name="connsiteX210" fmla="*/ 4152726 w 5090501"/>
+              <a:gd name="connsiteY210" fmla="*/ 1121344 h 1410044"/>
+              <a:gd name="connsiteX211" fmla="*/ 4152726 w 5090501"/>
+              <a:gd name="connsiteY211" fmla="*/ 1121344 h 1410044"/>
+              <a:gd name="connsiteX212" fmla="*/ 4055218 w 5090501"/>
+              <a:gd name="connsiteY212" fmla="*/ 1133031 h 1410044"/>
+              <a:gd name="connsiteX213" fmla="*/ 4055218 w 5090501"/>
+              <a:gd name="connsiteY213" fmla="*/ 1133031 h 1410044"/>
+              <a:gd name="connsiteX214" fmla="*/ 4055218 w 5090501"/>
+              <a:gd name="connsiteY214" fmla="*/ 1133031 h 1410044"/>
+              <a:gd name="connsiteX215" fmla="*/ 3896504 w 5090501"/>
+              <a:gd name="connsiteY215" fmla="*/ 1101508 h 1410044"/>
+              <a:gd name="connsiteX216" fmla="*/ 3896504 w 5090501"/>
+              <a:gd name="connsiteY216" fmla="*/ 1101508 h 1410044"/>
+              <a:gd name="connsiteX217" fmla="*/ 3896504 w 5090501"/>
+              <a:gd name="connsiteY217" fmla="*/ 1101508 h 1410044"/>
+              <a:gd name="connsiteX218" fmla="*/ 3766732 w 5090501"/>
+              <a:gd name="connsiteY218" fmla="*/ 1014276 h 1410044"/>
+              <a:gd name="connsiteX219" fmla="*/ 3766732 w 5090501"/>
+              <a:gd name="connsiteY219" fmla="*/ 1014276 h 1410044"/>
+              <a:gd name="connsiteX220" fmla="*/ 3766732 w 5090501"/>
+              <a:gd name="connsiteY220" fmla="*/ 1014276 h 1410044"/>
+              <a:gd name="connsiteX221" fmla="*/ 3678784 w 5090501"/>
+              <a:gd name="connsiteY221" fmla="*/ 880919 h 1410044"/>
+              <a:gd name="connsiteX222" fmla="*/ 3678784 w 5090501"/>
+              <a:gd name="connsiteY222" fmla="*/ 880919 h 1410044"/>
+              <a:gd name="connsiteX223" fmla="*/ 3678784 w 5090501"/>
+              <a:gd name="connsiteY223" fmla="*/ 880919 h 1410044"/>
+              <a:gd name="connsiteX224" fmla="*/ 3646759 w 5090501"/>
+              <a:gd name="connsiteY224" fmla="*/ 710997 h 1410044"/>
+              <a:gd name="connsiteX225" fmla="*/ 3646759 w 5090501"/>
+              <a:gd name="connsiteY225" fmla="*/ 710997 h 1410044"/>
+              <a:gd name="connsiteX226" fmla="*/ 3646759 w 5090501"/>
+              <a:gd name="connsiteY226" fmla="*/ 710997 h 1410044"/>
+              <a:gd name="connsiteX227" fmla="*/ 3678784 w 5090501"/>
+              <a:gd name="connsiteY227" fmla="*/ 537729 h 1410044"/>
+              <a:gd name="connsiteX228" fmla="*/ 3678784 w 5090501"/>
+              <a:gd name="connsiteY228" fmla="*/ 537729 h 1410044"/>
+              <a:gd name="connsiteX229" fmla="*/ 3678784 w 5090501"/>
+              <a:gd name="connsiteY229" fmla="*/ 537729 h 1410044"/>
+              <a:gd name="connsiteX230" fmla="*/ 3766732 w 5090501"/>
+              <a:gd name="connsiteY230" fmla="*/ 403894 h 1410044"/>
+              <a:gd name="connsiteX231" fmla="*/ 3766732 w 5090501"/>
+              <a:gd name="connsiteY231" fmla="*/ 403894 h 1410044"/>
+              <a:gd name="connsiteX232" fmla="*/ 3766732 w 5090501"/>
+              <a:gd name="connsiteY232" fmla="*/ 403894 h 1410044"/>
+              <a:gd name="connsiteX233" fmla="*/ 3896504 w 5090501"/>
+              <a:gd name="connsiteY233" fmla="*/ 318097 h 1410044"/>
+              <a:gd name="connsiteX234" fmla="*/ 3896504 w 5090501"/>
+              <a:gd name="connsiteY234" fmla="*/ 318097 h 1410044"/>
+              <a:gd name="connsiteX235" fmla="*/ 3896504 w 5090501"/>
+              <a:gd name="connsiteY235" fmla="*/ 318097 h 1410044"/>
+              <a:gd name="connsiteX236" fmla="*/ 4055218 w 5090501"/>
+              <a:gd name="connsiteY236" fmla="*/ 287530 h 1410044"/>
+              <a:gd name="connsiteX237" fmla="*/ 4055218 w 5090501"/>
+              <a:gd name="connsiteY237" fmla="*/ 287530 h 1410044"/>
+              <a:gd name="connsiteX238" fmla="*/ 4055218 w 5090501"/>
+              <a:gd name="connsiteY238" fmla="*/ 287530 h 1410044"/>
+              <a:gd name="connsiteX239" fmla="*/ 4153204 w 5090501"/>
+              <a:gd name="connsiteY239" fmla="*/ 299479 h 1410044"/>
+              <a:gd name="connsiteX240" fmla="*/ 4153204 w 5090501"/>
+              <a:gd name="connsiteY240" fmla="*/ 299479 h 1410044"/>
+              <a:gd name="connsiteX241" fmla="*/ 4153204 w 5090501"/>
+              <a:gd name="connsiteY241" fmla="*/ 299479 h 1410044"/>
+              <a:gd name="connsiteX242" fmla="*/ 4243806 w 5090501"/>
+              <a:gd name="connsiteY242" fmla="*/ 333870 h 1410044"/>
+              <a:gd name="connsiteX243" fmla="*/ 4243806 w 5090501"/>
+              <a:gd name="connsiteY243" fmla="*/ 333870 h 1410044"/>
+              <a:gd name="connsiteX244" fmla="*/ 4243806 w 5090501"/>
+              <a:gd name="connsiteY244" fmla="*/ 333870 h 1410044"/>
+              <a:gd name="connsiteX245" fmla="*/ 4324083 w 5090501"/>
+              <a:gd name="connsiteY245" fmla="*/ 388599 h 1410044"/>
+              <a:gd name="connsiteX246" fmla="*/ 4324083 w 5090501"/>
+              <a:gd name="connsiteY246" fmla="*/ 388599 h 1410044"/>
+              <a:gd name="connsiteX247" fmla="*/ 4324083 w 5090501"/>
+              <a:gd name="connsiteY247" fmla="*/ 388599 h 1410044"/>
+              <a:gd name="connsiteX248" fmla="*/ 4389805 w 5090501"/>
+              <a:gd name="connsiteY248" fmla="*/ 461515 h 1410044"/>
+              <a:gd name="connsiteX249" fmla="*/ 4389805 w 5090501"/>
+              <a:gd name="connsiteY249" fmla="*/ 461515 h 1410044"/>
+              <a:gd name="connsiteX250" fmla="*/ 3874517 w 5090501"/>
+              <a:gd name="connsiteY250" fmla="*/ 817109 h 1410044"/>
+              <a:gd name="connsiteX251" fmla="*/ 4112098 w 5090501"/>
+              <a:gd name="connsiteY251" fmla="*/ 501880 h 1410044"/>
+              <a:gd name="connsiteX252" fmla="*/ 4112098 w 5090501"/>
+              <a:gd name="connsiteY252" fmla="*/ 501880 h 1410044"/>
+              <a:gd name="connsiteX253" fmla="*/ 4084136 w 5090501"/>
+              <a:gd name="connsiteY253" fmla="*/ 495213 h 1410044"/>
+              <a:gd name="connsiteX254" fmla="*/ 4084136 w 5090501"/>
+              <a:gd name="connsiteY254" fmla="*/ 495213 h 1410044"/>
+              <a:gd name="connsiteX255" fmla="*/ 4084136 w 5090501"/>
+              <a:gd name="connsiteY255" fmla="*/ 495213 h 1410044"/>
+              <a:gd name="connsiteX256" fmla="*/ 4055194 w 5090501"/>
+              <a:gd name="connsiteY256" fmla="*/ 493540 h 1410044"/>
+              <a:gd name="connsiteX257" fmla="*/ 4055194 w 5090501"/>
+              <a:gd name="connsiteY257" fmla="*/ 493540 h 1410044"/>
+              <a:gd name="connsiteX258" fmla="*/ 4055194 w 5090501"/>
+              <a:gd name="connsiteY258" fmla="*/ 493540 h 1410044"/>
+              <a:gd name="connsiteX259" fmla="*/ 3976590 w 5090501"/>
+              <a:gd name="connsiteY259" fmla="*/ 509074 h 1410044"/>
+              <a:gd name="connsiteX260" fmla="*/ 3976590 w 5090501"/>
+              <a:gd name="connsiteY260" fmla="*/ 509074 h 1410044"/>
+              <a:gd name="connsiteX261" fmla="*/ 3976590 w 5090501"/>
+              <a:gd name="connsiteY261" fmla="*/ 509074 h 1410044"/>
+              <a:gd name="connsiteX262" fmla="*/ 3912278 w 5090501"/>
+              <a:gd name="connsiteY262" fmla="*/ 552570 h 1410044"/>
+              <a:gd name="connsiteX263" fmla="*/ 3912278 w 5090501"/>
+              <a:gd name="connsiteY263" fmla="*/ 552570 h 1410044"/>
+              <a:gd name="connsiteX264" fmla="*/ 3912278 w 5090501"/>
+              <a:gd name="connsiteY264" fmla="*/ 552570 h 1410044"/>
+              <a:gd name="connsiteX265" fmla="*/ 3869283 w 5090501"/>
+              <a:gd name="connsiteY265" fmla="*/ 620898 h 1410044"/>
+              <a:gd name="connsiteX266" fmla="*/ 3869283 w 5090501"/>
+              <a:gd name="connsiteY266" fmla="*/ 620898 h 1410044"/>
+              <a:gd name="connsiteX267" fmla="*/ 3869283 w 5090501"/>
+              <a:gd name="connsiteY267" fmla="*/ 620898 h 1410044"/>
+              <a:gd name="connsiteX268" fmla="*/ 3853749 w 5090501"/>
+              <a:gd name="connsiteY268" fmla="*/ 710997 h 1410044"/>
+              <a:gd name="connsiteX269" fmla="*/ 3853749 w 5090501"/>
+              <a:gd name="connsiteY269" fmla="*/ 710997 h 1410044"/>
+              <a:gd name="connsiteX270" fmla="*/ 3853749 w 5090501"/>
+              <a:gd name="connsiteY270" fmla="*/ 710997 h 1410044"/>
+              <a:gd name="connsiteX271" fmla="*/ 3854681 w 5090501"/>
+              <a:gd name="connsiteY271" fmla="*/ 736354 h 1410044"/>
+              <a:gd name="connsiteX272" fmla="*/ 3854681 w 5090501"/>
+              <a:gd name="connsiteY272" fmla="*/ 736354 h 1410044"/>
+              <a:gd name="connsiteX273" fmla="*/ 3854681 w 5090501"/>
+              <a:gd name="connsiteY273" fmla="*/ 736354 h 1410044"/>
+              <a:gd name="connsiteX274" fmla="*/ 3858505 w 5090501"/>
+              <a:gd name="connsiteY274" fmla="*/ 765033 h 1410044"/>
+              <a:gd name="connsiteX275" fmla="*/ 3858505 w 5090501"/>
+              <a:gd name="connsiteY275" fmla="*/ 765033 h 1410044"/>
+              <a:gd name="connsiteX276" fmla="*/ 3858505 w 5090501"/>
+              <a:gd name="connsiteY276" fmla="*/ 765033 h 1410044"/>
+              <a:gd name="connsiteX277" fmla="*/ 3864981 w 5090501"/>
+              <a:gd name="connsiteY277" fmla="*/ 793234 h 1410044"/>
+              <a:gd name="connsiteX278" fmla="*/ 3864981 w 5090501"/>
+              <a:gd name="connsiteY278" fmla="*/ 793234 h 1410044"/>
+              <a:gd name="connsiteX279" fmla="*/ 3864981 w 5090501"/>
+              <a:gd name="connsiteY279" fmla="*/ 793234 h 1410044"/>
+              <a:gd name="connsiteX280" fmla="*/ 3874517 w 5090501"/>
+              <a:gd name="connsiteY280" fmla="*/ 817109 h 1410044"/>
+              <a:gd name="connsiteX281" fmla="*/ 3874517 w 5090501"/>
+              <a:gd name="connsiteY281" fmla="*/ 817109 h 1410044"/>
+              <a:gd name="connsiteX282" fmla="*/ 4795396 w 5090501"/>
+              <a:gd name="connsiteY282" fmla="*/ 535339 h 1410044"/>
+              <a:gd name="connsiteX283" fmla="*/ 4489225 w 5090501"/>
+              <a:gd name="connsiteY283" fmla="*/ 227782 h 1410044"/>
+              <a:gd name="connsiteX284" fmla="*/ 4649851 w 5090501"/>
+              <a:gd name="connsiteY284" fmla="*/ 76238 h 1410044"/>
+              <a:gd name="connsiteX285" fmla="*/ 5100109 w 5090501"/>
+              <a:gd name="connsiteY285" fmla="*/ 544445 h 1410044"/>
+              <a:gd name="connsiteX286" fmla="*/ 4639311 w 5090501"/>
+              <a:gd name="connsiteY286" fmla="*/ 977472 h 1410044"/>
+              <a:gd name="connsiteX287" fmla="*/ 4490683 w 5090501"/>
+              <a:gd name="connsiteY287" fmla="*/ 811851 h 1410044"/>
+              <a:gd name="connsiteX288" fmla="*/ 4795396 w 5090501"/>
+              <a:gd name="connsiteY288" fmla="*/ 535339 h 1410044"/>
+            </a:gdLst>
+            <a:ahLst/>
+            <a:cxnLst>
+              <a:cxn ang="0">
+                <a:pos x="connsiteX0" y="connsiteY0"/>
+              </a:cxn>
+              <a:cxn ang="0">
+                <a:pos x="connsiteX1" y="connsiteY1"/>
+              </a:cxn>
+              <a:cxn ang="0">
+                <a:pos x="connsiteX2" y="connsiteY2"/>
+              </a:cxn>
+              <a:cxn ang="0">
+                <a:pos x="connsiteX3" y="connsiteY3"/>
+              </a:cxn>
+              <a:cxn ang="0">
+                <a:pos x="connsiteX4" y="connsiteY4"/>
+              </a:cxn>
+              <a:cxn ang="0">
+                <a:pos x="connsiteX5" y="connsiteY5"/>
+              </a:cxn>
+              <a:cxn ang="0">
+                <a:pos x="connsiteX6" y="connsiteY6"/>
+              </a:cxn>
+              <a:cxn ang="0">
+                <a:pos x="connsiteX7" y="connsiteY7"/>
+              </a:cxn>
+              <a:cxn ang="0">
+                <a:pos x="connsiteX8" y="connsiteY8"/>
+              </a:cxn>
+              <a:cxn ang="0">
+                <a:pos x="connsiteX9" y="connsiteY9"/>
+              </a:cxn>
+              <a:cxn ang="0">
+                <a:pos x="connsiteX10" y="connsiteY10"/>
+              </a:cxn>
+              <a:cxn ang="0">
+                <a:pos x="connsiteX11" y="connsiteY11"/>
+              </a:cxn>
+              <a:cxn ang="0">
+                <a:pos x="connsiteX12" y="connsiteY12"/>
+              </a:cxn>
+              <a:cxn ang="0">
+                <a:pos x="connsiteX13" y="connsiteY13"/>
+              </a:cxn>
+              <a:cxn ang="0">
+                <a:pos x="connsiteX14" y="connsiteY14"/>
+              </a:cxn>
+              <a:cxn ang="0">
+                <a:pos x="connsiteX15" y="connsiteY15"/>
+              </a:cxn>
+              <a:cxn ang="0">
+                <a:pos x="connsiteX16" y="connsiteY16"/>
+              </a:cxn>
+              <a:cxn ang="0">
+                <a:pos x="connsiteX17" y="connsiteY17"/>
+              </a:cxn>
+              <a:cxn ang="0">
+                <a:pos x="connsiteX18" y="connsiteY18"/>
+              </a:cxn>
+              <a:cxn ang="0">
+                <a:pos x="connsiteX19" y="connsiteY19"/>
+              </a:cxn>
+              <a:cxn ang="0">
+                <a:pos x="connsiteX20" y="connsiteY20"/>
+              </a:cxn>
+              <a:cxn ang="0">
+                <a:pos x="connsiteX21" y="connsiteY21"/>
+              </a:cxn>
+              <a:cxn ang="0">
+                <a:pos x="connsiteX22" y="connsiteY22"/>
+              </a:cxn>
+              <a:cxn ang="0">
+                <a:pos x="connsiteX23" y="connsiteY23"/>
+              </a:cxn>
+              <a:cxn ang="0">
+                <a:pos x="connsiteX24" y="connsiteY24"/>
+              </a:cxn>
+              <a:cxn ang="0">
+                <a:pos x="connsiteX25" y="connsiteY25"/>
+              </a:cxn>
+              <a:cxn ang="0">
+                <a:pos x="connsiteX26" y="connsiteY26"/>
+              </a:cxn>
+              <a:cxn ang="0">
+                <a:pos x="connsiteX27" y="connsiteY27"/>
+              </a:cxn>
+              <a:cxn ang="0">
+                <a:pos x="connsiteX28" y="connsiteY28"/>
+              </a:cxn>
+              <a:cxn ang="0">
+                <a:pos x="connsiteX29" y="connsiteY29"/>
+              </a:cxn>
+              <a:cxn ang="0">
+                <a:pos x="connsiteX30" y="connsiteY30"/>
+              </a:cxn>
+              <a:cxn ang="0">
+                <a:pos x="connsiteX31" y="connsiteY31"/>
+              </a:cxn>
+              <a:cxn ang="0">
+                <a:pos x="connsiteX32" y="connsiteY32"/>
+              </a:cxn>
+              <a:cxn ang="0">
+                <a:pos x="connsiteX33" y="connsiteY33"/>
+              </a:cxn>
+              <a:cxn ang="0">
+                <a:pos x="connsiteX34" y="connsiteY34"/>
+              </a:cxn>
+              <a:cxn ang="0">
+                <a:pos x="connsiteX35" y="connsiteY35"/>
+              </a:cxn>
+              <a:cxn ang="0">
+                <a:pos x="connsiteX36" y="connsiteY36"/>
+              </a:cxn>
+              <a:cxn ang="0">
+                <a:pos x="connsiteX37" y="connsiteY37"/>
+              </a:cxn>
+              <a:cxn ang="0">
+                <a:pos x="connsiteX38" y="connsiteY38"/>
+              </a:cxn>
+              <a:cxn ang="0">
+                <a:pos x="connsiteX39" y="connsiteY39"/>
+              </a:cxn>
+              <a:cxn ang="0">
+                <a:pos x="connsiteX40" y="connsiteY40"/>
+              </a:cxn>
+              <a:cxn ang="0">
+                <a:pos x="connsiteX41" y="connsiteY41"/>
+              </a:cxn>
+              <a:cxn ang="0">
+                <a:pos x="connsiteX42" y="connsiteY42"/>
+              </a:cxn>
+              <a:cxn ang="0">
+                <a:pos x="connsiteX43" y="connsiteY43"/>
+              </a:cxn>
+              <a:cxn ang="0">
+                <a:pos x="connsiteX44" y="connsiteY44"/>
+              </a:cxn>
+              <a:cxn ang="0">
+                <a:pos x="connsiteX45" y="connsiteY45"/>
+              </a:cxn>
+              <a:cxn ang="0">
+                <a:pos x="connsiteX46" y="connsiteY46"/>
+              </a:cxn>
+              <a:cxn ang="0">
+                <a:pos x="connsiteX47" y="connsiteY47"/>
+              </a:cxn>
+              <a:cxn ang="0">
+                <a:pos x="connsiteX48" y="connsiteY48"/>
+              </a:cxn>
+              <a:cxn ang="0">
+                <a:pos x="connsiteX49" y="connsiteY49"/>
+              </a:cxn>
+              <a:cxn ang="0">
+                <a:pos x="connsiteX50" y="connsiteY50"/>
+              </a:cxn>
+              <a:cxn ang="0">
+                <a:pos x="connsiteX51" y="connsiteY51"/>
+              </a:cxn>
+              <a:cxn ang="0">
+                <a:pos x="connsiteX52" y="connsiteY52"/>
+              </a:cxn>
+              <a:cxn ang="0">
+                <a:pos x="connsiteX53" y="connsiteY53"/>
+              </a:cxn>
+              <a:cxn ang="0">
+                <a:pos x="connsiteX54" y="connsiteY54"/>
+              </a:cxn>
+              <a:cxn ang="0">
+                <a:pos x="connsiteX55" y="connsiteY55"/>
+              </a:cxn>
+              <a:cxn ang="0">
+                <a:pos x="connsiteX56" y="connsiteY56"/>
+              </a:cxn>
+              <a:cxn ang="0">
+                <a:pos x="connsiteX57" y="connsiteY57"/>
+              </a:cxn>
+              <a:cxn ang="0">
+                <a:pos x="connsiteX58" y="connsiteY58"/>
+              </a:cxn>
+              <a:cxn ang="0">
+                <a:pos x="connsiteX59" y="connsiteY59"/>
+              </a:cxn>
+              <a:cxn ang="0">
+                <a:pos x="connsiteX60" y="connsiteY60"/>
+              </a:cxn>
+              <a:cxn ang="0">
+                <a:pos x="connsiteX61" y="connsiteY61"/>
+              </a:cxn>
+              <a:cxn ang="0">
+                <a:pos x="connsiteX62" y="connsiteY62"/>
+              </a:cxn>
+              <a:cxn ang="0">
+                <a:pos x="connsiteX63" y="connsiteY63"/>
+              </a:cxn>
+              <a:cxn ang="0">
+                <a:pos x="connsiteX64" y="connsiteY64"/>
+              </a:cxn>
+              <a:cxn ang="0">
+                <a:pos x="connsiteX65" y="connsiteY65"/>
+              </a:cxn>
+              <a:cxn ang="0">
+                <a:pos x="connsiteX66" y="connsiteY66"/>
+              </a:cxn>
+              <a:cxn ang="0">
+                <a:pos x="connsiteX67" y="connsiteY67"/>
+              </a:cxn>
+              <a:cxn ang="0">
+                <a:pos x="connsiteX68" y="connsiteY68"/>
+              </a:cxn>
+              <a:cxn ang="0">
+                <a:pos x="connsiteX69" y="connsiteY69"/>
+              </a:cxn>
+              <a:cxn ang="0">
+                <a:pos x="connsiteX70" y="connsiteY70"/>
+              </a:cxn>
+              <a:cxn ang="0">
+                <a:pos x="connsiteX71" y="connsiteY71"/>
+              </a:cxn>
+              <a:cxn ang="0">
+                <a:pos x="connsiteX72" y="connsiteY72"/>
+              </a:cxn>
+              <a:cxn ang="0">
+                <a:pos x="connsiteX73" y="connsiteY73"/>
+              </a:cxn>
+              <a:cxn ang="0">
+                <a:pos x="connsiteX74" y="connsiteY74"/>
+              </a:cxn>
+              <a:cxn ang="0">
+                <a:pos x="connsiteX75" y="connsiteY75"/>
+              </a:cxn>
+              <a:cxn ang="0">
+                <a:pos x="connsiteX76" y="connsiteY76"/>
+              </a:cxn>
+              <a:cxn ang="0">
+                <a:pos x="connsiteX77" y="connsiteY77"/>
+              </a:cxn>
+              <a:cxn ang="0">
+                <a:pos x="connsiteX78" y="connsiteY78"/>
+              </a:cxn>
+              <a:cxn ang="0">
+                <a:pos x="connsiteX79" y="connsiteY79"/>
+              </a:cxn>
+              <a:cxn ang="0">
+                <a:pos x="connsiteX80" y="connsiteY80"/>
+              </a:cxn>
+              <a:cxn ang="0">
+                <a:pos x="connsiteX81" y="connsiteY81"/>
+              </a:cxn>
+              <a:cxn ang="0">
+                <a:pos x="connsiteX82" y="connsiteY82"/>
+              </a:cxn>
+              <a:cxn ang="0">
+                <a:pos x="connsiteX83" y="connsiteY83"/>
+              </a:cxn>
+              <a:cxn ang="0">
+                <a:pos x="connsiteX84" y="connsiteY84"/>
+              </a:cxn>
+              <a:cxn ang="0">
+                <a:pos x="connsiteX85" y="connsiteY85"/>
+              </a:cxn>
+              <a:cxn ang="0">
+                <a:pos x="connsiteX86" y="connsiteY86"/>
+              </a:cxn>
+              <a:cxn ang="0">
+                <a:pos x="connsiteX87" y="connsiteY87"/>
+              </a:cxn>
+              <a:cxn ang="0">
+                <a:pos x="connsiteX88" y="connsiteY88"/>
+              </a:cxn>
+              <a:cxn ang="0">
+                <a:pos x="connsiteX89" y="connsiteY89"/>
+              </a:cxn>
+              <a:cxn ang="0">
+                <a:pos x="connsiteX90" y="connsiteY90"/>
+              </a:cxn>
+              <a:cxn ang="0">
+                <a:pos x="connsiteX91" y="connsiteY91"/>
+              </a:cxn>
+              <a:cxn ang="0">
+                <a:pos x="connsiteX92" y="connsiteY92"/>
+              </a:cxn>
+              <a:cxn ang="0">
+                <a:pos x="connsiteX93" y="connsiteY93"/>
+              </a:cxn>
+              <a:cxn ang="0">
+                <a:pos x="connsiteX94" y="connsiteY94"/>
+              </a:cxn>
+              <a:cxn ang="0">
+                <a:pos x="connsiteX95" y="connsiteY95"/>
+              </a:cxn>
+              <a:cxn ang="0">
+                <a:pos x="connsiteX96" y="connsiteY96"/>
+              </a:cxn>
+              <a:cxn ang="0">
+                <a:pos x="connsiteX97" y="connsiteY97"/>
+              </a:cxn>
+              <a:cxn ang="0">
+                <a:pos x="connsiteX98" y="connsiteY98"/>
+              </a:cxn>
+              <a:cxn ang="0">
+                <a:pos x="connsiteX99" y="connsiteY99"/>
+              </a:cxn>
+              <a:cxn ang="0">
+                <a:pos x="connsiteX100" y="connsiteY100"/>
+              </a:cxn>
+              <a:cxn ang="0">
+                <a:pos x="connsiteX101" y="connsiteY101"/>
+              </a:cxn>
+              <a:cxn ang="0">
+                <a:pos x="connsiteX102" y="connsiteY102"/>
+              </a:cxn>
+              <a:cxn ang="0">
+                <a:pos x="connsiteX103" y="connsiteY103"/>
+              </a:cxn>
+              <a:cxn ang="0">
+                <a:pos x="connsiteX104" y="connsiteY104"/>
+              </a:cxn>
+              <a:cxn ang="0">
+                <a:pos x="connsiteX105" y="connsiteY105"/>
+              </a:cxn>
+              <a:cxn ang="0">
+                <a:pos x="connsiteX106" y="connsiteY106"/>
+              </a:cxn>
+              <a:cxn ang="0">
+                <a:pos x="connsiteX107" y="connsiteY107"/>
+              </a:cxn>
+              <a:cxn ang="0">
+                <a:pos x="connsiteX108" y="connsiteY108"/>
+              </a:cxn>
+              <a:cxn ang="0">
+                <a:pos x="connsiteX109" y="connsiteY109"/>
+              </a:cxn>
+              <a:cxn ang="0">
+                <a:pos x="connsiteX110" y="connsiteY110"/>
+              </a:cxn>
+              <a:cxn ang="0">
+                <a:pos x="connsiteX111" y="connsiteY111"/>
+              </a:cxn>
+              <a:cxn ang="0">
+                <a:pos x="connsiteX112" y="connsiteY112"/>
+              </a:cxn>
+              <a:cxn ang="0">
+                <a:pos x="connsiteX113" y="connsiteY113"/>
+              </a:cxn>
+              <a:cxn ang="0">
+                <a:pos x="connsiteX114" y="connsiteY114"/>
+              </a:cxn>
+              <a:cxn ang="0">
+                <a:pos x="connsiteX115" y="connsiteY115"/>
+              </a:cxn>
+              <a:cxn ang="0">
+                <a:pos x="connsiteX116" y="connsiteY116"/>
+              </a:cxn>
+              <a:cxn ang="0">
+                <a:pos x="connsiteX117" y="connsiteY117"/>
+              </a:cxn>
+              <a:cxn ang="0">
+                <a:pos x="connsiteX118" y="connsiteY118"/>
+              </a:cxn>
+              <a:cxn ang="0">
+                <a:pos x="connsiteX119" y="connsiteY119"/>
+              </a:cxn>
+              <a:cxn ang="0">
+                <a:pos x="connsiteX120" y="connsiteY120"/>
+              </a:cxn>
+              <a:cxn ang="0">
+                <a:pos x="connsiteX121" y="connsiteY121"/>
+              </a:cxn>
+              <a:cxn ang="0">
+                <a:pos x="connsiteX122" y="connsiteY122"/>
+              </a:cxn>
+              <a:cxn ang="0">
+                <a:pos x="connsiteX123" y="connsiteY123"/>
+              </a:cxn>
+              <a:cxn ang="0">
+                <a:pos x="connsiteX124" y="connsiteY124"/>
+              </a:cxn>
+              <a:cxn ang="0">
+                <a:pos x="connsiteX125" y="connsiteY125"/>
+              </a:cxn>
+              <a:cxn ang="0">
+                <a:pos x="connsiteX126" y="connsiteY126"/>
+              </a:cxn>
+              <a:cxn ang="0">
+                <a:pos x="connsiteX127" y="connsiteY127"/>
+              </a:cxn>
+              <a:cxn ang="0">
+                <a:pos x="connsiteX128" y="connsiteY128"/>
+              </a:cxn>
+              <a:cxn ang="0">
+                <a:pos x="connsiteX129" y="connsiteY129"/>
+              </a:cxn>
+              <a:cxn ang="0">
+                <a:pos x="connsiteX130" y="connsiteY130"/>
+              </a:cxn>
+              <a:cxn ang="0">
+                <a:pos x="connsiteX131" y="connsiteY131"/>
+              </a:cxn>
+              <a:cxn ang="0">
+                <a:pos x="connsiteX132" y="connsiteY132"/>
+              </a:cxn>
+              <a:cxn ang="0">
+                <a:pos x="connsiteX133" y="connsiteY133"/>
+              </a:cxn>
+              <a:cxn ang="0">
+                <a:pos x="connsiteX134" y="connsiteY134"/>
+              </a:cxn>
+              <a:cxn ang="0">
+                <a:pos x="connsiteX135" y="connsiteY135"/>
+              </a:cxn>
+              <a:cxn ang="0">
+                <a:pos x="connsiteX136" y="connsiteY136"/>
+              </a:cxn>
+              <a:cxn ang="0">
+                <a:pos x="connsiteX137" y="connsiteY137"/>
+              </a:cxn>
+              <a:cxn ang="0">
+                <a:pos x="connsiteX138" y="connsiteY138"/>
+              </a:cxn>
+              <a:cxn ang="0">
+                <a:pos x="connsiteX139" y="connsiteY139"/>
+              </a:cxn>
+              <a:cxn ang="0">
+                <a:pos x="connsiteX140" y="connsiteY140"/>
+              </a:cxn>
+              <a:cxn ang="0">
+                <a:pos x="connsiteX141" y="connsiteY141"/>
+              </a:cxn>
+              <a:cxn ang="0">
+                <a:pos x="connsiteX142" y="connsiteY142"/>
+              </a:cxn>
+              <a:cxn ang="0">
+                <a:pos x="connsiteX143" y="connsiteY143"/>
+              </a:cxn>
+              <a:cxn ang="0">
+                <a:pos x="connsiteX144" y="connsiteY144"/>
+              </a:cxn>
+              <a:cxn ang="0">
+                <a:pos x="connsiteX145" y="connsiteY145"/>
+              </a:cxn>
+              <a:cxn ang="0">
+                <a:pos x="connsiteX146" y="connsiteY146"/>
+              </a:cxn>
+              <a:cxn ang="0">
+                <a:pos x="connsiteX147" y="connsiteY147"/>
+              </a:cxn>
+              <a:cxn ang="0">
+                <a:pos x="connsiteX148" y="connsiteY148"/>
+              </a:cxn>
+              <a:cxn ang="0">
+                <a:pos x="connsiteX149" y="connsiteY149"/>
+              </a:cxn>
+              <a:cxn ang="0">
+                <a:pos x="connsiteX150" y="connsiteY150"/>
+              </a:cxn>
+              <a:cxn ang="0">
+                <a:pos x="connsiteX151" y="connsiteY151"/>
+              </a:cxn>
+              <a:cxn ang="0">
+                <a:pos x="connsiteX152" y="connsiteY152"/>
+              </a:cxn>
+              <a:cxn ang="0">
+                <a:pos x="connsiteX153" y="connsiteY153"/>
+              </a:cxn>
+              <a:cxn ang="0">
+                <a:pos x="connsiteX154" y="connsiteY154"/>
+              </a:cxn>
+              <a:cxn ang="0">
+                <a:pos x="connsiteX155" y="connsiteY155"/>
+              </a:cxn>
+              <a:cxn ang="0">
+                <a:pos x="connsiteX156" y="connsiteY156"/>
+              </a:cxn>
+              <a:cxn ang="0">
+                <a:pos x="connsiteX157" y="connsiteY157"/>
+              </a:cxn>
+              <a:cxn ang="0">
+                <a:pos x="connsiteX158" y="connsiteY158"/>
+              </a:cxn>
+              <a:cxn ang="0">
+                <a:pos x="connsiteX159" y="connsiteY159"/>
+              </a:cxn>
+              <a:cxn ang="0">
+                <a:pos x="connsiteX160" y="connsiteY160"/>
+              </a:cxn>
+              <a:cxn ang="0">
+                <a:pos x="connsiteX161" y="connsiteY161"/>
+              </a:cxn>
+              <a:cxn ang="0">
+                <a:pos x="connsiteX162" y="connsiteY162"/>
+              </a:cxn>
+              <a:cxn ang="0">
+                <a:pos x="connsiteX163" y="connsiteY163"/>
+              </a:cxn>
+              <a:cxn ang="0">
+                <a:pos x="connsiteX164" y="connsiteY164"/>
+              </a:cxn>
+              <a:cxn ang="0">
+                <a:pos x="connsiteX165" y="connsiteY165"/>
+              </a:cxn>
+              <a:cxn ang="0">
+                <a:pos x="connsiteX166" y="connsiteY166"/>
+              </a:cxn>
+              <a:cxn ang="0">
+                <a:pos x="connsiteX167" y="connsiteY167"/>
+              </a:cxn>
+              <a:cxn ang="0">
+                <a:pos x="connsiteX168" y="connsiteY168"/>
+              </a:cxn>
+              <a:cxn ang="0">
+                <a:pos x="connsiteX169" y="connsiteY169"/>
+              </a:cxn>
+              <a:cxn ang="0">
+                <a:pos x="connsiteX170" y="connsiteY170"/>
+              </a:cxn>
+              <a:cxn ang="0">
+                <a:pos x="connsiteX171" y="connsiteY171"/>
+              </a:cxn>
+              <a:cxn ang="0">
+                <a:pos x="connsiteX172" y="connsiteY172"/>
+              </a:cxn>
+              <a:cxn ang="0">
+                <a:pos x="connsiteX173" y="connsiteY173"/>
+              </a:cxn>
+              <a:cxn ang="0">
+                <a:pos x="connsiteX174" y="connsiteY174"/>
+              </a:cxn>
+              <a:cxn ang="0">
+                <a:pos x="connsiteX175" y="connsiteY175"/>
+              </a:cxn>
+              <a:cxn ang="0">
+                <a:pos x="connsiteX176" y="connsiteY176"/>
+              </a:cxn>
+              <a:cxn ang="0">
+                <a:pos x="connsiteX177" y="connsiteY177"/>
+              </a:cxn>
+              <a:cxn ang="0">
+                <a:pos x="connsiteX178" y="connsiteY178"/>
+              </a:cxn>
+              <a:cxn ang="0">
+                <a:pos x="connsiteX179" y="connsiteY179"/>
+              </a:cxn>
+              <a:cxn ang="0">
+                <a:pos x="connsiteX180" y="connsiteY180"/>
+              </a:cxn>
+              <a:cxn ang="0">
+                <a:pos x="connsiteX181" y="connsiteY181"/>
+              </a:cxn>
+              <a:cxn ang="0">
+                <a:pos x="connsiteX182" y="connsiteY182"/>
+              </a:cxn>
+              <a:cxn ang="0">
+                <a:pos x="connsiteX183" y="connsiteY183"/>
+              </a:cxn>
+              <a:cxn ang="0">
+                <a:pos x="connsiteX184" y="connsiteY184"/>
+              </a:cxn>
+              <a:cxn ang="0">
+                <a:pos x="connsiteX185" y="connsiteY185"/>
+              </a:cxn>
+              <a:cxn ang="0">
+                <a:pos x="connsiteX186" y="connsiteY186"/>
+              </a:cxn>
+              <a:cxn ang="0">
+                <a:pos x="connsiteX187" y="connsiteY187"/>
+              </a:cxn>
+              <a:cxn ang="0">
+                <a:pos x="connsiteX188" y="connsiteY188"/>
+              </a:cxn>
+              <a:cxn ang="0">
+                <a:pos x="connsiteX189" y="connsiteY189"/>
+              </a:cxn>
+              <a:cxn ang="0">
+                <a:pos x="connsiteX190" y="connsiteY190"/>
+              </a:cxn>
+              <a:cxn ang="0">
+                <a:pos x="connsiteX191" y="connsiteY191"/>
+              </a:cxn>
+              <a:cxn ang="0">
+                <a:pos x="connsiteX192" y="connsiteY192"/>
+              </a:cxn>
+              <a:cxn ang="0">
+                <a:pos x="connsiteX193" y="connsiteY193"/>
+              </a:cxn>
+              <a:cxn ang="0">
+                <a:pos x="connsiteX194" y="connsiteY194"/>
+              </a:cxn>
+              <a:cxn ang="0">
+                <a:pos x="connsiteX195" y="connsiteY195"/>
+              </a:cxn>
+              <a:cxn ang="0">
+                <a:pos x="connsiteX196" y="connsiteY196"/>
+              </a:cxn>
+              <a:cxn ang="0">
+                <a:pos x="connsiteX197" y="connsiteY197"/>
+              </a:cxn>
+              <a:cxn ang="0">
+                <a:pos x="connsiteX198" y="connsiteY198"/>
+              </a:cxn>
+              <a:cxn ang="0">
+                <a:pos x="connsiteX199" y="connsiteY199"/>
+              </a:cxn>
+              <a:cxn ang="0">
+                <a:pos x="connsiteX200" y="connsiteY200"/>
+              </a:cxn>
+              <a:cxn ang="0">
+                <a:pos x="connsiteX201" y="connsiteY201"/>
+              </a:cxn>
+              <a:cxn ang="0">
+                <a:pos x="connsiteX202" y="connsiteY202"/>
+              </a:cxn>
+              <a:cxn ang="0">
+                <a:pos x="connsiteX203" y="connsiteY203"/>
+              </a:cxn>
+              <a:cxn ang="0">
+                <a:pos x="connsiteX204" y="connsiteY204"/>
+              </a:cxn>
+              <a:cxn ang="0">
+                <a:pos x="connsiteX205" y="connsiteY205"/>
+              </a:cxn>
+              <a:cxn ang="0">
+                <a:pos x="connsiteX206" y="connsiteY206"/>
+              </a:cxn>
+              <a:cxn ang="0">
+                <a:pos x="connsiteX207" y="connsiteY207"/>
+              </a:cxn>
+              <a:cxn ang="0">
+                <a:pos x="connsiteX208" y="connsiteY208"/>
+              </a:cxn>
+              <a:cxn ang="0">
+                <a:pos x="connsiteX209" y="connsiteY209"/>
+              </a:cxn>
+              <a:cxn ang="0">
+                <a:pos x="connsiteX210" y="connsiteY210"/>
+              </a:cxn>
+              <a:cxn ang="0">
+                <a:pos x="connsiteX211" y="connsiteY211"/>
+              </a:cxn>
+              <a:cxn ang="0">
+                <a:pos x="connsiteX212" y="connsiteY212"/>
+              </a:cxn>
+              <a:cxn ang="0">
+                <a:pos x="connsiteX213" y="connsiteY213"/>
+              </a:cxn>
+              <a:cxn ang="0">
+                <a:pos x="connsiteX214" y="connsiteY214"/>
+              </a:cxn>
+              <a:cxn ang="0">
+                <a:pos x="connsiteX215" y="connsiteY215"/>
+              </a:cxn>
+              <a:cxn ang="0">
+                <a:pos x="connsiteX216" y="connsiteY216"/>
+              </a:cxn>
+              <a:cxn ang="0">
+                <a:pos x="connsiteX217" y="connsiteY217"/>
+              </a:cxn>
+              <a:cxn ang="0">
+                <a:pos x="connsiteX218" y="connsiteY218"/>
+              </a:cxn>
+              <a:cxn ang="0">
+                <a:pos x="connsiteX219" y="connsiteY219"/>
+              </a:cxn>
+              <a:cxn ang="0">
+                <a:pos x="connsiteX220" y="connsiteY220"/>
+              </a:cxn>
+              <a:cxn ang="0">
+                <a:pos x="connsiteX221" y="connsiteY221"/>
+              </a:cxn>
+              <a:cxn ang="0">
+                <a:pos x="connsiteX222" y="connsiteY222"/>
+              </a:cxn>
+              <a:cxn ang="0">
+                <a:pos x="connsiteX223" y="connsiteY223"/>
+              </a:cxn>
+              <a:cxn ang="0">
+                <a:pos x="connsiteX224" y="connsiteY224"/>
+              </a:cxn>
+              <a:cxn ang="0">
+                <a:pos x="connsiteX225" y="connsiteY225"/>
+              </a:cxn>
+              <a:cxn ang="0">
+                <a:pos x="connsiteX226" y="connsiteY226"/>
+              </a:cxn>
+              <a:cxn ang="0">
+                <a:pos x="connsiteX227" y="connsiteY227"/>
+              </a:cxn>
+              <a:cxn ang="0">
+                <a:pos x="connsiteX228" y="connsiteY228"/>
+              </a:cxn>
+              <a:cxn ang="0">
+                <a:pos x="connsiteX229" y="connsiteY229"/>
+              </a:cxn>
+              <a:cxn ang="0">
+                <a:pos x="connsiteX230" y="connsiteY230"/>
+              </a:cxn>
+              <a:cxn ang="0">
+                <a:pos x="connsiteX231" y="connsiteY231"/>
+              </a:cxn>
+              <a:cxn ang="0">
+                <a:pos x="connsiteX232" y="connsiteY232"/>
+              </a:cxn>
+              <a:cxn ang="0">
+                <a:pos x="connsiteX233" y="connsiteY233"/>
+              </a:cxn>
+              <a:cxn ang="0">
+                <a:pos x="connsiteX234" y="connsiteY234"/>
+              </a:cxn>
+              <a:cxn ang="0">
+                <a:pos x="connsiteX235" y="connsiteY235"/>
+              </a:cxn>
+              <a:cxn ang="0">
+                <a:pos x="connsiteX236" y="connsiteY236"/>
+              </a:cxn>
+              <a:cxn ang="0">
+                <a:pos x="connsiteX237" y="connsiteY237"/>
+              </a:cxn>
+              <a:cxn ang="0">
+                <a:pos x="connsiteX238" y="connsiteY238"/>
+              </a:cxn>
+              <a:cxn ang="0">
+                <a:pos x="connsiteX239" y="connsiteY239"/>
+              </a:cxn>
+              <a:cxn ang="0">
+                <a:pos x="connsiteX240" y="connsiteY240"/>
+              </a:cxn>
+              <a:cxn ang="0">
+                <a:pos x="connsiteX241" y="connsiteY241"/>
+              </a:cxn>
+              <a:cxn ang="0">
+                <a:pos x="connsiteX242" y="connsiteY242"/>
+              </a:cxn>
+              <a:cxn ang="0">
+                <a:pos x="connsiteX243" y="connsiteY243"/>
+              </a:cxn>
+              <a:cxn ang="0">
+                <a:pos x="connsiteX244" y="connsiteY244"/>
+              </a:cxn>
+              <a:cxn ang="0">
+                <a:pos x="connsiteX245" y="connsiteY245"/>
+              </a:cxn>
+              <a:cxn ang="0">
+                <a:pos x="connsiteX246" y="connsiteY246"/>
+              </a:cxn>
+              <a:cxn ang="0">
+                <a:pos x="connsiteX247" y="connsiteY247"/>
+              </a:cxn>
+              <a:cxn ang="0">
+                <a:pos x="connsiteX248" y="connsiteY248"/>
+              </a:cxn>
+              <a:cxn ang="0">
+                <a:pos x="connsiteX249" y="connsiteY249"/>
+              </a:cxn>
+              <a:cxn ang="0">
+                <a:pos x="connsiteX250" y="connsiteY250"/>
+              </a:cxn>
+              <a:cxn ang="0">
+                <a:pos x="connsiteX251" y="connsiteY251"/>
+              </a:cxn>
+              <a:cxn ang="0">
+                <a:pos x="connsiteX252" y="connsiteY252"/>
+              </a:cxn>
+              <a:cxn ang="0">
+                <a:pos x="connsiteX253" y="connsiteY253"/>
+              </a:cxn>
+              <a:cxn ang="0">
+                <a:pos x="connsiteX254" y="connsiteY254"/>
+              </a:cxn>
+              <a:cxn ang="0">
+                <a:pos x="connsiteX255" y="connsiteY255"/>
+              </a:cxn>
+              <a:cxn ang="0">
+                <a:pos x="connsiteX256" y="connsiteY256"/>
+              </a:cxn>
+              <a:cxn ang="0">
+                <a:pos x="connsiteX257" y="connsiteY257"/>
+              </a:cxn>
+              <a:cxn ang="0">
+                <a:pos x="connsiteX258" y="connsiteY258"/>
+              </a:cxn>
+              <a:cxn ang="0">
+                <a:pos x="connsiteX259" y="connsiteY259"/>
+              </a:cxn>
+              <a:cxn ang="0">
+                <a:pos x="connsiteX260" y="connsiteY260"/>
+              </a:cxn>
+              <a:cxn ang="0">
+                <a:pos x="connsiteX261" y="connsiteY261"/>
+              </a:cxn>
+              <a:cxn ang="0">
+                <a:pos x="connsiteX262" y="connsiteY262"/>
+              </a:cxn>
+              <a:cxn ang="0">
+                <a:pos x="connsiteX263" y="connsiteY263"/>
+              </a:cxn>
+              <a:cxn ang="0">
+                <a:pos x="connsiteX264" y="connsiteY264"/>
+              </a:cxn>
+              <a:cxn ang="0">
+                <a:pos x="connsiteX265" y="connsiteY265"/>
+              </a:cxn>
+              <a:cxn ang="0">
+                <a:pos x="connsiteX266" y="connsiteY266"/>
+              </a:cxn>
+              <a:cxn ang="0">
+                <a:pos x="connsiteX267" y="connsiteY267"/>
+              </a:cxn>
+              <a:cxn ang="0">
+                <a:pos x="connsiteX268" y="connsiteY268"/>
+              </a:cxn>
+              <a:cxn ang="0">
+                <a:pos x="connsiteX269" y="connsiteY269"/>
+              </a:cxn>
+              <a:cxn ang="0">
+                <a:pos x="connsiteX270" y="connsiteY270"/>
+              </a:cxn>
+              <a:cxn ang="0">
+                <a:pos x="connsiteX271" y="connsiteY271"/>
+              </a:cxn>
+              <a:cxn ang="0">
+                <a:pos x="connsiteX272" y="connsiteY272"/>
+              </a:cxn>
+              <a:cxn ang="0">
+                <a:pos x="connsiteX273" y="connsiteY273"/>
+              </a:cxn>
+              <a:cxn ang="0">
+                <a:pos x="connsiteX274" y="connsiteY274"/>
+              </a:cxn>
+              <a:cxn ang="0">
+                <a:pos x="connsiteX275" y="connsiteY275"/>
+              </a:cxn>
+              <a:cxn ang="0">
+                <a:pos x="connsiteX276" y="connsiteY276"/>
+              </a:cxn>
+              <a:cxn ang="0">
+                <a:pos x="connsiteX277" y="connsiteY277"/>
+              </a:cxn>
+              <a:cxn ang="0">
+                <a:pos x="connsiteX278" y="connsiteY278"/>
+              </a:cxn>
+              <a:cxn ang="0">
+                <a:pos x="connsiteX279" y="connsiteY279"/>
+              </a:cxn>
+              <a:cxn ang="0">
+                <a:pos x="connsiteX280" y="connsiteY280"/>
+              </a:cxn>
+              <a:cxn ang="0">
+                <a:pos x="connsiteX281" y="connsiteY281"/>
+              </a:cxn>
+              <a:cxn ang="0">
+                <a:pos x="connsiteX282" y="connsiteY282"/>
+              </a:cxn>
+              <a:cxn ang="0">
+                <a:pos x="connsiteX283" y="connsiteY283"/>
+              </a:cxn>
+              <a:cxn ang="0">
+                <a:pos x="connsiteX284" y="connsiteY284"/>
+              </a:cxn>
+              <a:cxn ang="0">
+                <a:pos x="connsiteX285" y="connsiteY285"/>
+              </a:cxn>
+              <a:cxn ang="0">
+                <a:pos x="connsiteX286" y="connsiteY286"/>
+              </a:cxn>
+              <a:cxn ang="0">
+                <a:pos x="connsiteX287" y="connsiteY287"/>
+              </a:cxn>
+              <a:cxn ang="0">
+                <a:pos x="connsiteX288" y="connsiteY288"/>
+              </a:cxn>
+            </a:cxnLst>
+            <a:rect l="l" t="t" r="r" b="b"/>
+            <a:pathLst>
+              <a:path w="5090501" h="1410044">
+                <a:moveTo>
+                  <a:pt x="610884" y="227782"/>
+                </a:moveTo>
+                <a:lnTo>
+                  <a:pt x="304737" y="535339"/>
+                </a:lnTo>
+                <a:lnTo>
+                  <a:pt x="609450" y="811851"/>
+                </a:lnTo>
+                <a:lnTo>
+                  <a:pt x="460774" y="977472"/>
+                </a:lnTo>
+                <a:lnTo>
+                  <a:pt x="0" y="544445"/>
+                </a:lnTo>
+                <a:lnTo>
+                  <a:pt x="450259" y="76238"/>
+                </a:lnTo>
+                <a:lnTo>
+                  <a:pt x="610884" y="227782"/>
+                </a:lnTo>
+                <a:close/>
+                <a:moveTo>
+                  <a:pt x="1234435" y="261456"/>
+                </a:moveTo>
+                <a:lnTo>
+                  <a:pt x="1234435" y="1118022"/>
+                </a:lnTo>
+                <a:lnTo>
+                  <a:pt x="1020992" y="1118022"/>
+                </a:lnTo>
+                <a:lnTo>
+                  <a:pt x="1020992" y="261456"/>
+                </a:lnTo>
+                <a:lnTo>
+                  <a:pt x="699072" y="261456"/>
+                </a:lnTo>
+                <a:lnTo>
+                  <a:pt x="699072" y="47081"/>
+                </a:lnTo>
+                <a:lnTo>
+                  <a:pt x="1555614" y="47081"/>
+                </a:lnTo>
+                <a:lnTo>
+                  <a:pt x="1555614" y="261456"/>
+                </a:lnTo>
+                <a:lnTo>
+                  <a:pt x="1234435" y="261456"/>
+                </a:lnTo>
+                <a:close/>
+                <a:moveTo>
+                  <a:pt x="2192764" y="1118022"/>
+                </a:moveTo>
+                <a:lnTo>
+                  <a:pt x="2125368" y="1024577"/>
+                </a:lnTo>
+                <a:lnTo>
+                  <a:pt x="2125368" y="1024577"/>
+                </a:lnTo>
+                <a:cubicBezTo>
+                  <a:pt x="2108950" y="1039538"/>
+                  <a:pt x="2091431" y="1053662"/>
+                  <a:pt x="2072814" y="1066878"/>
+                </a:cubicBezTo>
+                <a:lnTo>
+                  <a:pt x="2072814" y="1066878"/>
+                </a:lnTo>
+                <a:lnTo>
+                  <a:pt x="2072814" y="1066878"/>
+                </a:lnTo>
+                <a:cubicBezTo>
+                  <a:pt x="2054149" y="1080094"/>
+                  <a:pt x="2034623" y="1091566"/>
+                  <a:pt x="2014237" y="1101269"/>
+                </a:cubicBezTo>
+                <a:lnTo>
+                  <a:pt x="2014237" y="1101269"/>
+                </a:lnTo>
+                <a:lnTo>
+                  <a:pt x="2014237" y="1101269"/>
+                </a:lnTo>
+                <a:cubicBezTo>
+                  <a:pt x="1993828" y="1110996"/>
+                  <a:pt x="1972844" y="1118715"/>
+                  <a:pt x="1951144" y="1124475"/>
+                </a:cubicBezTo>
+                <a:lnTo>
+                  <a:pt x="1951144" y="1124475"/>
+                </a:lnTo>
+                <a:lnTo>
+                  <a:pt x="1951144" y="1124475"/>
+                </a:lnTo>
+                <a:cubicBezTo>
+                  <a:pt x="1929467" y="1130211"/>
+                  <a:pt x="1907409" y="1133055"/>
+                  <a:pt x="1884920" y="1133055"/>
+                </a:cubicBezTo>
+                <a:lnTo>
+                  <a:pt x="1884920" y="1133055"/>
+                </a:lnTo>
+                <a:lnTo>
+                  <a:pt x="1884920" y="1133055"/>
+                </a:lnTo>
+                <a:cubicBezTo>
+                  <a:pt x="1835688" y="1133055"/>
+                  <a:pt x="1789419" y="1124308"/>
+                  <a:pt x="1746066" y="1106766"/>
+                </a:cubicBezTo>
+                <a:lnTo>
+                  <a:pt x="1746066" y="1106766"/>
+                </a:lnTo>
+                <a:lnTo>
+                  <a:pt x="1746066" y="1106766"/>
+                </a:lnTo>
+                <a:cubicBezTo>
+                  <a:pt x="1702737" y="1089391"/>
+                  <a:pt x="1664738" y="1064608"/>
+                  <a:pt x="1632044" y="1032463"/>
+                </a:cubicBezTo>
+                <a:lnTo>
+                  <a:pt x="1632044" y="1032463"/>
+                </a:lnTo>
+                <a:lnTo>
+                  <a:pt x="1632044" y="1032463"/>
+                </a:lnTo>
+                <a:cubicBezTo>
+                  <a:pt x="1599565" y="1000415"/>
+                  <a:pt x="1573897" y="961388"/>
+                  <a:pt x="1555112" y="915358"/>
+                </a:cubicBezTo>
+                <a:lnTo>
+                  <a:pt x="1555112" y="915358"/>
+                </a:lnTo>
+                <a:lnTo>
+                  <a:pt x="1555112" y="915358"/>
+                </a:lnTo>
+                <a:cubicBezTo>
+                  <a:pt x="1536447" y="869137"/>
+                  <a:pt x="1527151" y="817444"/>
+                  <a:pt x="1527151" y="760253"/>
+                </a:cubicBezTo>
+                <a:lnTo>
+                  <a:pt x="1527151" y="760253"/>
+                </a:lnTo>
+                <a:lnTo>
+                  <a:pt x="1527151" y="318120"/>
+                </a:lnTo>
+                <a:lnTo>
+                  <a:pt x="1730293" y="318120"/>
+                </a:lnTo>
+                <a:lnTo>
+                  <a:pt x="1730293" y="760253"/>
+                </a:lnTo>
+                <a:lnTo>
+                  <a:pt x="1730293" y="760253"/>
+                </a:lnTo>
+                <a:cubicBezTo>
+                  <a:pt x="1730293" y="787187"/>
+                  <a:pt x="1734427" y="811230"/>
+                  <a:pt x="1742720" y="832428"/>
+                </a:cubicBezTo>
+                <a:lnTo>
+                  <a:pt x="1742720" y="832428"/>
+                </a:lnTo>
+                <a:lnTo>
+                  <a:pt x="1742720" y="832428"/>
+                </a:lnTo>
+                <a:cubicBezTo>
+                  <a:pt x="1750846" y="853483"/>
+                  <a:pt x="1761911" y="871240"/>
+                  <a:pt x="1775940" y="885723"/>
+                </a:cubicBezTo>
+                <a:lnTo>
+                  <a:pt x="1775940" y="885723"/>
+                </a:lnTo>
+                <a:lnTo>
+                  <a:pt x="1775940" y="885723"/>
+                </a:lnTo>
+                <a:cubicBezTo>
+                  <a:pt x="1789801" y="900230"/>
+                  <a:pt x="1806148" y="911200"/>
+                  <a:pt x="1824933" y="918704"/>
+                </a:cubicBezTo>
+                <a:lnTo>
+                  <a:pt x="1824933" y="918704"/>
+                </a:lnTo>
+                <a:lnTo>
+                  <a:pt x="1824933" y="918704"/>
+                </a:lnTo>
+                <a:cubicBezTo>
+                  <a:pt x="1843574" y="926041"/>
+                  <a:pt x="1863578" y="929697"/>
+                  <a:pt x="1884920" y="929697"/>
+                </a:cubicBezTo>
+                <a:lnTo>
+                  <a:pt x="1884920" y="929697"/>
+                </a:lnTo>
+                <a:lnTo>
+                  <a:pt x="1884920" y="929697"/>
+                </a:lnTo>
+                <a:cubicBezTo>
+                  <a:pt x="1905807" y="929697"/>
+                  <a:pt x="1925644" y="924942"/>
+                  <a:pt x="1944428" y="915358"/>
+                </a:cubicBezTo>
+                <a:lnTo>
+                  <a:pt x="1944428" y="915358"/>
+                </a:lnTo>
+                <a:lnTo>
+                  <a:pt x="1944428" y="915358"/>
+                </a:lnTo>
+                <a:cubicBezTo>
+                  <a:pt x="1963070" y="905655"/>
+                  <a:pt x="1979345" y="892821"/>
+                  <a:pt x="1993206" y="876881"/>
+                </a:cubicBezTo>
+                <a:lnTo>
+                  <a:pt x="1993206" y="876881"/>
+                </a:lnTo>
+                <a:lnTo>
+                  <a:pt x="1993206" y="876881"/>
+                </a:lnTo>
+                <a:cubicBezTo>
+                  <a:pt x="2007211" y="860940"/>
+                  <a:pt x="2018205" y="842872"/>
+                  <a:pt x="2026163" y="822630"/>
+                </a:cubicBezTo>
+                <a:lnTo>
+                  <a:pt x="2026163" y="822630"/>
+                </a:lnTo>
+                <a:lnTo>
+                  <a:pt x="2026163" y="822630"/>
+                </a:lnTo>
+                <a:cubicBezTo>
+                  <a:pt x="2034145" y="802387"/>
+                  <a:pt x="2038113" y="781595"/>
+                  <a:pt x="2038113" y="760253"/>
+                </a:cubicBezTo>
+                <a:lnTo>
+                  <a:pt x="2038113" y="760253"/>
+                </a:lnTo>
+                <a:lnTo>
+                  <a:pt x="2038113" y="318120"/>
+                </a:lnTo>
+                <a:lnTo>
+                  <a:pt x="2241972" y="318120"/>
+                </a:lnTo>
+                <a:lnTo>
+                  <a:pt x="2241972" y="1118046"/>
+                </a:lnTo>
+                <a:lnTo>
+                  <a:pt x="2192764" y="1118046"/>
+                </a:lnTo>
+                <a:close/>
+                <a:moveTo>
+                  <a:pt x="2602657" y="1064249"/>
+                </a:moveTo>
+                <a:lnTo>
+                  <a:pt x="2602657" y="1422735"/>
+                </a:lnTo>
+                <a:lnTo>
+                  <a:pt x="2397340" y="1422735"/>
+                </a:lnTo>
+                <a:lnTo>
+                  <a:pt x="2397340" y="318097"/>
+                </a:lnTo>
+                <a:lnTo>
+                  <a:pt x="2446572" y="318097"/>
+                </a:lnTo>
+                <a:lnTo>
+                  <a:pt x="2528068" y="414410"/>
+                </a:lnTo>
+                <a:lnTo>
+                  <a:pt x="2528068" y="414410"/>
+                </a:lnTo>
+                <a:cubicBezTo>
+                  <a:pt x="2546422" y="397035"/>
+                  <a:pt x="2566545" y="380640"/>
+                  <a:pt x="2588532" y="365178"/>
+                </a:cubicBezTo>
+                <a:lnTo>
+                  <a:pt x="2588532" y="365178"/>
+                </a:lnTo>
+                <a:lnTo>
+                  <a:pt x="2588532" y="365178"/>
+                </a:lnTo>
+                <a:cubicBezTo>
+                  <a:pt x="2610352" y="349715"/>
+                  <a:pt x="2633128" y="336403"/>
+                  <a:pt x="2656883" y="325242"/>
+                </a:cubicBezTo>
+                <a:lnTo>
+                  <a:pt x="2656883" y="325242"/>
+                </a:lnTo>
+                <a:lnTo>
+                  <a:pt x="2656883" y="325242"/>
+                </a:lnTo>
+                <a:cubicBezTo>
+                  <a:pt x="2680448" y="313914"/>
+                  <a:pt x="2705016" y="305095"/>
+                  <a:pt x="2730493" y="298714"/>
+                </a:cubicBezTo>
+                <a:lnTo>
+                  <a:pt x="2730493" y="298714"/>
+                </a:lnTo>
+                <a:lnTo>
+                  <a:pt x="2730493" y="298714"/>
+                </a:lnTo>
+                <a:cubicBezTo>
+                  <a:pt x="2755826" y="292214"/>
+                  <a:pt x="2781469" y="288940"/>
+                  <a:pt x="2807448" y="288940"/>
+                </a:cubicBezTo>
+                <a:lnTo>
+                  <a:pt x="2807448" y="288940"/>
+                </a:lnTo>
+                <a:lnTo>
+                  <a:pt x="2807448" y="288940"/>
+                </a:lnTo>
+                <a:cubicBezTo>
+                  <a:pt x="2863706" y="288940"/>
+                  <a:pt x="2916595" y="299049"/>
+                  <a:pt x="2966137" y="319292"/>
+                </a:cubicBezTo>
+                <a:lnTo>
+                  <a:pt x="2966137" y="319292"/>
+                </a:lnTo>
+                <a:lnTo>
+                  <a:pt x="2966137" y="319292"/>
+                </a:lnTo>
+                <a:cubicBezTo>
+                  <a:pt x="3015704" y="339391"/>
+                  <a:pt x="3058961" y="367902"/>
+                  <a:pt x="3095909" y="404850"/>
+                </a:cubicBezTo>
+                <a:lnTo>
+                  <a:pt x="3095909" y="404850"/>
+                </a:lnTo>
+                <a:lnTo>
+                  <a:pt x="3095909" y="404850"/>
+                </a:lnTo>
+                <a:cubicBezTo>
+                  <a:pt x="3133072" y="441655"/>
+                  <a:pt x="3162373" y="486035"/>
+                  <a:pt x="3183882" y="537968"/>
+                </a:cubicBezTo>
+                <a:lnTo>
+                  <a:pt x="3183882" y="537968"/>
+                </a:lnTo>
+                <a:lnTo>
+                  <a:pt x="3183882" y="537968"/>
+                </a:lnTo>
+                <a:cubicBezTo>
+                  <a:pt x="3205248" y="590068"/>
+                  <a:pt x="3215907" y="647736"/>
+                  <a:pt x="3215907" y="710973"/>
+                </a:cubicBezTo>
+                <a:lnTo>
+                  <a:pt x="3215907" y="710973"/>
+                </a:lnTo>
+                <a:lnTo>
+                  <a:pt x="3215907" y="710973"/>
+                </a:lnTo>
+                <a:cubicBezTo>
+                  <a:pt x="3215907" y="776624"/>
+                  <a:pt x="3205248" y="835750"/>
+                  <a:pt x="3183882" y="888328"/>
+                </a:cubicBezTo>
+                <a:lnTo>
+                  <a:pt x="3183882" y="888328"/>
+                </a:lnTo>
+                <a:lnTo>
+                  <a:pt x="3183882" y="888328"/>
+                </a:lnTo>
+                <a:cubicBezTo>
+                  <a:pt x="3162397" y="940906"/>
+                  <a:pt x="3133072" y="985430"/>
+                  <a:pt x="3095909" y="1021924"/>
+                </a:cubicBezTo>
+                <a:lnTo>
+                  <a:pt x="3095909" y="1021924"/>
+                </a:lnTo>
+                <a:lnTo>
+                  <a:pt x="3095909" y="1021924"/>
+                </a:lnTo>
+                <a:cubicBezTo>
+                  <a:pt x="3058961" y="1058561"/>
+                  <a:pt x="3015728" y="1086595"/>
+                  <a:pt x="2966137" y="1106073"/>
+                </a:cubicBezTo>
+                <a:lnTo>
+                  <a:pt x="2966137" y="1106073"/>
+                </a:lnTo>
+                <a:lnTo>
+                  <a:pt x="2966137" y="1106073"/>
+                </a:lnTo>
+                <a:cubicBezTo>
+                  <a:pt x="2916619" y="1125479"/>
+                  <a:pt x="2863706" y="1135206"/>
+                  <a:pt x="2807448" y="1135206"/>
+                </a:cubicBezTo>
+                <a:lnTo>
+                  <a:pt x="2807448" y="1135206"/>
+                </a:lnTo>
+                <a:lnTo>
+                  <a:pt x="2807448" y="1135206"/>
+                </a:lnTo>
+                <a:cubicBezTo>
+                  <a:pt x="2789452" y="1135206"/>
+                  <a:pt x="2771599" y="1133246"/>
+                  <a:pt x="2753938" y="1129231"/>
+                </a:cubicBezTo>
+                <a:lnTo>
+                  <a:pt x="2753938" y="1129231"/>
+                </a:lnTo>
+                <a:lnTo>
+                  <a:pt x="2753938" y="1129231"/>
+                </a:lnTo>
+                <a:cubicBezTo>
+                  <a:pt x="2736252" y="1125264"/>
+                  <a:pt x="2718782" y="1119910"/>
+                  <a:pt x="2701575" y="1113218"/>
+                </a:cubicBezTo>
+                <a:lnTo>
+                  <a:pt x="2701575" y="1113218"/>
+                </a:lnTo>
+                <a:lnTo>
+                  <a:pt x="2701575" y="1113218"/>
+                </a:lnTo>
+                <a:cubicBezTo>
+                  <a:pt x="2684535" y="1106383"/>
+                  <a:pt x="2667638" y="1098759"/>
+                  <a:pt x="2650933" y="1090299"/>
+                </a:cubicBezTo>
+                <a:lnTo>
+                  <a:pt x="2650933" y="1090299"/>
+                </a:lnTo>
+                <a:lnTo>
+                  <a:pt x="2650933" y="1090299"/>
+                </a:lnTo>
+                <a:cubicBezTo>
+                  <a:pt x="2634179" y="1081863"/>
+                  <a:pt x="2618095" y="1073164"/>
+                  <a:pt x="2602657" y="1064249"/>
+                </a:cubicBezTo>
+                <a:lnTo>
+                  <a:pt x="2602657" y="1064249"/>
+                </a:lnTo>
+                <a:close/>
+                <a:moveTo>
+                  <a:pt x="3011307" y="710997"/>
+                </a:moveTo>
+                <a:lnTo>
+                  <a:pt x="3011307" y="710997"/>
+                </a:lnTo>
+                <a:lnTo>
+                  <a:pt x="3011307" y="710997"/>
+                </a:lnTo>
+                <a:cubicBezTo>
+                  <a:pt x="3011307" y="677061"/>
+                  <a:pt x="3005882" y="646733"/>
+                  <a:pt x="2995055" y="619942"/>
+                </a:cubicBezTo>
+                <a:lnTo>
+                  <a:pt x="2995055" y="619942"/>
+                </a:lnTo>
+                <a:lnTo>
+                  <a:pt x="2995055" y="619942"/>
+                </a:lnTo>
+                <a:cubicBezTo>
+                  <a:pt x="2984372" y="593031"/>
+                  <a:pt x="2969842" y="570232"/>
+                  <a:pt x="2951559" y="551590"/>
+                </a:cubicBezTo>
+                <a:lnTo>
+                  <a:pt x="2951559" y="551590"/>
+                </a:lnTo>
+                <a:lnTo>
+                  <a:pt x="2951559" y="551590"/>
+                </a:lnTo>
+                <a:cubicBezTo>
+                  <a:pt x="2933085" y="532806"/>
+                  <a:pt x="2911409" y="518442"/>
+                  <a:pt x="2886530" y="508596"/>
+                </a:cubicBezTo>
+                <a:lnTo>
+                  <a:pt x="2886530" y="508596"/>
+                </a:lnTo>
+                <a:lnTo>
+                  <a:pt x="2886530" y="508596"/>
+                </a:lnTo>
+                <a:cubicBezTo>
+                  <a:pt x="2861698" y="498534"/>
+                  <a:pt x="2835314" y="493516"/>
+                  <a:pt x="2807424" y="493516"/>
+                </a:cubicBezTo>
+                <a:lnTo>
+                  <a:pt x="2807424" y="493516"/>
+                </a:lnTo>
+                <a:lnTo>
+                  <a:pt x="2807424" y="493516"/>
+                </a:lnTo>
+                <a:cubicBezTo>
+                  <a:pt x="2779534" y="493516"/>
+                  <a:pt x="2753245" y="498534"/>
+                  <a:pt x="2728557" y="508596"/>
+                </a:cubicBezTo>
+                <a:lnTo>
+                  <a:pt x="2728557" y="508596"/>
+                </a:lnTo>
+                <a:lnTo>
+                  <a:pt x="2728557" y="508596"/>
+                </a:lnTo>
+                <a:cubicBezTo>
+                  <a:pt x="2703869" y="518442"/>
+                  <a:pt x="2682336" y="532806"/>
+                  <a:pt x="2664029" y="551590"/>
+                </a:cubicBezTo>
+                <a:lnTo>
+                  <a:pt x="2664029" y="551590"/>
+                </a:lnTo>
+                <a:lnTo>
+                  <a:pt x="2664029" y="551590"/>
+                </a:lnTo>
+                <a:cubicBezTo>
+                  <a:pt x="2645555" y="570232"/>
+                  <a:pt x="2630953" y="593031"/>
+                  <a:pt x="2620294" y="619942"/>
+                </a:cubicBezTo>
+                <a:lnTo>
+                  <a:pt x="2620294" y="619942"/>
+                </a:lnTo>
+                <a:lnTo>
+                  <a:pt x="2620294" y="619942"/>
+                </a:lnTo>
+                <a:cubicBezTo>
+                  <a:pt x="2609635" y="646709"/>
+                  <a:pt x="2604282" y="677061"/>
+                  <a:pt x="2604282" y="710997"/>
+                </a:cubicBezTo>
+                <a:lnTo>
+                  <a:pt x="2604282" y="710997"/>
+                </a:lnTo>
+                <a:lnTo>
+                  <a:pt x="2604282" y="710997"/>
+                </a:lnTo>
+                <a:cubicBezTo>
+                  <a:pt x="2604282" y="743356"/>
+                  <a:pt x="2609635" y="772991"/>
+                  <a:pt x="2620294" y="799926"/>
+                </a:cubicBezTo>
+                <a:lnTo>
+                  <a:pt x="2620294" y="799926"/>
+                </a:lnTo>
+                <a:lnTo>
+                  <a:pt x="2620294" y="799926"/>
+                </a:lnTo>
+                <a:cubicBezTo>
+                  <a:pt x="2630953" y="826692"/>
+                  <a:pt x="2645555" y="849540"/>
+                  <a:pt x="2664029" y="868516"/>
+                </a:cubicBezTo>
+                <a:lnTo>
+                  <a:pt x="2664029" y="868516"/>
+                </a:lnTo>
+                <a:lnTo>
+                  <a:pt x="2664029" y="868516"/>
+                </a:lnTo>
+                <a:cubicBezTo>
+                  <a:pt x="2682360" y="887468"/>
+                  <a:pt x="2703869" y="902190"/>
+                  <a:pt x="2728557" y="912729"/>
+                </a:cubicBezTo>
+                <a:lnTo>
+                  <a:pt x="2728557" y="912729"/>
+                </a:lnTo>
+                <a:lnTo>
+                  <a:pt x="2728557" y="912729"/>
+                </a:lnTo>
+                <a:cubicBezTo>
+                  <a:pt x="2753245" y="923101"/>
+                  <a:pt x="2779534" y="928264"/>
+                  <a:pt x="2807424" y="928264"/>
+                </a:cubicBezTo>
+                <a:lnTo>
+                  <a:pt x="2807424" y="928264"/>
+                </a:lnTo>
+                <a:lnTo>
+                  <a:pt x="2807424" y="928264"/>
+                </a:lnTo>
+                <a:cubicBezTo>
+                  <a:pt x="2835314" y="928264"/>
+                  <a:pt x="2861698" y="923077"/>
+                  <a:pt x="2886530" y="912729"/>
+                </a:cubicBezTo>
+                <a:lnTo>
+                  <a:pt x="2886530" y="912729"/>
+                </a:lnTo>
+                <a:lnTo>
+                  <a:pt x="2886530" y="912729"/>
+                </a:lnTo>
+                <a:cubicBezTo>
+                  <a:pt x="2911409" y="902214"/>
+                  <a:pt x="2933061" y="887468"/>
+                  <a:pt x="2951559" y="868516"/>
+                </a:cubicBezTo>
+                <a:lnTo>
+                  <a:pt x="2951559" y="868516"/>
+                </a:lnTo>
+                <a:lnTo>
+                  <a:pt x="2951559" y="868516"/>
+                </a:lnTo>
+                <a:cubicBezTo>
+                  <a:pt x="2969866" y="849540"/>
+                  <a:pt x="2984372" y="826692"/>
+                  <a:pt x="2995055" y="799926"/>
+                </a:cubicBezTo>
+                <a:lnTo>
+                  <a:pt x="2995055" y="799926"/>
+                </a:lnTo>
+                <a:lnTo>
+                  <a:pt x="2995055" y="799926"/>
+                </a:lnTo>
+                <a:cubicBezTo>
+                  <a:pt x="3005905" y="772991"/>
+                  <a:pt x="3011307" y="743333"/>
+                  <a:pt x="3011307" y="710997"/>
+                </a:cubicBezTo>
+                <a:close/>
+                <a:moveTo>
+                  <a:pt x="3533955" y="0"/>
+                </a:moveTo>
+                <a:lnTo>
+                  <a:pt x="3533955" y="1118022"/>
+                </a:lnTo>
+                <a:lnTo>
+                  <a:pt x="3328662" y="1118022"/>
+                </a:lnTo>
+                <a:lnTo>
+                  <a:pt x="3328662" y="0"/>
+                </a:lnTo>
+                <a:lnTo>
+                  <a:pt x="3533955" y="0"/>
+                </a:lnTo>
+                <a:close/>
+                <a:moveTo>
+                  <a:pt x="4389805" y="461515"/>
+                </a:moveTo>
+                <a:lnTo>
+                  <a:pt x="4007420" y="922289"/>
+                </a:lnTo>
+                <a:lnTo>
+                  <a:pt x="4007420" y="922289"/>
+                </a:lnTo>
+                <a:cubicBezTo>
+                  <a:pt x="4015402" y="924822"/>
+                  <a:pt x="4023337" y="926519"/>
+                  <a:pt x="4031319" y="927308"/>
+                </a:cubicBezTo>
+                <a:lnTo>
+                  <a:pt x="4031319" y="927308"/>
+                </a:lnTo>
+                <a:lnTo>
+                  <a:pt x="4031319" y="927308"/>
+                </a:lnTo>
+                <a:cubicBezTo>
+                  <a:pt x="4039301" y="927929"/>
+                  <a:pt x="4047236" y="928264"/>
+                  <a:pt x="4055218" y="928264"/>
+                </a:cubicBezTo>
+                <a:lnTo>
+                  <a:pt x="4055218" y="928264"/>
+                </a:lnTo>
+                <a:lnTo>
+                  <a:pt x="4055218" y="928264"/>
+                </a:lnTo>
+                <a:cubicBezTo>
+                  <a:pt x="4075150" y="928264"/>
+                  <a:pt x="4094341" y="925563"/>
+                  <a:pt x="4112815" y="920114"/>
+                </a:cubicBezTo>
+                <a:lnTo>
+                  <a:pt x="4112815" y="920114"/>
+                </a:lnTo>
+                <a:lnTo>
+                  <a:pt x="4112815" y="920114"/>
+                </a:lnTo>
+                <a:cubicBezTo>
+                  <a:pt x="4131289" y="914569"/>
+                  <a:pt x="4148568" y="906683"/>
+                  <a:pt x="4164676" y="896478"/>
+                </a:cubicBezTo>
+                <a:lnTo>
+                  <a:pt x="4164676" y="896478"/>
+                </a:lnTo>
+                <a:lnTo>
+                  <a:pt x="4164676" y="896478"/>
+                </a:lnTo>
+                <a:cubicBezTo>
+                  <a:pt x="4180927" y="886273"/>
+                  <a:pt x="4195338" y="873869"/>
+                  <a:pt x="4207957" y="859195"/>
+                </a:cubicBezTo>
+                <a:lnTo>
+                  <a:pt x="4207957" y="859195"/>
+                </a:lnTo>
+                <a:lnTo>
+                  <a:pt x="4207957" y="859195"/>
+                </a:lnTo>
+                <a:cubicBezTo>
+                  <a:pt x="4220695" y="844545"/>
+                  <a:pt x="4231067" y="828198"/>
+                  <a:pt x="4239002" y="810178"/>
+                </a:cubicBezTo>
+                <a:lnTo>
+                  <a:pt x="4239002" y="810178"/>
+                </a:lnTo>
+                <a:lnTo>
+                  <a:pt x="4388371" y="960503"/>
+                </a:lnTo>
+                <a:lnTo>
+                  <a:pt x="4388371" y="960503"/>
+                </a:lnTo>
+                <a:cubicBezTo>
+                  <a:pt x="4369419" y="987270"/>
+                  <a:pt x="4347671" y="1011408"/>
+                  <a:pt x="4323150" y="1032917"/>
+                </a:cubicBezTo>
+                <a:lnTo>
+                  <a:pt x="4323150" y="1032917"/>
+                </a:lnTo>
+                <a:lnTo>
+                  <a:pt x="4323150" y="1032917"/>
+                </a:lnTo>
+                <a:cubicBezTo>
+                  <a:pt x="4298415" y="1054283"/>
+                  <a:pt x="4271768" y="1072423"/>
+                  <a:pt x="4243041" y="1087384"/>
+                </a:cubicBezTo>
+                <a:lnTo>
+                  <a:pt x="4243041" y="1087384"/>
+                </a:lnTo>
+                <a:lnTo>
+                  <a:pt x="4243041" y="1087384"/>
+                </a:lnTo>
+                <a:cubicBezTo>
+                  <a:pt x="4214529" y="1102368"/>
+                  <a:pt x="4184416" y="1113696"/>
+                  <a:pt x="4152726" y="1121344"/>
+                </a:cubicBezTo>
+                <a:lnTo>
+                  <a:pt x="4152726" y="1121344"/>
+                </a:lnTo>
+                <a:lnTo>
+                  <a:pt x="4152726" y="1121344"/>
+                </a:lnTo>
+                <a:cubicBezTo>
+                  <a:pt x="4121179" y="1129135"/>
+                  <a:pt x="4088677" y="1133031"/>
+                  <a:pt x="4055218" y="1133031"/>
+                </a:cubicBezTo>
+                <a:lnTo>
+                  <a:pt x="4055218" y="1133031"/>
+                </a:lnTo>
+                <a:lnTo>
+                  <a:pt x="4055218" y="1133031"/>
+                </a:lnTo>
+                <a:cubicBezTo>
+                  <a:pt x="3998960" y="1133031"/>
+                  <a:pt x="3946095" y="1122539"/>
+                  <a:pt x="3896504" y="1101508"/>
+                </a:cubicBezTo>
+                <a:lnTo>
+                  <a:pt x="3896504" y="1101508"/>
+                </a:lnTo>
+                <a:lnTo>
+                  <a:pt x="3896504" y="1101508"/>
+                </a:lnTo>
+                <a:cubicBezTo>
+                  <a:pt x="3846985" y="1080620"/>
+                  <a:pt x="3803704" y="1051535"/>
+                  <a:pt x="3766732" y="1014276"/>
+                </a:cubicBezTo>
+                <a:lnTo>
+                  <a:pt x="3766732" y="1014276"/>
+                </a:lnTo>
+                <a:lnTo>
+                  <a:pt x="3766732" y="1014276"/>
+                </a:lnTo>
+                <a:cubicBezTo>
+                  <a:pt x="3729617" y="976850"/>
+                  <a:pt x="3700317" y="932374"/>
+                  <a:pt x="3678784" y="880919"/>
+                </a:cubicBezTo>
+                <a:lnTo>
+                  <a:pt x="3678784" y="880919"/>
+                </a:lnTo>
+                <a:lnTo>
+                  <a:pt x="3678784" y="880919"/>
+                </a:lnTo>
+                <a:cubicBezTo>
+                  <a:pt x="3657442" y="829321"/>
+                  <a:pt x="3646759" y="772657"/>
+                  <a:pt x="3646759" y="710997"/>
+                </a:cubicBezTo>
+                <a:lnTo>
+                  <a:pt x="3646759" y="710997"/>
+                </a:lnTo>
+                <a:lnTo>
+                  <a:pt x="3646759" y="710997"/>
+                </a:lnTo>
+                <a:cubicBezTo>
+                  <a:pt x="3646759" y="647760"/>
+                  <a:pt x="3657442" y="590020"/>
+                  <a:pt x="3678784" y="537729"/>
+                </a:cubicBezTo>
+                <a:lnTo>
+                  <a:pt x="3678784" y="537729"/>
+                </a:lnTo>
+                <a:lnTo>
+                  <a:pt x="3678784" y="537729"/>
+                </a:lnTo>
+                <a:cubicBezTo>
+                  <a:pt x="3700293" y="485486"/>
+                  <a:pt x="3729617" y="440866"/>
+                  <a:pt x="3766732" y="403894"/>
+                </a:cubicBezTo>
+                <a:lnTo>
+                  <a:pt x="3766732" y="403894"/>
+                </a:lnTo>
+                <a:lnTo>
+                  <a:pt x="3766732" y="403894"/>
+                </a:lnTo>
+                <a:cubicBezTo>
+                  <a:pt x="3803704" y="367090"/>
+                  <a:pt x="3846962" y="338506"/>
+                  <a:pt x="3896504" y="318097"/>
+                </a:cubicBezTo>
+                <a:lnTo>
+                  <a:pt x="3896504" y="318097"/>
+                </a:lnTo>
+                <a:lnTo>
+                  <a:pt x="3896504" y="318097"/>
+                </a:lnTo>
+                <a:cubicBezTo>
+                  <a:pt x="3946071" y="297687"/>
+                  <a:pt x="3998960" y="287530"/>
+                  <a:pt x="4055218" y="287530"/>
+                </a:cubicBezTo>
+                <a:lnTo>
+                  <a:pt x="4055218" y="287530"/>
+                </a:lnTo>
+                <a:lnTo>
+                  <a:pt x="4055218" y="287530"/>
+                </a:lnTo>
+                <a:cubicBezTo>
+                  <a:pt x="4088677" y="287530"/>
+                  <a:pt x="4121371" y="291497"/>
+                  <a:pt x="4153204" y="299479"/>
+                </a:cubicBezTo>
+                <a:lnTo>
+                  <a:pt x="4153204" y="299479"/>
+                </a:lnTo>
+                <a:lnTo>
+                  <a:pt x="4153204" y="299479"/>
+                </a:lnTo>
+                <a:cubicBezTo>
+                  <a:pt x="4185085" y="307438"/>
+                  <a:pt x="4215294" y="318885"/>
+                  <a:pt x="4243806" y="333870"/>
+                </a:cubicBezTo>
+                <a:lnTo>
+                  <a:pt x="4243806" y="333870"/>
+                </a:lnTo>
+                <a:lnTo>
+                  <a:pt x="4243806" y="333870"/>
+                </a:lnTo>
+                <a:cubicBezTo>
+                  <a:pt x="4272461" y="348687"/>
+                  <a:pt x="4299251" y="366922"/>
+                  <a:pt x="4324083" y="388599"/>
+                </a:cubicBezTo>
+                <a:lnTo>
+                  <a:pt x="4324083" y="388599"/>
+                </a:lnTo>
+                <a:lnTo>
+                  <a:pt x="4324083" y="388599"/>
+                </a:lnTo>
+                <a:cubicBezTo>
+                  <a:pt x="4349105" y="410299"/>
+                  <a:pt x="4370997" y="434581"/>
+                  <a:pt x="4389805" y="461515"/>
+                </a:cubicBezTo>
+                <a:lnTo>
+                  <a:pt x="4389805" y="461515"/>
+                </a:lnTo>
+                <a:close/>
+                <a:moveTo>
+                  <a:pt x="3874517" y="817109"/>
+                </a:moveTo>
+                <a:lnTo>
+                  <a:pt x="4112098" y="501880"/>
+                </a:lnTo>
+                <a:lnTo>
+                  <a:pt x="4112098" y="501880"/>
+                </a:lnTo>
+                <a:cubicBezTo>
+                  <a:pt x="4102658" y="498391"/>
+                  <a:pt x="4093337" y="496168"/>
+                  <a:pt x="4084136" y="495213"/>
+                </a:cubicBezTo>
+                <a:lnTo>
+                  <a:pt x="4084136" y="495213"/>
+                </a:lnTo>
+                <a:lnTo>
+                  <a:pt x="4084136" y="495213"/>
+                </a:lnTo>
+                <a:cubicBezTo>
+                  <a:pt x="4074887" y="494089"/>
+                  <a:pt x="4065232" y="493540"/>
+                  <a:pt x="4055194" y="493540"/>
+                </a:cubicBezTo>
+                <a:lnTo>
+                  <a:pt x="4055194" y="493540"/>
+                </a:lnTo>
+                <a:lnTo>
+                  <a:pt x="4055194" y="493540"/>
+                </a:lnTo>
+                <a:cubicBezTo>
+                  <a:pt x="4027328" y="493540"/>
+                  <a:pt x="4001087" y="498726"/>
+                  <a:pt x="3976590" y="509074"/>
+                </a:cubicBezTo>
+                <a:lnTo>
+                  <a:pt x="3976590" y="509074"/>
+                </a:lnTo>
+                <a:lnTo>
+                  <a:pt x="3976590" y="509074"/>
+                </a:lnTo>
+                <a:cubicBezTo>
+                  <a:pt x="3951855" y="519279"/>
+                  <a:pt x="3930417" y="533762"/>
+                  <a:pt x="3912278" y="552570"/>
+                </a:cubicBezTo>
+                <a:lnTo>
+                  <a:pt x="3912278" y="552570"/>
+                </a:lnTo>
+                <a:lnTo>
+                  <a:pt x="3912278" y="552570"/>
+                </a:lnTo>
+                <a:cubicBezTo>
+                  <a:pt x="3894114" y="571522"/>
+                  <a:pt x="3879799" y="594298"/>
+                  <a:pt x="3869283" y="620898"/>
+                </a:cubicBezTo>
+                <a:lnTo>
+                  <a:pt x="3869283" y="620898"/>
+                </a:lnTo>
+                <a:lnTo>
+                  <a:pt x="3869283" y="620898"/>
+                </a:lnTo>
+                <a:cubicBezTo>
+                  <a:pt x="3858911" y="647497"/>
+                  <a:pt x="3853749" y="677538"/>
+                  <a:pt x="3853749" y="710997"/>
+                </a:cubicBezTo>
+                <a:lnTo>
+                  <a:pt x="3853749" y="710997"/>
+                </a:lnTo>
+                <a:lnTo>
+                  <a:pt x="3853749" y="710997"/>
+                </a:lnTo>
+                <a:cubicBezTo>
+                  <a:pt x="3853749" y="718501"/>
+                  <a:pt x="3854083" y="726962"/>
+                  <a:pt x="3854681" y="736354"/>
+                </a:cubicBezTo>
+                <a:lnTo>
+                  <a:pt x="3854681" y="736354"/>
+                </a:lnTo>
+                <a:lnTo>
+                  <a:pt x="3854681" y="736354"/>
+                </a:lnTo>
+                <a:cubicBezTo>
+                  <a:pt x="3855494" y="745770"/>
+                  <a:pt x="3856784" y="755306"/>
+                  <a:pt x="3858505" y="765033"/>
+                </a:cubicBezTo>
+                <a:lnTo>
+                  <a:pt x="3858505" y="765033"/>
+                </a:lnTo>
+                <a:lnTo>
+                  <a:pt x="3858505" y="765033"/>
+                </a:lnTo>
+                <a:cubicBezTo>
+                  <a:pt x="3860273" y="774760"/>
+                  <a:pt x="3862424" y="784152"/>
+                  <a:pt x="3864981" y="793234"/>
+                </a:cubicBezTo>
+                <a:lnTo>
+                  <a:pt x="3864981" y="793234"/>
+                </a:lnTo>
+                <a:lnTo>
+                  <a:pt x="3864981" y="793234"/>
+                </a:lnTo>
+                <a:cubicBezTo>
+                  <a:pt x="3867395" y="802148"/>
+                  <a:pt x="3870550" y="810107"/>
+                  <a:pt x="3874517" y="817109"/>
+                </a:cubicBezTo>
+                <a:lnTo>
+                  <a:pt x="3874517" y="817109"/>
+                </a:lnTo>
+                <a:close/>
+                <a:moveTo>
+                  <a:pt x="4795396" y="535339"/>
+                </a:moveTo>
+                <a:lnTo>
+                  <a:pt x="4489225" y="227782"/>
+                </a:lnTo>
+                <a:lnTo>
+                  <a:pt x="4649851" y="76238"/>
+                </a:lnTo>
+                <a:lnTo>
+                  <a:pt x="5100109" y="544445"/>
+                </a:lnTo>
+                <a:lnTo>
+                  <a:pt x="4639311" y="977472"/>
+                </a:lnTo>
+                <a:lnTo>
+                  <a:pt x="4490683" y="811851"/>
+                </a:lnTo>
+                <a:lnTo>
+                  <a:pt x="4795396" y="535339"/>
+                </a:lnTo>
+                <a:close/>
+              </a:path>
+            </a:pathLst>
+          </a:custGeom>
+          <a:gradFill>
+            <a:gsLst>
+              <a:gs pos="0">
+                <a:schemeClr val="accent1">
+                  <a:lumMod val="60000"/>
+                  <a:lumOff val="40000"/>
+                </a:schemeClr>
+              </a:gs>
+              <a:gs pos="100000">
+                <a:schemeClr val="accent5">
+                  <a:lumMod val="60000"/>
+                  <a:lumOff val="40000"/>
+                </a:schemeClr>
+              </a:gs>
+            </a:gsLst>
+            <a:lin ang="2700000" scaled="0"/>
+          </a:gradFill>
+          <a:ln w="23872" cap="flat">
+            <a:solidFill>
+              <a:schemeClr val="bg1"/>
+            </a:solidFill>
+            <a:prstDash val="solid"/>
+            <a:miter/>
+          </a:ln>
+        </p:spPr>
+        <p:txBody>
+          <a:bodyPr rtlCol="0" anchor="ctr"/>
+          <a:lstStyle/>
+          <a:p>
+            <a:endParaRPr lang="en-US"/>
+          </a:p>
+        </p:txBody>
+      </p:sp>
+    </p:spTree>
+    <p:extLst>
+      <p:ext uri="{BB962C8B-B14F-4D97-AF65-F5344CB8AC3E}">
+        <p14:creationId xmlns:p14="http://schemas.microsoft.com/office/powerpoint/2010/main" val="864681671"/>
+      </p:ext>
+    </p:extLst>
+  </p:cSld>
+  <p:clrMapOvr>
+    <a:masterClrMapping/>
+  </p:clrMapOvr>
+</p:sld>
+</file>
+
+<file path=ppt/slides/slide7.xml><?xml version="1.0" encoding="utf-8"?>
+<p:sld xmlns:a="http://schemas.openxmlformats.org/drawingml/2006/main" xmlns:r="http://schemas.openxmlformats.org/officeDocument/2006/relationships" xmlns:p="http://schemas.openxmlformats.org/presentationml/2006/main">
+  <p:cSld>
+    <p:spTree>
+      <p:nvGrpSpPr>
+        <p:cNvPr id="1" name=""/>
+        <p:cNvGrpSpPr/>
+        <p:nvPr/>
+      </p:nvGrpSpPr>
+      <p:grpSpPr>
+        <a:xfrm>
+          <a:off x="0" y="0"/>
+          <a:ext cx="0" cy="0"/>
+          <a:chOff x="0" y="0"/>
+          <a:chExt cx="0" cy="0"/>
+        </a:xfrm>
+      </p:grpSpPr>
+      <p:sp>
+        <p:nvSpPr>
+          <p:cNvPr id="4" name="Rectangle 3">
+            <a:extLst>
+              <a:ext uri="{FF2B5EF4-FFF2-40B4-BE49-F238E27FC236}">
+                <a16:creationId xmlns:a16="http://schemas.microsoft.com/office/drawing/2014/main" id="{4E4E231A-2D2F-430C-BB6E-623DA1D93DB0}"/>
+              </a:ext>
+            </a:extLst>
+          </p:cNvPr>
+          <p:cNvSpPr/>
+          <p:nvPr/>
+        </p:nvSpPr>
+        <p:spPr>
+          <a:xfrm>
+            <a:off x="0" y="0"/>
+            <a:ext cx="12192000" cy="6858000"/>
+          </a:xfrm>
+          <a:prstGeom prst="rect">
+            <a:avLst/>
+          </a:prstGeom>
+          <a:ln>
+            <a:noFill/>
+          </a:ln>
+        </p:spPr>
+        <p:style>
+          <a:lnRef idx="2">
+            <a:schemeClr val="dk1">
+              <a:shade val="50000"/>
+            </a:schemeClr>
+          </a:lnRef>
+          <a:fillRef idx="1">
+            <a:schemeClr val="dk1"/>
+          </a:fillRef>
+          <a:effectRef idx="0">
+            <a:schemeClr val="dk1"/>
+          </a:effectRef>
+          <a:fontRef idx="minor">
+            <a:schemeClr val="lt1"/>
+          </a:fontRef>
+        </p:style>
+        <p:txBody>
+          <a:bodyPr rtlCol="0" anchor="ctr"/>
+          <a:lstStyle/>
+          <a:p>
+            <a:pPr algn="ctr"/>
+            <a:endParaRPr lang="en-US"/>
+          </a:p>
+        </p:txBody>
+      </p:sp>
+      <p:sp>
+        <p:nvSpPr>
+          <p:cNvPr id="5" name="Graphic 2">
+            <a:extLst>
+              <a:ext uri="{FF2B5EF4-FFF2-40B4-BE49-F238E27FC236}">
+                <a16:creationId xmlns:a16="http://schemas.microsoft.com/office/drawing/2014/main" id="{3BD01C59-C2F6-4295-A4A7-948AE6840ED1}"/>
+              </a:ext>
+            </a:extLst>
+          </p:cNvPr>
+          <p:cNvSpPr/>
+          <p:nvPr/>
+        </p:nvSpPr>
+        <p:spPr>
+          <a:xfrm>
+            <a:off x="3541691" y="2717525"/>
+            <a:ext cx="5090502" cy="1410045"/>
+          </a:xfrm>
+          <a:custGeom>
+            <a:avLst/>
+            <a:gdLst>
+              <a:gd name="connsiteX0" fmla="*/ 610884 w 5090501"/>
+              <a:gd name="connsiteY0" fmla="*/ 227782 h 1410044"/>
+              <a:gd name="connsiteX1" fmla="*/ 304737 w 5090501"/>
+              <a:gd name="connsiteY1" fmla="*/ 535339 h 1410044"/>
+              <a:gd name="connsiteX2" fmla="*/ 609450 w 5090501"/>
+              <a:gd name="connsiteY2" fmla="*/ 811851 h 1410044"/>
+              <a:gd name="connsiteX3" fmla="*/ 460774 w 5090501"/>
+              <a:gd name="connsiteY3" fmla="*/ 977472 h 1410044"/>
+              <a:gd name="connsiteX4" fmla="*/ 0 w 5090501"/>
+              <a:gd name="connsiteY4" fmla="*/ 544445 h 1410044"/>
+              <a:gd name="connsiteX5" fmla="*/ 450259 w 5090501"/>
+              <a:gd name="connsiteY5" fmla="*/ 76238 h 1410044"/>
+              <a:gd name="connsiteX6" fmla="*/ 610884 w 5090501"/>
+              <a:gd name="connsiteY6" fmla="*/ 227782 h 1410044"/>
+              <a:gd name="connsiteX7" fmla="*/ 1234435 w 5090501"/>
+              <a:gd name="connsiteY7" fmla="*/ 261456 h 1410044"/>
+              <a:gd name="connsiteX8" fmla="*/ 1234435 w 5090501"/>
+              <a:gd name="connsiteY8" fmla="*/ 1118022 h 1410044"/>
+              <a:gd name="connsiteX9" fmla="*/ 1020992 w 5090501"/>
+              <a:gd name="connsiteY9" fmla="*/ 1118022 h 1410044"/>
+              <a:gd name="connsiteX10" fmla="*/ 1020992 w 5090501"/>
+              <a:gd name="connsiteY10" fmla="*/ 261456 h 1410044"/>
+              <a:gd name="connsiteX11" fmla="*/ 699072 w 5090501"/>
+              <a:gd name="connsiteY11" fmla="*/ 261456 h 1410044"/>
+              <a:gd name="connsiteX12" fmla="*/ 699072 w 5090501"/>
+              <a:gd name="connsiteY12" fmla="*/ 47081 h 1410044"/>
+              <a:gd name="connsiteX13" fmla="*/ 1555614 w 5090501"/>
+              <a:gd name="connsiteY13" fmla="*/ 47081 h 1410044"/>
+              <a:gd name="connsiteX14" fmla="*/ 1555614 w 5090501"/>
+              <a:gd name="connsiteY14" fmla="*/ 261456 h 1410044"/>
+              <a:gd name="connsiteX15" fmla="*/ 1234435 w 5090501"/>
+              <a:gd name="connsiteY15" fmla="*/ 261456 h 1410044"/>
+              <a:gd name="connsiteX16" fmla="*/ 2192764 w 5090501"/>
+              <a:gd name="connsiteY16" fmla="*/ 1118022 h 1410044"/>
+              <a:gd name="connsiteX17" fmla="*/ 2125368 w 5090501"/>
+              <a:gd name="connsiteY17" fmla="*/ 1024577 h 1410044"/>
+              <a:gd name="connsiteX18" fmla="*/ 2125368 w 5090501"/>
+              <a:gd name="connsiteY18" fmla="*/ 1024577 h 1410044"/>
+              <a:gd name="connsiteX19" fmla="*/ 2072814 w 5090501"/>
+              <a:gd name="connsiteY19" fmla="*/ 1066878 h 1410044"/>
+              <a:gd name="connsiteX20" fmla="*/ 2072814 w 5090501"/>
+              <a:gd name="connsiteY20" fmla="*/ 1066878 h 1410044"/>
+              <a:gd name="connsiteX21" fmla="*/ 2072814 w 5090501"/>
+              <a:gd name="connsiteY21" fmla="*/ 1066878 h 1410044"/>
+              <a:gd name="connsiteX22" fmla="*/ 2014237 w 5090501"/>
+              <a:gd name="connsiteY22" fmla="*/ 1101269 h 1410044"/>
+              <a:gd name="connsiteX23" fmla="*/ 2014237 w 5090501"/>
+              <a:gd name="connsiteY23" fmla="*/ 1101269 h 1410044"/>
+              <a:gd name="connsiteX24" fmla="*/ 2014237 w 5090501"/>
+              <a:gd name="connsiteY24" fmla="*/ 1101269 h 1410044"/>
+              <a:gd name="connsiteX25" fmla="*/ 1951144 w 5090501"/>
+              <a:gd name="connsiteY25" fmla="*/ 1124475 h 1410044"/>
+              <a:gd name="connsiteX26" fmla="*/ 1951144 w 5090501"/>
+              <a:gd name="connsiteY26" fmla="*/ 1124475 h 1410044"/>
+              <a:gd name="connsiteX27" fmla="*/ 1951144 w 5090501"/>
+              <a:gd name="connsiteY27" fmla="*/ 1124475 h 1410044"/>
+              <a:gd name="connsiteX28" fmla="*/ 1884920 w 5090501"/>
+              <a:gd name="connsiteY28" fmla="*/ 1133055 h 1410044"/>
+              <a:gd name="connsiteX29" fmla="*/ 1884920 w 5090501"/>
+              <a:gd name="connsiteY29" fmla="*/ 1133055 h 1410044"/>
+              <a:gd name="connsiteX30" fmla="*/ 1884920 w 5090501"/>
+              <a:gd name="connsiteY30" fmla="*/ 1133055 h 1410044"/>
+              <a:gd name="connsiteX31" fmla="*/ 1746066 w 5090501"/>
+              <a:gd name="connsiteY31" fmla="*/ 1106766 h 1410044"/>
+              <a:gd name="connsiteX32" fmla="*/ 1746066 w 5090501"/>
+              <a:gd name="connsiteY32" fmla="*/ 1106766 h 1410044"/>
+              <a:gd name="connsiteX33" fmla="*/ 1746066 w 5090501"/>
+              <a:gd name="connsiteY33" fmla="*/ 1106766 h 1410044"/>
+              <a:gd name="connsiteX34" fmla="*/ 1632044 w 5090501"/>
+              <a:gd name="connsiteY34" fmla="*/ 1032463 h 1410044"/>
+              <a:gd name="connsiteX35" fmla="*/ 1632044 w 5090501"/>
+              <a:gd name="connsiteY35" fmla="*/ 1032463 h 1410044"/>
+              <a:gd name="connsiteX36" fmla="*/ 1632044 w 5090501"/>
+              <a:gd name="connsiteY36" fmla="*/ 1032463 h 1410044"/>
+              <a:gd name="connsiteX37" fmla="*/ 1555112 w 5090501"/>
+              <a:gd name="connsiteY37" fmla="*/ 915358 h 1410044"/>
+              <a:gd name="connsiteX38" fmla="*/ 1555112 w 5090501"/>
+              <a:gd name="connsiteY38" fmla="*/ 915358 h 1410044"/>
+              <a:gd name="connsiteX39" fmla="*/ 1555112 w 5090501"/>
+              <a:gd name="connsiteY39" fmla="*/ 915358 h 1410044"/>
+              <a:gd name="connsiteX40" fmla="*/ 1527151 w 5090501"/>
+              <a:gd name="connsiteY40" fmla="*/ 760253 h 1410044"/>
+              <a:gd name="connsiteX41" fmla="*/ 1527151 w 5090501"/>
+              <a:gd name="connsiteY41" fmla="*/ 760253 h 1410044"/>
+              <a:gd name="connsiteX42" fmla="*/ 1527151 w 5090501"/>
+              <a:gd name="connsiteY42" fmla="*/ 318120 h 1410044"/>
+              <a:gd name="connsiteX43" fmla="*/ 1730293 w 5090501"/>
+              <a:gd name="connsiteY43" fmla="*/ 318120 h 1410044"/>
+              <a:gd name="connsiteX44" fmla="*/ 1730293 w 5090501"/>
+              <a:gd name="connsiteY44" fmla="*/ 760253 h 1410044"/>
+              <a:gd name="connsiteX45" fmla="*/ 1730293 w 5090501"/>
+              <a:gd name="connsiteY45" fmla="*/ 760253 h 1410044"/>
+              <a:gd name="connsiteX46" fmla="*/ 1742720 w 5090501"/>
+              <a:gd name="connsiteY46" fmla="*/ 832428 h 1410044"/>
+              <a:gd name="connsiteX47" fmla="*/ 1742720 w 5090501"/>
+              <a:gd name="connsiteY47" fmla="*/ 832428 h 1410044"/>
+              <a:gd name="connsiteX48" fmla="*/ 1742720 w 5090501"/>
+              <a:gd name="connsiteY48" fmla="*/ 832428 h 1410044"/>
+              <a:gd name="connsiteX49" fmla="*/ 1775940 w 5090501"/>
+              <a:gd name="connsiteY49" fmla="*/ 885723 h 1410044"/>
+              <a:gd name="connsiteX50" fmla="*/ 1775940 w 5090501"/>
+              <a:gd name="connsiteY50" fmla="*/ 885723 h 1410044"/>
+              <a:gd name="connsiteX51" fmla="*/ 1775940 w 5090501"/>
+              <a:gd name="connsiteY51" fmla="*/ 885723 h 1410044"/>
+              <a:gd name="connsiteX52" fmla="*/ 1824933 w 5090501"/>
+              <a:gd name="connsiteY52" fmla="*/ 918704 h 1410044"/>
+              <a:gd name="connsiteX53" fmla="*/ 1824933 w 5090501"/>
+              <a:gd name="connsiteY53" fmla="*/ 918704 h 1410044"/>
+              <a:gd name="connsiteX54" fmla="*/ 1824933 w 5090501"/>
+              <a:gd name="connsiteY54" fmla="*/ 918704 h 1410044"/>
+              <a:gd name="connsiteX55" fmla="*/ 1884920 w 5090501"/>
+              <a:gd name="connsiteY55" fmla="*/ 929697 h 1410044"/>
+              <a:gd name="connsiteX56" fmla="*/ 1884920 w 5090501"/>
+              <a:gd name="connsiteY56" fmla="*/ 929697 h 1410044"/>
+              <a:gd name="connsiteX57" fmla="*/ 1884920 w 5090501"/>
+              <a:gd name="connsiteY57" fmla="*/ 929697 h 1410044"/>
+              <a:gd name="connsiteX58" fmla="*/ 1944428 w 5090501"/>
+              <a:gd name="connsiteY58" fmla="*/ 915358 h 1410044"/>
+              <a:gd name="connsiteX59" fmla="*/ 1944428 w 5090501"/>
+              <a:gd name="connsiteY59" fmla="*/ 915358 h 1410044"/>
+              <a:gd name="connsiteX60" fmla="*/ 1944428 w 5090501"/>
+              <a:gd name="connsiteY60" fmla="*/ 915358 h 1410044"/>
+              <a:gd name="connsiteX61" fmla="*/ 1993206 w 5090501"/>
+              <a:gd name="connsiteY61" fmla="*/ 876881 h 1410044"/>
+              <a:gd name="connsiteX62" fmla="*/ 1993206 w 5090501"/>
+              <a:gd name="connsiteY62" fmla="*/ 876881 h 1410044"/>
+              <a:gd name="connsiteX63" fmla="*/ 1993206 w 5090501"/>
+              <a:gd name="connsiteY63" fmla="*/ 876881 h 1410044"/>
+              <a:gd name="connsiteX64" fmla="*/ 2026163 w 5090501"/>
+              <a:gd name="connsiteY64" fmla="*/ 822630 h 1410044"/>
+              <a:gd name="connsiteX65" fmla="*/ 2026163 w 5090501"/>
+              <a:gd name="connsiteY65" fmla="*/ 822630 h 1410044"/>
+              <a:gd name="connsiteX66" fmla="*/ 2026163 w 5090501"/>
+              <a:gd name="connsiteY66" fmla="*/ 822630 h 1410044"/>
+              <a:gd name="connsiteX67" fmla="*/ 2038113 w 5090501"/>
+              <a:gd name="connsiteY67" fmla="*/ 760253 h 1410044"/>
+              <a:gd name="connsiteX68" fmla="*/ 2038113 w 5090501"/>
+              <a:gd name="connsiteY68" fmla="*/ 760253 h 1410044"/>
+              <a:gd name="connsiteX69" fmla="*/ 2038113 w 5090501"/>
+              <a:gd name="connsiteY69" fmla="*/ 318120 h 1410044"/>
+              <a:gd name="connsiteX70" fmla="*/ 2241972 w 5090501"/>
+              <a:gd name="connsiteY70" fmla="*/ 318120 h 1410044"/>
+              <a:gd name="connsiteX71" fmla="*/ 2241972 w 5090501"/>
+              <a:gd name="connsiteY71" fmla="*/ 1118046 h 1410044"/>
+              <a:gd name="connsiteX72" fmla="*/ 2192764 w 5090501"/>
+              <a:gd name="connsiteY72" fmla="*/ 1118046 h 1410044"/>
+              <a:gd name="connsiteX73" fmla="*/ 2602657 w 5090501"/>
+              <a:gd name="connsiteY73" fmla="*/ 1064249 h 1410044"/>
+              <a:gd name="connsiteX74" fmla="*/ 2602657 w 5090501"/>
+              <a:gd name="connsiteY74" fmla="*/ 1422735 h 1410044"/>
+              <a:gd name="connsiteX75" fmla="*/ 2397340 w 5090501"/>
+              <a:gd name="connsiteY75" fmla="*/ 1422735 h 1410044"/>
+              <a:gd name="connsiteX76" fmla="*/ 2397340 w 5090501"/>
+              <a:gd name="connsiteY76" fmla="*/ 318097 h 1410044"/>
+              <a:gd name="connsiteX77" fmla="*/ 2446572 w 5090501"/>
+              <a:gd name="connsiteY77" fmla="*/ 318097 h 1410044"/>
+              <a:gd name="connsiteX78" fmla="*/ 2528068 w 5090501"/>
+              <a:gd name="connsiteY78" fmla="*/ 414410 h 1410044"/>
+              <a:gd name="connsiteX79" fmla="*/ 2528068 w 5090501"/>
+              <a:gd name="connsiteY79" fmla="*/ 414410 h 1410044"/>
+              <a:gd name="connsiteX80" fmla="*/ 2588532 w 5090501"/>
+              <a:gd name="connsiteY80" fmla="*/ 365178 h 1410044"/>
+              <a:gd name="connsiteX81" fmla="*/ 2588532 w 5090501"/>
+              <a:gd name="connsiteY81" fmla="*/ 365178 h 1410044"/>
+              <a:gd name="connsiteX82" fmla="*/ 2588532 w 5090501"/>
+              <a:gd name="connsiteY82" fmla="*/ 365178 h 1410044"/>
+              <a:gd name="connsiteX83" fmla="*/ 2656883 w 5090501"/>
+              <a:gd name="connsiteY83" fmla="*/ 325242 h 1410044"/>
+              <a:gd name="connsiteX84" fmla="*/ 2656883 w 5090501"/>
+              <a:gd name="connsiteY84" fmla="*/ 325242 h 1410044"/>
+              <a:gd name="connsiteX85" fmla="*/ 2656883 w 5090501"/>
+              <a:gd name="connsiteY85" fmla="*/ 325242 h 1410044"/>
+              <a:gd name="connsiteX86" fmla="*/ 2730493 w 5090501"/>
+              <a:gd name="connsiteY86" fmla="*/ 298714 h 1410044"/>
+              <a:gd name="connsiteX87" fmla="*/ 2730493 w 5090501"/>
+              <a:gd name="connsiteY87" fmla="*/ 298714 h 1410044"/>
+              <a:gd name="connsiteX88" fmla="*/ 2730493 w 5090501"/>
+              <a:gd name="connsiteY88" fmla="*/ 298714 h 1410044"/>
+              <a:gd name="connsiteX89" fmla="*/ 2807448 w 5090501"/>
+              <a:gd name="connsiteY89" fmla="*/ 288940 h 1410044"/>
+              <a:gd name="connsiteX90" fmla="*/ 2807448 w 5090501"/>
+              <a:gd name="connsiteY90" fmla="*/ 288940 h 1410044"/>
+              <a:gd name="connsiteX91" fmla="*/ 2807448 w 5090501"/>
+              <a:gd name="connsiteY91" fmla="*/ 288940 h 1410044"/>
+              <a:gd name="connsiteX92" fmla="*/ 2966137 w 5090501"/>
+              <a:gd name="connsiteY92" fmla="*/ 319292 h 1410044"/>
+              <a:gd name="connsiteX93" fmla="*/ 2966137 w 5090501"/>
+              <a:gd name="connsiteY93" fmla="*/ 319292 h 1410044"/>
+              <a:gd name="connsiteX94" fmla="*/ 2966137 w 5090501"/>
+              <a:gd name="connsiteY94" fmla="*/ 319292 h 1410044"/>
+              <a:gd name="connsiteX95" fmla="*/ 3095909 w 5090501"/>
+              <a:gd name="connsiteY95" fmla="*/ 404850 h 1410044"/>
+              <a:gd name="connsiteX96" fmla="*/ 3095909 w 5090501"/>
+              <a:gd name="connsiteY96" fmla="*/ 404850 h 1410044"/>
+              <a:gd name="connsiteX97" fmla="*/ 3095909 w 5090501"/>
+              <a:gd name="connsiteY97" fmla="*/ 404850 h 1410044"/>
+              <a:gd name="connsiteX98" fmla="*/ 3183882 w 5090501"/>
+              <a:gd name="connsiteY98" fmla="*/ 537968 h 1410044"/>
+              <a:gd name="connsiteX99" fmla="*/ 3183882 w 5090501"/>
+              <a:gd name="connsiteY99" fmla="*/ 537968 h 1410044"/>
+              <a:gd name="connsiteX100" fmla="*/ 3183882 w 5090501"/>
+              <a:gd name="connsiteY100" fmla="*/ 537968 h 1410044"/>
+              <a:gd name="connsiteX101" fmla="*/ 3215907 w 5090501"/>
+              <a:gd name="connsiteY101" fmla="*/ 710973 h 1410044"/>
+              <a:gd name="connsiteX102" fmla="*/ 3215907 w 5090501"/>
+              <a:gd name="connsiteY102" fmla="*/ 710973 h 1410044"/>
+              <a:gd name="connsiteX103" fmla="*/ 3215907 w 5090501"/>
+              <a:gd name="connsiteY103" fmla="*/ 710973 h 1410044"/>
+              <a:gd name="connsiteX104" fmla="*/ 3183882 w 5090501"/>
+              <a:gd name="connsiteY104" fmla="*/ 888328 h 1410044"/>
+              <a:gd name="connsiteX105" fmla="*/ 3183882 w 5090501"/>
+              <a:gd name="connsiteY105" fmla="*/ 888328 h 1410044"/>
+              <a:gd name="connsiteX106" fmla="*/ 3183882 w 5090501"/>
+              <a:gd name="connsiteY106" fmla="*/ 888328 h 1410044"/>
+              <a:gd name="connsiteX107" fmla="*/ 3095909 w 5090501"/>
+              <a:gd name="connsiteY107" fmla="*/ 1021924 h 1410044"/>
+              <a:gd name="connsiteX108" fmla="*/ 3095909 w 5090501"/>
+              <a:gd name="connsiteY108" fmla="*/ 1021924 h 1410044"/>
+              <a:gd name="connsiteX109" fmla="*/ 3095909 w 5090501"/>
+              <a:gd name="connsiteY109" fmla="*/ 1021924 h 1410044"/>
+              <a:gd name="connsiteX110" fmla="*/ 2966137 w 5090501"/>
+              <a:gd name="connsiteY110" fmla="*/ 1106073 h 1410044"/>
+              <a:gd name="connsiteX111" fmla="*/ 2966137 w 5090501"/>
+              <a:gd name="connsiteY111" fmla="*/ 1106073 h 1410044"/>
+              <a:gd name="connsiteX112" fmla="*/ 2966137 w 5090501"/>
+              <a:gd name="connsiteY112" fmla="*/ 1106073 h 1410044"/>
+              <a:gd name="connsiteX113" fmla="*/ 2807448 w 5090501"/>
+              <a:gd name="connsiteY113" fmla="*/ 1135206 h 1410044"/>
+              <a:gd name="connsiteX114" fmla="*/ 2807448 w 5090501"/>
+              <a:gd name="connsiteY114" fmla="*/ 1135206 h 1410044"/>
+              <a:gd name="connsiteX115" fmla="*/ 2807448 w 5090501"/>
+              <a:gd name="connsiteY115" fmla="*/ 1135206 h 1410044"/>
+              <a:gd name="connsiteX116" fmla="*/ 2753938 w 5090501"/>
+              <a:gd name="connsiteY116" fmla="*/ 1129231 h 1410044"/>
+              <a:gd name="connsiteX117" fmla="*/ 2753938 w 5090501"/>
+              <a:gd name="connsiteY117" fmla="*/ 1129231 h 1410044"/>
+              <a:gd name="connsiteX118" fmla="*/ 2753938 w 5090501"/>
+              <a:gd name="connsiteY118" fmla="*/ 1129231 h 1410044"/>
+              <a:gd name="connsiteX119" fmla="*/ 2701575 w 5090501"/>
+              <a:gd name="connsiteY119" fmla="*/ 1113218 h 1410044"/>
+              <a:gd name="connsiteX120" fmla="*/ 2701575 w 5090501"/>
+              <a:gd name="connsiteY120" fmla="*/ 1113218 h 1410044"/>
+              <a:gd name="connsiteX121" fmla="*/ 2701575 w 5090501"/>
+              <a:gd name="connsiteY121" fmla="*/ 1113218 h 1410044"/>
+              <a:gd name="connsiteX122" fmla="*/ 2650933 w 5090501"/>
+              <a:gd name="connsiteY122" fmla="*/ 1090299 h 1410044"/>
+              <a:gd name="connsiteX123" fmla="*/ 2650933 w 5090501"/>
+              <a:gd name="connsiteY123" fmla="*/ 1090299 h 1410044"/>
+              <a:gd name="connsiteX124" fmla="*/ 2650933 w 5090501"/>
+              <a:gd name="connsiteY124" fmla="*/ 1090299 h 1410044"/>
+              <a:gd name="connsiteX125" fmla="*/ 2602657 w 5090501"/>
+              <a:gd name="connsiteY125" fmla="*/ 1064249 h 1410044"/>
+              <a:gd name="connsiteX126" fmla="*/ 2602657 w 5090501"/>
+              <a:gd name="connsiteY126" fmla="*/ 1064249 h 1410044"/>
+              <a:gd name="connsiteX127" fmla="*/ 3011307 w 5090501"/>
+              <a:gd name="connsiteY127" fmla="*/ 710997 h 1410044"/>
+              <a:gd name="connsiteX128" fmla="*/ 3011307 w 5090501"/>
+              <a:gd name="connsiteY128" fmla="*/ 710997 h 1410044"/>
+              <a:gd name="connsiteX129" fmla="*/ 3011307 w 5090501"/>
+              <a:gd name="connsiteY129" fmla="*/ 710997 h 1410044"/>
+              <a:gd name="connsiteX130" fmla="*/ 2995055 w 5090501"/>
+              <a:gd name="connsiteY130" fmla="*/ 619942 h 1410044"/>
+              <a:gd name="connsiteX131" fmla="*/ 2995055 w 5090501"/>
+              <a:gd name="connsiteY131" fmla="*/ 619942 h 1410044"/>
+              <a:gd name="connsiteX132" fmla="*/ 2995055 w 5090501"/>
+              <a:gd name="connsiteY132" fmla="*/ 619942 h 1410044"/>
+              <a:gd name="connsiteX133" fmla="*/ 2951559 w 5090501"/>
+              <a:gd name="connsiteY133" fmla="*/ 551590 h 1410044"/>
+              <a:gd name="connsiteX134" fmla="*/ 2951559 w 5090501"/>
+              <a:gd name="connsiteY134" fmla="*/ 551590 h 1410044"/>
+              <a:gd name="connsiteX135" fmla="*/ 2951559 w 5090501"/>
+              <a:gd name="connsiteY135" fmla="*/ 551590 h 1410044"/>
+              <a:gd name="connsiteX136" fmla="*/ 2886530 w 5090501"/>
+              <a:gd name="connsiteY136" fmla="*/ 508596 h 1410044"/>
+              <a:gd name="connsiteX137" fmla="*/ 2886530 w 5090501"/>
+              <a:gd name="connsiteY137" fmla="*/ 508596 h 1410044"/>
+              <a:gd name="connsiteX138" fmla="*/ 2886530 w 5090501"/>
+              <a:gd name="connsiteY138" fmla="*/ 508596 h 1410044"/>
+              <a:gd name="connsiteX139" fmla="*/ 2807424 w 5090501"/>
+              <a:gd name="connsiteY139" fmla="*/ 493516 h 1410044"/>
+              <a:gd name="connsiteX140" fmla="*/ 2807424 w 5090501"/>
+              <a:gd name="connsiteY140" fmla="*/ 493516 h 1410044"/>
+              <a:gd name="connsiteX141" fmla="*/ 2807424 w 5090501"/>
+              <a:gd name="connsiteY141" fmla="*/ 493516 h 1410044"/>
+              <a:gd name="connsiteX142" fmla="*/ 2728557 w 5090501"/>
+              <a:gd name="connsiteY142" fmla="*/ 508596 h 1410044"/>
+              <a:gd name="connsiteX143" fmla="*/ 2728557 w 5090501"/>
+              <a:gd name="connsiteY143" fmla="*/ 508596 h 1410044"/>
+              <a:gd name="connsiteX144" fmla="*/ 2728557 w 5090501"/>
+              <a:gd name="connsiteY144" fmla="*/ 508596 h 1410044"/>
+              <a:gd name="connsiteX145" fmla="*/ 2664029 w 5090501"/>
+              <a:gd name="connsiteY145" fmla="*/ 551590 h 1410044"/>
+              <a:gd name="connsiteX146" fmla="*/ 2664029 w 5090501"/>
+              <a:gd name="connsiteY146" fmla="*/ 551590 h 1410044"/>
+              <a:gd name="connsiteX147" fmla="*/ 2664029 w 5090501"/>
+              <a:gd name="connsiteY147" fmla="*/ 551590 h 1410044"/>
+              <a:gd name="connsiteX148" fmla="*/ 2620294 w 5090501"/>
+              <a:gd name="connsiteY148" fmla="*/ 619942 h 1410044"/>
+              <a:gd name="connsiteX149" fmla="*/ 2620294 w 5090501"/>
+              <a:gd name="connsiteY149" fmla="*/ 619942 h 1410044"/>
+              <a:gd name="connsiteX150" fmla="*/ 2620294 w 5090501"/>
+              <a:gd name="connsiteY150" fmla="*/ 619942 h 1410044"/>
+              <a:gd name="connsiteX151" fmla="*/ 2604282 w 5090501"/>
+              <a:gd name="connsiteY151" fmla="*/ 710997 h 1410044"/>
+              <a:gd name="connsiteX152" fmla="*/ 2604282 w 5090501"/>
+              <a:gd name="connsiteY152" fmla="*/ 710997 h 1410044"/>
+              <a:gd name="connsiteX153" fmla="*/ 2604282 w 5090501"/>
+              <a:gd name="connsiteY153" fmla="*/ 710997 h 1410044"/>
+              <a:gd name="connsiteX154" fmla="*/ 2620294 w 5090501"/>
+              <a:gd name="connsiteY154" fmla="*/ 799926 h 1410044"/>
+              <a:gd name="connsiteX155" fmla="*/ 2620294 w 5090501"/>
+              <a:gd name="connsiteY155" fmla="*/ 799926 h 1410044"/>
+              <a:gd name="connsiteX156" fmla="*/ 2620294 w 5090501"/>
+              <a:gd name="connsiteY156" fmla="*/ 799926 h 1410044"/>
+              <a:gd name="connsiteX157" fmla="*/ 2664029 w 5090501"/>
+              <a:gd name="connsiteY157" fmla="*/ 868516 h 1410044"/>
+              <a:gd name="connsiteX158" fmla="*/ 2664029 w 5090501"/>
+              <a:gd name="connsiteY158" fmla="*/ 868516 h 1410044"/>
+              <a:gd name="connsiteX159" fmla="*/ 2664029 w 5090501"/>
+              <a:gd name="connsiteY159" fmla="*/ 868516 h 1410044"/>
+              <a:gd name="connsiteX160" fmla="*/ 2728557 w 5090501"/>
+              <a:gd name="connsiteY160" fmla="*/ 912729 h 1410044"/>
+              <a:gd name="connsiteX161" fmla="*/ 2728557 w 5090501"/>
+              <a:gd name="connsiteY161" fmla="*/ 912729 h 1410044"/>
+              <a:gd name="connsiteX162" fmla="*/ 2728557 w 5090501"/>
+              <a:gd name="connsiteY162" fmla="*/ 912729 h 1410044"/>
+              <a:gd name="connsiteX163" fmla="*/ 2807424 w 5090501"/>
+              <a:gd name="connsiteY163" fmla="*/ 928264 h 1410044"/>
+              <a:gd name="connsiteX164" fmla="*/ 2807424 w 5090501"/>
+              <a:gd name="connsiteY164" fmla="*/ 928264 h 1410044"/>
+              <a:gd name="connsiteX165" fmla="*/ 2807424 w 5090501"/>
+              <a:gd name="connsiteY165" fmla="*/ 928264 h 1410044"/>
+              <a:gd name="connsiteX166" fmla="*/ 2886530 w 5090501"/>
+              <a:gd name="connsiteY166" fmla="*/ 912729 h 1410044"/>
+              <a:gd name="connsiteX167" fmla="*/ 2886530 w 5090501"/>
+              <a:gd name="connsiteY167" fmla="*/ 912729 h 1410044"/>
+              <a:gd name="connsiteX168" fmla="*/ 2886530 w 5090501"/>
+              <a:gd name="connsiteY168" fmla="*/ 912729 h 1410044"/>
+              <a:gd name="connsiteX169" fmla="*/ 2951559 w 5090501"/>
+              <a:gd name="connsiteY169" fmla="*/ 868516 h 1410044"/>
+              <a:gd name="connsiteX170" fmla="*/ 2951559 w 5090501"/>
+              <a:gd name="connsiteY170" fmla="*/ 868516 h 1410044"/>
+              <a:gd name="connsiteX171" fmla="*/ 2951559 w 5090501"/>
+              <a:gd name="connsiteY171" fmla="*/ 868516 h 1410044"/>
+              <a:gd name="connsiteX172" fmla="*/ 2995055 w 5090501"/>
+              <a:gd name="connsiteY172" fmla="*/ 799926 h 1410044"/>
+              <a:gd name="connsiteX173" fmla="*/ 2995055 w 5090501"/>
+              <a:gd name="connsiteY173" fmla="*/ 799926 h 1410044"/>
+              <a:gd name="connsiteX174" fmla="*/ 2995055 w 5090501"/>
+              <a:gd name="connsiteY174" fmla="*/ 799926 h 1410044"/>
+              <a:gd name="connsiteX175" fmla="*/ 3011307 w 5090501"/>
+              <a:gd name="connsiteY175" fmla="*/ 710997 h 1410044"/>
+              <a:gd name="connsiteX176" fmla="*/ 3533955 w 5090501"/>
+              <a:gd name="connsiteY176" fmla="*/ 0 h 1410044"/>
+              <a:gd name="connsiteX177" fmla="*/ 3533955 w 5090501"/>
+              <a:gd name="connsiteY177" fmla="*/ 1118022 h 1410044"/>
+              <a:gd name="connsiteX178" fmla="*/ 3328662 w 5090501"/>
+              <a:gd name="connsiteY178" fmla="*/ 1118022 h 1410044"/>
+              <a:gd name="connsiteX179" fmla="*/ 3328662 w 5090501"/>
+              <a:gd name="connsiteY179" fmla="*/ 0 h 1410044"/>
+              <a:gd name="connsiteX180" fmla="*/ 3533955 w 5090501"/>
+              <a:gd name="connsiteY180" fmla="*/ 0 h 1410044"/>
+              <a:gd name="connsiteX181" fmla="*/ 4389805 w 5090501"/>
+              <a:gd name="connsiteY181" fmla="*/ 461515 h 1410044"/>
+              <a:gd name="connsiteX182" fmla="*/ 4007420 w 5090501"/>
+              <a:gd name="connsiteY182" fmla="*/ 922289 h 1410044"/>
+              <a:gd name="connsiteX183" fmla="*/ 4007420 w 5090501"/>
+              <a:gd name="connsiteY183" fmla="*/ 922289 h 1410044"/>
+              <a:gd name="connsiteX184" fmla="*/ 4031319 w 5090501"/>
+              <a:gd name="connsiteY184" fmla="*/ 927308 h 1410044"/>
+              <a:gd name="connsiteX185" fmla="*/ 4031319 w 5090501"/>
+              <a:gd name="connsiteY185" fmla="*/ 927308 h 1410044"/>
+              <a:gd name="connsiteX186" fmla="*/ 4031319 w 5090501"/>
+              <a:gd name="connsiteY186" fmla="*/ 927308 h 1410044"/>
+              <a:gd name="connsiteX187" fmla="*/ 4055218 w 5090501"/>
+              <a:gd name="connsiteY187" fmla="*/ 928264 h 1410044"/>
+              <a:gd name="connsiteX188" fmla="*/ 4055218 w 5090501"/>
+              <a:gd name="connsiteY188" fmla="*/ 928264 h 1410044"/>
+              <a:gd name="connsiteX189" fmla="*/ 4055218 w 5090501"/>
+              <a:gd name="connsiteY189" fmla="*/ 928264 h 1410044"/>
+              <a:gd name="connsiteX190" fmla="*/ 4112815 w 5090501"/>
+              <a:gd name="connsiteY190" fmla="*/ 920114 h 1410044"/>
+              <a:gd name="connsiteX191" fmla="*/ 4112815 w 5090501"/>
+              <a:gd name="connsiteY191" fmla="*/ 920114 h 1410044"/>
+              <a:gd name="connsiteX192" fmla="*/ 4112815 w 5090501"/>
+              <a:gd name="connsiteY192" fmla="*/ 920114 h 1410044"/>
+              <a:gd name="connsiteX193" fmla="*/ 4164676 w 5090501"/>
+              <a:gd name="connsiteY193" fmla="*/ 896478 h 1410044"/>
+              <a:gd name="connsiteX194" fmla="*/ 4164676 w 5090501"/>
+              <a:gd name="connsiteY194" fmla="*/ 896478 h 1410044"/>
+              <a:gd name="connsiteX195" fmla="*/ 4164676 w 5090501"/>
+              <a:gd name="connsiteY195" fmla="*/ 896478 h 1410044"/>
+              <a:gd name="connsiteX196" fmla="*/ 4207957 w 5090501"/>
+              <a:gd name="connsiteY196" fmla="*/ 859195 h 1410044"/>
+              <a:gd name="connsiteX197" fmla="*/ 4207957 w 5090501"/>
+              <a:gd name="connsiteY197" fmla="*/ 859195 h 1410044"/>
+              <a:gd name="connsiteX198" fmla="*/ 4207957 w 5090501"/>
+              <a:gd name="connsiteY198" fmla="*/ 859195 h 1410044"/>
+              <a:gd name="connsiteX199" fmla="*/ 4239002 w 5090501"/>
+              <a:gd name="connsiteY199" fmla="*/ 810178 h 1410044"/>
+              <a:gd name="connsiteX200" fmla="*/ 4239002 w 5090501"/>
+              <a:gd name="connsiteY200" fmla="*/ 810178 h 1410044"/>
+              <a:gd name="connsiteX201" fmla="*/ 4388371 w 5090501"/>
+              <a:gd name="connsiteY201" fmla="*/ 960503 h 1410044"/>
+              <a:gd name="connsiteX202" fmla="*/ 4388371 w 5090501"/>
+              <a:gd name="connsiteY202" fmla="*/ 960503 h 1410044"/>
+              <a:gd name="connsiteX203" fmla="*/ 4323150 w 5090501"/>
+              <a:gd name="connsiteY203" fmla="*/ 1032917 h 1410044"/>
+              <a:gd name="connsiteX204" fmla="*/ 4323150 w 5090501"/>
+              <a:gd name="connsiteY204" fmla="*/ 1032917 h 1410044"/>
+              <a:gd name="connsiteX205" fmla="*/ 4323150 w 5090501"/>
+              <a:gd name="connsiteY205" fmla="*/ 1032917 h 1410044"/>
+              <a:gd name="connsiteX206" fmla="*/ 4243041 w 5090501"/>
+              <a:gd name="connsiteY206" fmla="*/ 1087384 h 1410044"/>
+              <a:gd name="connsiteX207" fmla="*/ 4243041 w 5090501"/>
+              <a:gd name="connsiteY207" fmla="*/ 1087384 h 1410044"/>
+              <a:gd name="connsiteX208" fmla="*/ 4243041 w 5090501"/>
+              <a:gd name="connsiteY208" fmla="*/ 1087384 h 1410044"/>
+              <a:gd name="connsiteX209" fmla="*/ 4152726 w 5090501"/>
+              <a:gd name="connsiteY209" fmla="*/ 1121344 h 1410044"/>
+              <a:gd name="connsiteX210" fmla="*/ 4152726 w 5090501"/>
+              <a:gd name="connsiteY210" fmla="*/ 1121344 h 1410044"/>
+              <a:gd name="connsiteX211" fmla="*/ 4152726 w 5090501"/>
+              <a:gd name="connsiteY211" fmla="*/ 1121344 h 1410044"/>
+              <a:gd name="connsiteX212" fmla="*/ 4055218 w 5090501"/>
+              <a:gd name="connsiteY212" fmla="*/ 1133031 h 1410044"/>
+              <a:gd name="connsiteX213" fmla="*/ 4055218 w 5090501"/>
+              <a:gd name="connsiteY213" fmla="*/ 1133031 h 1410044"/>
+              <a:gd name="connsiteX214" fmla="*/ 4055218 w 5090501"/>
+              <a:gd name="connsiteY214" fmla="*/ 1133031 h 1410044"/>
+              <a:gd name="connsiteX215" fmla="*/ 3896504 w 5090501"/>
+              <a:gd name="connsiteY215" fmla="*/ 1101508 h 1410044"/>
+              <a:gd name="connsiteX216" fmla="*/ 3896504 w 5090501"/>
+              <a:gd name="connsiteY216" fmla="*/ 1101508 h 1410044"/>
+              <a:gd name="connsiteX217" fmla="*/ 3896504 w 5090501"/>
+              <a:gd name="connsiteY217" fmla="*/ 1101508 h 1410044"/>
+              <a:gd name="connsiteX218" fmla="*/ 3766732 w 5090501"/>
+              <a:gd name="connsiteY218" fmla="*/ 1014276 h 1410044"/>
+              <a:gd name="connsiteX219" fmla="*/ 3766732 w 5090501"/>
+              <a:gd name="connsiteY219" fmla="*/ 1014276 h 1410044"/>
+              <a:gd name="connsiteX220" fmla="*/ 3766732 w 5090501"/>
+              <a:gd name="connsiteY220" fmla="*/ 1014276 h 1410044"/>
+              <a:gd name="connsiteX221" fmla="*/ 3678784 w 5090501"/>
+              <a:gd name="connsiteY221" fmla="*/ 880919 h 1410044"/>
+              <a:gd name="connsiteX222" fmla="*/ 3678784 w 5090501"/>
+              <a:gd name="connsiteY222" fmla="*/ 880919 h 1410044"/>
+              <a:gd name="connsiteX223" fmla="*/ 3678784 w 5090501"/>
+              <a:gd name="connsiteY223" fmla="*/ 880919 h 1410044"/>
+              <a:gd name="connsiteX224" fmla="*/ 3646759 w 5090501"/>
+              <a:gd name="connsiteY224" fmla="*/ 710997 h 1410044"/>
+              <a:gd name="connsiteX225" fmla="*/ 3646759 w 5090501"/>
+              <a:gd name="connsiteY225" fmla="*/ 710997 h 1410044"/>
+              <a:gd name="connsiteX226" fmla="*/ 3646759 w 5090501"/>
+              <a:gd name="connsiteY226" fmla="*/ 710997 h 1410044"/>
+              <a:gd name="connsiteX227" fmla="*/ 3678784 w 5090501"/>
+              <a:gd name="connsiteY227" fmla="*/ 537729 h 1410044"/>
+              <a:gd name="connsiteX228" fmla="*/ 3678784 w 5090501"/>
+              <a:gd name="connsiteY228" fmla="*/ 537729 h 1410044"/>
+              <a:gd name="connsiteX229" fmla="*/ 3678784 w 5090501"/>
+              <a:gd name="connsiteY229" fmla="*/ 537729 h 1410044"/>
+              <a:gd name="connsiteX230" fmla="*/ 3766732 w 5090501"/>
+              <a:gd name="connsiteY230" fmla="*/ 403894 h 1410044"/>
+              <a:gd name="connsiteX231" fmla="*/ 3766732 w 5090501"/>
+              <a:gd name="connsiteY231" fmla="*/ 403894 h 1410044"/>
+              <a:gd name="connsiteX232" fmla="*/ 3766732 w 5090501"/>
+              <a:gd name="connsiteY232" fmla="*/ 403894 h 1410044"/>
+              <a:gd name="connsiteX233" fmla="*/ 3896504 w 5090501"/>
+              <a:gd name="connsiteY233" fmla="*/ 318097 h 1410044"/>
+              <a:gd name="connsiteX234" fmla="*/ 3896504 w 5090501"/>
+              <a:gd name="connsiteY234" fmla="*/ 318097 h 1410044"/>
+              <a:gd name="connsiteX235" fmla="*/ 3896504 w 5090501"/>
+              <a:gd name="connsiteY235" fmla="*/ 318097 h 1410044"/>
+              <a:gd name="connsiteX236" fmla="*/ 4055218 w 5090501"/>
+              <a:gd name="connsiteY236" fmla="*/ 287530 h 1410044"/>
+              <a:gd name="connsiteX237" fmla="*/ 4055218 w 5090501"/>
+              <a:gd name="connsiteY237" fmla="*/ 287530 h 1410044"/>
+              <a:gd name="connsiteX238" fmla="*/ 4055218 w 5090501"/>
+              <a:gd name="connsiteY238" fmla="*/ 287530 h 1410044"/>
+              <a:gd name="connsiteX239" fmla="*/ 4153204 w 5090501"/>
+              <a:gd name="connsiteY239" fmla="*/ 299479 h 1410044"/>
+              <a:gd name="connsiteX240" fmla="*/ 4153204 w 5090501"/>
+              <a:gd name="connsiteY240" fmla="*/ 299479 h 1410044"/>
+              <a:gd name="connsiteX241" fmla="*/ 4153204 w 5090501"/>
+              <a:gd name="connsiteY241" fmla="*/ 299479 h 1410044"/>
+              <a:gd name="connsiteX242" fmla="*/ 4243806 w 5090501"/>
+              <a:gd name="connsiteY242" fmla="*/ 333870 h 1410044"/>
+              <a:gd name="connsiteX243" fmla="*/ 4243806 w 5090501"/>
+              <a:gd name="connsiteY243" fmla="*/ 333870 h 1410044"/>
+              <a:gd name="connsiteX244" fmla="*/ 4243806 w 5090501"/>
+              <a:gd name="connsiteY244" fmla="*/ 333870 h 1410044"/>
+              <a:gd name="connsiteX245" fmla="*/ 4324083 w 5090501"/>
+              <a:gd name="connsiteY245" fmla="*/ 388599 h 1410044"/>
+              <a:gd name="connsiteX246" fmla="*/ 4324083 w 5090501"/>
+              <a:gd name="connsiteY246" fmla="*/ 388599 h 1410044"/>
+              <a:gd name="connsiteX247" fmla="*/ 4324083 w 5090501"/>
+              <a:gd name="connsiteY247" fmla="*/ 388599 h 1410044"/>
+              <a:gd name="connsiteX248" fmla="*/ 4389805 w 5090501"/>
+              <a:gd name="connsiteY248" fmla="*/ 461515 h 1410044"/>
+              <a:gd name="connsiteX249" fmla="*/ 4389805 w 5090501"/>
+              <a:gd name="connsiteY249" fmla="*/ 461515 h 1410044"/>
+              <a:gd name="connsiteX250" fmla="*/ 3874517 w 5090501"/>
+              <a:gd name="connsiteY250" fmla="*/ 817109 h 1410044"/>
+              <a:gd name="connsiteX251" fmla="*/ 4112098 w 5090501"/>
+              <a:gd name="connsiteY251" fmla="*/ 501880 h 1410044"/>
+              <a:gd name="connsiteX252" fmla="*/ 4112098 w 5090501"/>
+              <a:gd name="connsiteY252" fmla="*/ 501880 h 1410044"/>
+              <a:gd name="connsiteX253" fmla="*/ 4084136 w 5090501"/>
+              <a:gd name="connsiteY253" fmla="*/ 495213 h 1410044"/>
+              <a:gd name="connsiteX254" fmla="*/ 4084136 w 5090501"/>
+              <a:gd name="connsiteY254" fmla="*/ 495213 h 1410044"/>
+              <a:gd name="connsiteX255" fmla="*/ 4084136 w 5090501"/>
+              <a:gd name="connsiteY255" fmla="*/ 495213 h 1410044"/>
+              <a:gd name="connsiteX256" fmla="*/ 4055194 w 5090501"/>
+              <a:gd name="connsiteY256" fmla="*/ 493540 h 1410044"/>
+              <a:gd name="connsiteX257" fmla="*/ 4055194 w 5090501"/>
+              <a:gd name="connsiteY257" fmla="*/ 493540 h 1410044"/>
+              <a:gd name="connsiteX258" fmla="*/ 4055194 w 5090501"/>
+              <a:gd name="connsiteY258" fmla="*/ 493540 h 1410044"/>
+              <a:gd name="connsiteX259" fmla="*/ 3976590 w 5090501"/>
+              <a:gd name="connsiteY259" fmla="*/ 509074 h 1410044"/>
+              <a:gd name="connsiteX260" fmla="*/ 3976590 w 5090501"/>
+              <a:gd name="connsiteY260" fmla="*/ 509074 h 1410044"/>
+              <a:gd name="connsiteX261" fmla="*/ 3976590 w 5090501"/>
+              <a:gd name="connsiteY261" fmla="*/ 509074 h 1410044"/>
+              <a:gd name="connsiteX262" fmla="*/ 3912278 w 5090501"/>
+              <a:gd name="connsiteY262" fmla="*/ 552570 h 1410044"/>
+              <a:gd name="connsiteX263" fmla="*/ 3912278 w 5090501"/>
+              <a:gd name="connsiteY263" fmla="*/ 552570 h 1410044"/>
+              <a:gd name="connsiteX264" fmla="*/ 3912278 w 5090501"/>
+              <a:gd name="connsiteY264" fmla="*/ 552570 h 1410044"/>
+              <a:gd name="connsiteX265" fmla="*/ 3869283 w 5090501"/>
+              <a:gd name="connsiteY265" fmla="*/ 620898 h 1410044"/>
+              <a:gd name="connsiteX266" fmla="*/ 3869283 w 5090501"/>
+              <a:gd name="connsiteY266" fmla="*/ 620898 h 1410044"/>
+              <a:gd name="connsiteX267" fmla="*/ 3869283 w 5090501"/>
+              <a:gd name="connsiteY267" fmla="*/ 620898 h 1410044"/>
+              <a:gd name="connsiteX268" fmla="*/ 3853749 w 5090501"/>
+              <a:gd name="connsiteY268" fmla="*/ 710997 h 1410044"/>
+              <a:gd name="connsiteX269" fmla="*/ 3853749 w 5090501"/>
+              <a:gd name="connsiteY269" fmla="*/ 710997 h 1410044"/>
+              <a:gd name="connsiteX270" fmla="*/ 3853749 w 5090501"/>
+              <a:gd name="connsiteY270" fmla="*/ 710997 h 1410044"/>
+              <a:gd name="connsiteX271" fmla="*/ 3854681 w 5090501"/>
+              <a:gd name="connsiteY271" fmla="*/ 736354 h 1410044"/>
+              <a:gd name="connsiteX272" fmla="*/ 3854681 w 5090501"/>
+              <a:gd name="connsiteY272" fmla="*/ 736354 h 1410044"/>
+              <a:gd name="connsiteX273" fmla="*/ 3854681 w 5090501"/>
+              <a:gd name="connsiteY273" fmla="*/ 736354 h 1410044"/>
+              <a:gd name="connsiteX274" fmla="*/ 3858505 w 5090501"/>
+              <a:gd name="connsiteY274" fmla="*/ 765033 h 1410044"/>
+              <a:gd name="connsiteX275" fmla="*/ 3858505 w 5090501"/>
+              <a:gd name="connsiteY275" fmla="*/ 765033 h 1410044"/>
+              <a:gd name="connsiteX276" fmla="*/ 3858505 w 5090501"/>
+              <a:gd name="connsiteY276" fmla="*/ 765033 h 1410044"/>
+              <a:gd name="connsiteX277" fmla="*/ 3864981 w 5090501"/>
+              <a:gd name="connsiteY277" fmla="*/ 793234 h 1410044"/>
+              <a:gd name="connsiteX278" fmla="*/ 3864981 w 5090501"/>
+              <a:gd name="connsiteY278" fmla="*/ 793234 h 1410044"/>
+              <a:gd name="connsiteX279" fmla="*/ 3864981 w 5090501"/>
+              <a:gd name="connsiteY279" fmla="*/ 793234 h 1410044"/>
+              <a:gd name="connsiteX280" fmla="*/ 3874517 w 5090501"/>
+              <a:gd name="connsiteY280" fmla="*/ 817109 h 1410044"/>
+              <a:gd name="connsiteX281" fmla="*/ 3874517 w 5090501"/>
+              <a:gd name="connsiteY281" fmla="*/ 817109 h 1410044"/>
+              <a:gd name="connsiteX282" fmla="*/ 4795396 w 5090501"/>
+              <a:gd name="connsiteY282" fmla="*/ 535339 h 1410044"/>
+              <a:gd name="connsiteX283" fmla="*/ 4489225 w 5090501"/>
+              <a:gd name="connsiteY283" fmla="*/ 227782 h 1410044"/>
+              <a:gd name="connsiteX284" fmla="*/ 4649851 w 5090501"/>
+              <a:gd name="connsiteY284" fmla="*/ 76238 h 1410044"/>
+              <a:gd name="connsiteX285" fmla="*/ 5100109 w 5090501"/>
+              <a:gd name="connsiteY285" fmla="*/ 544445 h 1410044"/>
+              <a:gd name="connsiteX286" fmla="*/ 4639311 w 5090501"/>
+              <a:gd name="connsiteY286" fmla="*/ 977472 h 1410044"/>
+              <a:gd name="connsiteX287" fmla="*/ 4490683 w 5090501"/>
+              <a:gd name="connsiteY287" fmla="*/ 811851 h 1410044"/>
+              <a:gd name="connsiteX288" fmla="*/ 4795396 w 5090501"/>
+              <a:gd name="connsiteY288" fmla="*/ 535339 h 1410044"/>
+            </a:gdLst>
+            <a:ahLst/>
+            <a:cxnLst>
+              <a:cxn ang="0">
+                <a:pos x="connsiteX0" y="connsiteY0"/>
+              </a:cxn>
+              <a:cxn ang="0">
+                <a:pos x="connsiteX1" y="connsiteY1"/>
+              </a:cxn>
+              <a:cxn ang="0">
+                <a:pos x="connsiteX2" y="connsiteY2"/>
+              </a:cxn>
+              <a:cxn ang="0">
+                <a:pos x="connsiteX3" y="connsiteY3"/>
+              </a:cxn>
+              <a:cxn ang="0">
+                <a:pos x="connsiteX4" y="connsiteY4"/>
+              </a:cxn>
+              <a:cxn ang="0">
+                <a:pos x="connsiteX5" y="connsiteY5"/>
+              </a:cxn>
+              <a:cxn ang="0">
+                <a:pos x="connsiteX6" y="connsiteY6"/>
+              </a:cxn>
+              <a:cxn ang="0">
+                <a:pos x="connsiteX7" y="connsiteY7"/>
+              </a:cxn>
+              <a:cxn ang="0">
+                <a:pos x="connsiteX8" y="connsiteY8"/>
+              </a:cxn>
+              <a:cxn ang="0">
+                <a:pos x="connsiteX9" y="connsiteY9"/>
+              </a:cxn>
+              <a:cxn ang="0">
+                <a:pos x="connsiteX10" y="connsiteY10"/>
+              </a:cxn>
+              <a:cxn ang="0">
+                <a:pos x="connsiteX11" y="connsiteY11"/>
+              </a:cxn>
+              <a:cxn ang="0">
+                <a:pos x="connsiteX12" y="connsiteY12"/>
+              </a:cxn>
+              <a:cxn ang="0">
+                <a:pos x="connsiteX13" y="connsiteY13"/>
+              </a:cxn>
+              <a:cxn ang="0">
+                <a:pos x="connsiteX14" y="connsiteY14"/>
+              </a:cxn>
+              <a:cxn ang="0">
+                <a:pos x="connsiteX15" y="connsiteY15"/>
+              </a:cxn>
+              <a:cxn ang="0">
+                <a:pos x="connsiteX16" y="connsiteY16"/>
+              </a:cxn>
+              <a:cxn ang="0">
+                <a:pos x="connsiteX17" y="connsiteY17"/>
+              </a:cxn>
+              <a:cxn ang="0">
+                <a:pos x="connsiteX18" y="connsiteY18"/>
+              </a:cxn>
+              <a:cxn ang="0">
+                <a:pos x="connsiteX19" y="connsiteY19"/>
+              </a:cxn>
+              <a:cxn ang="0">
+                <a:pos x="connsiteX20" y="connsiteY20"/>
+              </a:cxn>
+              <a:cxn ang="0">
+                <a:pos x="connsiteX21" y="connsiteY21"/>
+              </a:cxn>
+              <a:cxn ang="0">
+                <a:pos x="connsiteX22" y="connsiteY22"/>
+              </a:cxn>
+              <a:cxn ang="0">
+                <a:pos x="connsiteX23" y="connsiteY23"/>
+              </a:cxn>
+              <a:cxn ang="0">
+                <a:pos x="connsiteX24" y="connsiteY24"/>
+              </a:cxn>
+              <a:cxn ang="0">
+                <a:pos x="connsiteX25" y="connsiteY25"/>
+              </a:cxn>
+              <a:cxn ang="0">
+                <a:pos x="connsiteX26" y="connsiteY26"/>
+              </a:cxn>
+              <a:cxn ang="0">
+                <a:pos x="connsiteX27" y="connsiteY27"/>
+              </a:cxn>
+              <a:cxn ang="0">
+                <a:pos x="connsiteX28" y="connsiteY28"/>
+              </a:cxn>
+              <a:cxn ang="0">
+                <a:pos x="connsiteX29" y="connsiteY29"/>
+              </a:cxn>
+              <a:cxn ang="0">
+                <a:pos x="connsiteX30" y="connsiteY30"/>
+              </a:cxn>
+              <a:cxn ang="0">
+                <a:pos x="connsiteX31" y="connsiteY31"/>
+              </a:cxn>
+              <a:cxn ang="0">
+                <a:pos x="connsiteX32" y="connsiteY32"/>
+              </a:cxn>
+              <a:cxn ang="0">
+                <a:pos x="connsiteX33" y="connsiteY33"/>
+              </a:cxn>
+              <a:cxn ang="0">
+                <a:pos x="connsiteX34" y="connsiteY34"/>
+              </a:cxn>
+              <a:cxn ang="0">
+                <a:pos x="connsiteX35" y="connsiteY35"/>
+              </a:cxn>
+              <a:cxn ang="0">
+                <a:pos x="connsiteX36" y="connsiteY36"/>
+              </a:cxn>
+              <a:cxn ang="0">
+                <a:pos x="connsiteX37" y="connsiteY37"/>
+              </a:cxn>
+              <a:cxn ang="0">
+                <a:pos x="connsiteX38" y="connsiteY38"/>
+              </a:cxn>
+              <a:cxn ang="0">
+                <a:pos x="connsiteX39" y="connsiteY39"/>
+              </a:cxn>
+              <a:cxn ang="0">
+                <a:pos x="connsiteX40" y="connsiteY40"/>
+              </a:cxn>
+              <a:cxn ang="0">
+                <a:pos x="connsiteX41" y="connsiteY41"/>
+              </a:cxn>
+              <a:cxn ang="0">
+                <a:pos x="connsiteX42" y="connsiteY42"/>
+              </a:cxn>
+              <a:cxn ang="0">
+                <a:pos x="connsiteX43" y="connsiteY43"/>
+              </a:cxn>
+              <a:cxn ang="0">
+                <a:pos x="connsiteX44" y="connsiteY44"/>
+              </a:cxn>
+              <a:cxn ang="0">
+                <a:pos x="connsiteX45" y="connsiteY45"/>
+              </a:cxn>
+              <a:cxn ang="0">
+                <a:pos x="connsiteX46" y="connsiteY46"/>
+              </a:cxn>
+              <a:cxn ang="0">
+                <a:pos x="connsiteX47" y="connsiteY47"/>
+              </a:cxn>
+              <a:cxn ang="0">
+                <a:pos x="connsiteX48" y="connsiteY48"/>
+              </a:cxn>
+              <a:cxn ang="0">
+                <a:pos x="connsiteX49" y="connsiteY49"/>
+              </a:cxn>
+              <a:cxn ang="0">
+                <a:pos x="connsiteX50" y="connsiteY50"/>
+              </a:cxn>
+              <a:cxn ang="0">
+                <a:pos x="connsiteX51" y="connsiteY51"/>
+              </a:cxn>
+              <a:cxn ang="0">
+                <a:pos x="connsiteX52" y="connsiteY52"/>
+              </a:cxn>
+              <a:cxn ang="0">
+                <a:pos x="connsiteX53" y="connsiteY53"/>
+              </a:cxn>
+              <a:cxn ang="0">
+                <a:pos x="connsiteX54" y="connsiteY54"/>
+              </a:cxn>
+              <a:cxn ang="0">
+                <a:pos x="connsiteX55" y="connsiteY55"/>
+              </a:cxn>
+              <a:cxn ang="0">
+                <a:pos x="connsiteX56" y="connsiteY56"/>
+              </a:cxn>
+              <a:cxn ang="0">
+                <a:pos x="connsiteX57" y="connsiteY57"/>
+              </a:cxn>
+              <a:cxn ang="0">
+                <a:pos x="connsiteX58" y="connsiteY58"/>
+              </a:cxn>
+              <a:cxn ang="0">
+                <a:pos x="connsiteX59" y="connsiteY59"/>
+              </a:cxn>
+              <a:cxn ang="0">
+                <a:pos x="connsiteX60" y="connsiteY60"/>
+              </a:cxn>
+              <a:cxn ang="0">
+                <a:pos x="connsiteX61" y="connsiteY61"/>
+              </a:cxn>
+              <a:cxn ang="0">
+                <a:pos x="connsiteX62" y="connsiteY62"/>
+              </a:cxn>
+              <a:cxn ang="0">
+                <a:pos x="connsiteX63" y="connsiteY63"/>
+              </a:cxn>
+              <a:cxn ang="0">
+                <a:pos x="connsiteX64" y="connsiteY64"/>
+              </a:cxn>
+              <a:cxn ang="0">
+                <a:pos x="connsiteX65" y="connsiteY65"/>
+              </a:cxn>
+              <a:cxn ang="0">
+                <a:pos x="connsiteX66" y="connsiteY66"/>
+              </a:cxn>
+              <a:cxn ang="0">
+                <a:pos x="connsiteX67" y="connsiteY67"/>
+              </a:cxn>
+              <a:cxn ang="0">
+                <a:pos x="connsiteX68" y="connsiteY68"/>
+              </a:cxn>
+              <a:cxn ang="0">
+                <a:pos x="connsiteX69" y="connsiteY69"/>
+              </a:cxn>
+              <a:cxn ang="0">
+                <a:pos x="connsiteX70" y="connsiteY70"/>
+              </a:cxn>
+              <a:cxn ang="0">
+                <a:pos x="connsiteX71" y="connsiteY71"/>
+              </a:cxn>
+              <a:cxn ang="0">
+                <a:pos x="connsiteX72" y="connsiteY72"/>
+              </a:cxn>
+              <a:cxn ang="0">
+                <a:pos x="connsiteX73" y="connsiteY73"/>
+              </a:cxn>
+              <a:cxn ang="0">
+                <a:pos x="connsiteX74" y="connsiteY74"/>
+              </a:cxn>
+              <a:cxn ang="0">
+                <a:pos x="connsiteX75" y="connsiteY75"/>
+              </a:cxn>
+              <a:cxn ang="0">
+                <a:pos x="connsiteX76" y="connsiteY76"/>
+              </a:cxn>
+              <a:cxn ang="0">
+                <a:pos x="connsiteX77" y="connsiteY77"/>
+              </a:cxn>
+              <a:cxn ang="0">
+                <a:pos x="connsiteX78" y="connsiteY78"/>
+              </a:cxn>
+              <a:cxn ang="0">
+                <a:pos x="connsiteX79" y="connsiteY79"/>
+              </a:cxn>
+              <a:cxn ang="0">
+                <a:pos x="connsiteX80" y="connsiteY80"/>
+              </a:cxn>
+              <a:cxn ang="0">
+                <a:pos x="connsiteX81" y="connsiteY81"/>
+              </a:cxn>
+              <a:cxn ang="0">
+                <a:pos x="connsiteX82" y="connsiteY82"/>
+              </a:cxn>
+              <a:cxn ang="0">
+                <a:pos x="connsiteX83" y="connsiteY83"/>
+              </a:cxn>
+              <a:cxn ang="0">
+                <a:pos x="connsiteX84" y="connsiteY84"/>
+              </a:cxn>
+              <a:cxn ang="0">
+                <a:pos x="connsiteX85" y="connsiteY85"/>
+              </a:cxn>
+              <a:cxn ang="0">
+                <a:pos x="connsiteX86" y="connsiteY86"/>
+              </a:cxn>
+              <a:cxn ang="0">
+                <a:pos x="connsiteX87" y="connsiteY87"/>
+              </a:cxn>
+              <a:cxn ang="0">
+                <a:pos x="connsiteX88" y="connsiteY88"/>
+              </a:cxn>
+              <a:cxn ang="0">
+                <a:pos x="connsiteX89" y="connsiteY89"/>
+              </a:cxn>
+              <a:cxn ang="0">
+                <a:pos x="connsiteX90" y="connsiteY90"/>
+              </a:cxn>
+              <a:cxn ang="0">
+                <a:pos x="connsiteX91" y="connsiteY91"/>
+              </a:cxn>
+              <a:cxn ang="0">
+                <a:pos x="connsiteX92" y="connsiteY92"/>
+              </a:cxn>
+              <a:cxn ang="0">
+                <a:pos x="connsiteX93" y="connsiteY93"/>
+              </a:cxn>
+              <a:cxn ang="0">
+                <a:pos x="connsiteX94" y="connsiteY94"/>
+              </a:cxn>
+              <a:cxn ang="0">
+                <a:pos x="connsiteX95" y="connsiteY95"/>
+              </a:cxn>
+              <a:cxn ang="0">
+                <a:pos x="connsiteX96" y="connsiteY96"/>
+              </a:cxn>
+              <a:cxn ang="0">
+                <a:pos x="connsiteX97" y="connsiteY97"/>
+              </a:cxn>
+              <a:cxn ang="0">
+                <a:pos x="connsiteX98" y="connsiteY98"/>
+              </a:cxn>
+              <a:cxn ang="0">
+                <a:pos x="connsiteX99" y="connsiteY99"/>
+              </a:cxn>
+              <a:cxn ang="0">
+                <a:pos x="connsiteX100" y="connsiteY100"/>
+              </a:cxn>
+              <a:cxn ang="0">
+                <a:pos x="connsiteX101" y="connsiteY101"/>
+              </a:cxn>
+              <a:cxn ang="0">
+                <a:pos x="connsiteX102" y="connsiteY102"/>
+              </a:cxn>
+              <a:cxn ang="0">
+                <a:pos x="connsiteX103" y="connsiteY103"/>
+              </a:cxn>
+              <a:cxn ang="0">
+                <a:pos x="connsiteX104" y="connsiteY104"/>
+              </a:cxn>
+              <a:cxn ang="0">
+                <a:pos x="connsiteX105" y="connsiteY105"/>
+              </a:cxn>
+              <a:cxn ang="0">
+                <a:pos x="connsiteX106" y="connsiteY106"/>
+              </a:cxn>
+              <a:cxn ang="0">
+                <a:pos x="connsiteX107" y="connsiteY107"/>
+              </a:cxn>
+              <a:cxn ang="0">
+                <a:pos x="connsiteX108" y="connsiteY108"/>
+              </a:cxn>
+              <a:cxn ang="0">
+                <a:pos x="connsiteX109" y="connsiteY109"/>
+              </a:cxn>
+              <a:cxn ang="0">
+                <a:pos x="connsiteX110" y="connsiteY110"/>
+              </a:cxn>
+              <a:cxn ang="0">
+                <a:pos x="connsiteX111" y="connsiteY111"/>
+              </a:cxn>
+              <a:cxn ang="0">
+                <a:pos x="connsiteX112" y="connsiteY112"/>
+              </a:cxn>
+              <a:cxn ang="0">
+                <a:pos x="connsiteX113" y="connsiteY113"/>
+              </a:cxn>
+              <a:cxn ang="0">
+                <a:pos x="connsiteX114" y="connsiteY114"/>
+              </a:cxn>
+              <a:cxn ang="0">
+                <a:pos x="connsiteX115" y="connsiteY115"/>
+              </a:cxn>
+              <a:cxn ang="0">
+                <a:pos x="connsiteX116" y="connsiteY116"/>
+              </a:cxn>
+              <a:cxn ang="0">
+                <a:pos x="connsiteX117" y="connsiteY117"/>
+              </a:cxn>
+              <a:cxn ang="0">
+                <a:pos x="connsiteX118" y="connsiteY118"/>
+              </a:cxn>
+              <a:cxn ang="0">
+                <a:pos x="connsiteX119" y="connsiteY119"/>
+              </a:cxn>
+              <a:cxn ang="0">
+                <a:pos x="connsiteX120" y="connsiteY120"/>
+              </a:cxn>
+              <a:cxn ang="0">
+                <a:pos x="connsiteX121" y="connsiteY121"/>
+              </a:cxn>
+              <a:cxn ang="0">
+                <a:pos x="connsiteX122" y="connsiteY122"/>
+              </a:cxn>
+              <a:cxn ang="0">
+                <a:pos x="connsiteX123" y="connsiteY123"/>
+              </a:cxn>
+              <a:cxn ang="0">
+                <a:pos x="connsiteX124" y="connsiteY124"/>
+              </a:cxn>
+              <a:cxn ang="0">
+                <a:pos x="connsiteX125" y="connsiteY125"/>
+              </a:cxn>
+              <a:cxn ang="0">
+                <a:pos x="connsiteX126" y="connsiteY126"/>
+              </a:cxn>
+              <a:cxn ang="0">
+                <a:pos x="connsiteX127" y="connsiteY127"/>
+              </a:cxn>
+              <a:cxn ang="0">
+                <a:pos x="connsiteX128" y="connsiteY128"/>
+              </a:cxn>
+              <a:cxn ang="0">
+                <a:pos x="connsiteX129" y="connsiteY129"/>
+              </a:cxn>
+              <a:cxn ang="0">
+                <a:pos x="connsiteX130" y="connsiteY130"/>
+              </a:cxn>
+              <a:cxn ang="0">
+                <a:pos x="connsiteX131" y="connsiteY131"/>
+              </a:cxn>
+              <a:cxn ang="0">
+                <a:pos x="connsiteX132" y="connsiteY132"/>
+              </a:cxn>
+              <a:cxn ang="0">
+                <a:pos x="connsiteX133" y="connsiteY133"/>
+              </a:cxn>
+              <a:cxn ang="0">
+                <a:pos x="connsiteX134" y="connsiteY134"/>
+              </a:cxn>
+              <a:cxn ang="0">
+                <a:pos x="connsiteX135" y="connsiteY135"/>
+              </a:cxn>
+              <a:cxn ang="0">
+                <a:pos x="connsiteX136" y="connsiteY136"/>
+              </a:cxn>
+              <a:cxn ang="0">
+                <a:pos x="connsiteX137" y="connsiteY137"/>
+              </a:cxn>
+              <a:cxn ang="0">
+                <a:pos x="connsiteX138" y="connsiteY138"/>
+              </a:cxn>
+              <a:cxn ang="0">
+                <a:pos x="connsiteX139" y="connsiteY139"/>
+              </a:cxn>
+              <a:cxn ang="0">
+                <a:pos x="connsiteX140" y="connsiteY140"/>
+              </a:cxn>
+              <a:cxn ang="0">
+                <a:pos x="connsiteX141" y="connsiteY141"/>
+              </a:cxn>
+              <a:cxn ang="0">
+                <a:pos x="connsiteX142" y="connsiteY142"/>
+              </a:cxn>
+              <a:cxn ang="0">
+                <a:pos x="connsiteX143" y="connsiteY143"/>
+              </a:cxn>
+              <a:cxn ang="0">
+                <a:pos x="connsiteX144" y="connsiteY144"/>
+              </a:cxn>
+              <a:cxn ang="0">
+                <a:pos x="connsiteX145" y="connsiteY145"/>
+              </a:cxn>
+              <a:cxn ang="0">
+                <a:pos x="connsiteX146" y="connsiteY146"/>
+              </a:cxn>
+              <a:cxn ang="0">
+                <a:pos x="connsiteX147" y="connsiteY147"/>
+              </a:cxn>
+              <a:cxn ang="0">
+                <a:pos x="connsiteX148" y="connsiteY148"/>
+              </a:cxn>
+              <a:cxn ang="0">
+                <a:pos x="connsiteX149" y="connsiteY149"/>
+              </a:cxn>
+              <a:cxn ang="0">
+                <a:pos x="connsiteX150" y="connsiteY150"/>
+              </a:cxn>
+              <a:cxn ang="0">
+                <a:pos x="connsiteX151" y="connsiteY151"/>
+              </a:cxn>
+              <a:cxn ang="0">
+                <a:pos x="connsiteX152" y="connsiteY152"/>
+              </a:cxn>
+              <a:cxn ang="0">
+                <a:pos x="connsiteX153" y="connsiteY153"/>
+              </a:cxn>
+              <a:cxn ang="0">
+                <a:pos x="connsiteX154" y="connsiteY154"/>
+              </a:cxn>
+              <a:cxn ang="0">
+                <a:pos x="connsiteX155" y="connsiteY155"/>
+              </a:cxn>
+              <a:cxn ang="0">
+                <a:pos x="connsiteX156" y="connsiteY156"/>
+              </a:cxn>
+              <a:cxn ang="0">
+                <a:pos x="connsiteX157" y="connsiteY157"/>
+              </a:cxn>
+              <a:cxn ang="0">
+                <a:pos x="connsiteX158" y="connsiteY158"/>
+              </a:cxn>
+              <a:cxn ang="0">
+                <a:pos x="connsiteX159" y="connsiteY159"/>
+              </a:cxn>
+              <a:cxn ang="0">
+                <a:pos x="connsiteX160" y="connsiteY160"/>
+              </a:cxn>
+              <a:cxn ang="0">
+                <a:pos x="connsiteX161" y="connsiteY161"/>
+              </a:cxn>
+              <a:cxn ang="0">
+                <a:pos x="connsiteX162" y="connsiteY162"/>
+              </a:cxn>
+              <a:cxn ang="0">
+                <a:pos x="connsiteX163" y="connsiteY163"/>
+              </a:cxn>
+              <a:cxn ang="0">
+                <a:pos x="connsiteX164" y="connsiteY164"/>
+              </a:cxn>
+              <a:cxn ang="0">
+                <a:pos x="connsiteX165" y="connsiteY165"/>
+              </a:cxn>
+              <a:cxn ang="0">
+                <a:pos x="connsiteX166" y="connsiteY166"/>
+              </a:cxn>
+              <a:cxn ang="0">
+                <a:pos x="connsiteX167" y="connsiteY167"/>
+              </a:cxn>
+              <a:cxn ang="0">
+                <a:pos x="connsiteX168" y="connsiteY168"/>
+              </a:cxn>
+              <a:cxn ang="0">
+                <a:pos x="connsiteX169" y="connsiteY169"/>
+              </a:cxn>
+              <a:cxn ang="0">
+                <a:pos x="connsiteX170" y="connsiteY170"/>
+              </a:cxn>
+              <a:cxn ang="0">
+                <a:pos x="connsiteX171" y="connsiteY171"/>
+              </a:cxn>
+              <a:cxn ang="0">
+                <a:pos x="connsiteX172" y="connsiteY172"/>
+              </a:cxn>
+              <a:cxn ang="0">
+                <a:pos x="connsiteX173" y="connsiteY173"/>
+              </a:cxn>
+              <a:cxn ang="0">
+                <a:pos x="connsiteX174" y="connsiteY174"/>
+              </a:cxn>
+              <a:cxn ang="0">
+                <a:pos x="connsiteX175" y="connsiteY175"/>
+              </a:cxn>
+              <a:cxn ang="0">
+                <a:pos x="connsiteX176" y="connsiteY176"/>
+              </a:cxn>
+              <a:cxn ang="0">
+                <a:pos x="connsiteX177" y="connsiteY177"/>
+              </a:cxn>
+              <a:cxn ang="0">
+                <a:pos x="connsiteX178" y="connsiteY178"/>
+              </a:cxn>
+              <a:cxn ang="0">
+                <a:pos x="connsiteX179" y="connsiteY179"/>
+              </a:cxn>
+              <a:cxn ang="0">
+                <a:pos x="connsiteX180" y="connsiteY180"/>
+              </a:cxn>
+              <a:cxn ang="0">
+                <a:pos x="connsiteX181" y="connsiteY181"/>
+              </a:cxn>
+              <a:cxn ang="0">
+                <a:pos x="connsiteX182" y="connsiteY182"/>
+              </a:cxn>
+              <a:cxn ang="0">
+                <a:pos x="connsiteX183" y="connsiteY183"/>
+              </a:cxn>
+              <a:cxn ang="0">
+                <a:pos x="connsiteX184" y="connsiteY184"/>
+              </a:cxn>
+              <a:cxn ang="0">
+                <a:pos x="connsiteX185" y="connsiteY185"/>
+              </a:cxn>
+              <a:cxn ang="0">
+                <a:pos x="connsiteX186" y="connsiteY186"/>
+              </a:cxn>
+              <a:cxn ang="0">
+                <a:pos x="connsiteX187" y="connsiteY187"/>
+              </a:cxn>
+              <a:cxn ang="0">
+                <a:pos x="connsiteX188" y="connsiteY188"/>
+              </a:cxn>
+              <a:cxn ang="0">
+                <a:pos x="connsiteX189" y="connsiteY189"/>
+              </a:cxn>
+              <a:cxn ang="0">
+                <a:pos x="connsiteX190" y="connsiteY190"/>
+              </a:cxn>
+              <a:cxn ang="0">
+                <a:pos x="connsiteX191" y="connsiteY191"/>
+              </a:cxn>
+              <a:cxn ang="0">
+                <a:pos x="connsiteX192" y="connsiteY192"/>
+              </a:cxn>
+              <a:cxn ang="0">
+                <a:pos x="connsiteX193" y="connsiteY193"/>
+              </a:cxn>
+              <a:cxn ang="0">
+                <a:pos x="connsiteX194" y="connsiteY194"/>
+              </a:cxn>
+              <a:cxn ang="0">
+                <a:pos x="connsiteX195" y="connsiteY195"/>
+              </a:cxn>
+              <a:cxn ang="0">
+                <a:pos x="connsiteX196" y="connsiteY196"/>
+              </a:cxn>
+              <a:cxn ang="0">
+                <a:pos x="connsiteX197" y="connsiteY197"/>
+              </a:cxn>
+              <a:cxn ang="0">
+                <a:pos x="connsiteX198" y="connsiteY198"/>
+              </a:cxn>
+              <a:cxn ang="0">
+                <a:pos x="connsiteX199" y="connsiteY199"/>
+              </a:cxn>
+              <a:cxn ang="0">
+                <a:pos x="connsiteX200" y="connsiteY200"/>
+              </a:cxn>
+              <a:cxn ang="0">
+                <a:pos x="connsiteX201" y="connsiteY201"/>
+              </a:cxn>
+              <a:cxn ang="0">
+                <a:pos x="connsiteX202" y="connsiteY202"/>
+              </a:cxn>
+              <a:cxn ang="0">
+                <a:pos x="connsiteX203" y="connsiteY203"/>
+              </a:cxn>
+              <a:cxn ang="0">
+                <a:pos x="connsiteX204" y="connsiteY204"/>
+              </a:cxn>
+              <a:cxn ang="0">
+                <a:pos x="connsiteX205" y="connsiteY205"/>
+              </a:cxn>
+              <a:cxn ang="0">
+                <a:pos x="connsiteX206" y="connsiteY206"/>
+              </a:cxn>
+              <a:cxn ang="0">
+                <a:pos x="connsiteX207" y="connsiteY207"/>
+              </a:cxn>
+              <a:cxn ang="0">
+                <a:pos x="connsiteX208" y="connsiteY208"/>
+              </a:cxn>
+              <a:cxn ang="0">
+                <a:pos x="connsiteX209" y="connsiteY209"/>
+              </a:cxn>
+              <a:cxn ang="0">
+                <a:pos x="connsiteX210" y="connsiteY210"/>
+              </a:cxn>
+              <a:cxn ang="0">
+                <a:pos x="connsiteX211" y="connsiteY211"/>
+              </a:cxn>
+              <a:cxn ang="0">
+                <a:pos x="connsiteX212" y="connsiteY212"/>
+              </a:cxn>
+              <a:cxn ang="0">
+                <a:pos x="connsiteX213" y="connsiteY213"/>
+              </a:cxn>
+              <a:cxn ang="0">
+                <a:pos x="connsiteX214" y="connsiteY214"/>
+              </a:cxn>
+              <a:cxn ang="0">
+                <a:pos x="connsiteX215" y="connsiteY215"/>
+              </a:cxn>
+              <a:cxn ang="0">
+                <a:pos x="connsiteX216" y="connsiteY216"/>
+              </a:cxn>
+              <a:cxn ang="0">
+                <a:pos x="connsiteX217" y="connsiteY217"/>
+              </a:cxn>
+              <a:cxn ang="0">
+                <a:pos x="connsiteX218" y="connsiteY218"/>
+              </a:cxn>
+              <a:cxn ang="0">
+                <a:pos x="connsiteX219" y="connsiteY219"/>
+              </a:cxn>
+              <a:cxn ang="0">
+                <a:pos x="connsiteX220" y="connsiteY220"/>
+              </a:cxn>
+              <a:cxn ang="0">
+                <a:pos x="connsiteX221" y="connsiteY221"/>
+              </a:cxn>
+              <a:cxn ang="0">
+                <a:pos x="connsiteX222" y="connsiteY222"/>
+              </a:cxn>
+              <a:cxn ang="0">
+                <a:pos x="connsiteX223" y="connsiteY223"/>
+              </a:cxn>
+              <a:cxn ang="0">
+                <a:pos x="connsiteX224" y="connsiteY224"/>
+              </a:cxn>
+              <a:cxn ang="0">
+                <a:pos x="connsiteX225" y="connsiteY225"/>
+              </a:cxn>
+              <a:cxn ang="0">
+                <a:pos x="connsiteX226" y="connsiteY226"/>
+              </a:cxn>
+              <a:cxn ang="0">
+                <a:pos x="connsiteX227" y="connsiteY227"/>
+              </a:cxn>
+              <a:cxn ang="0">
+                <a:pos x="connsiteX228" y="connsiteY228"/>
+              </a:cxn>
+              <a:cxn ang="0">
+                <a:pos x="connsiteX229" y="connsiteY229"/>
+              </a:cxn>
+              <a:cxn ang="0">
+                <a:pos x="connsiteX230" y="connsiteY230"/>
+              </a:cxn>
+              <a:cxn ang="0">
+                <a:pos x="connsiteX231" y="connsiteY231"/>
+              </a:cxn>
+              <a:cxn ang="0">
+                <a:pos x="connsiteX232" y="connsiteY232"/>
+              </a:cxn>
+              <a:cxn ang="0">
+                <a:pos x="connsiteX233" y="connsiteY233"/>
+              </a:cxn>
+              <a:cxn ang="0">
+                <a:pos x="connsiteX234" y="connsiteY234"/>
+              </a:cxn>
+              <a:cxn ang="0">
+                <a:pos x="connsiteX235" y="connsiteY235"/>
+              </a:cxn>
+              <a:cxn ang="0">
+                <a:pos x="connsiteX236" y="connsiteY236"/>
+              </a:cxn>
+              <a:cxn ang="0">
+                <a:pos x="connsiteX237" y="connsiteY237"/>
+              </a:cxn>
+              <a:cxn ang="0">
+                <a:pos x="connsiteX238" y="connsiteY238"/>
+              </a:cxn>
+              <a:cxn ang="0">
+                <a:pos x="connsiteX239" y="connsiteY239"/>
+              </a:cxn>
+              <a:cxn ang="0">
+                <a:pos x="connsiteX240" y="connsiteY240"/>
+              </a:cxn>
+              <a:cxn ang="0">
+                <a:pos x="connsiteX241" y="connsiteY241"/>
+              </a:cxn>
+              <a:cxn ang="0">
+                <a:pos x="connsiteX242" y="connsiteY242"/>
+              </a:cxn>
+              <a:cxn ang="0">
+                <a:pos x="connsiteX243" y="connsiteY243"/>
+              </a:cxn>
+              <a:cxn ang="0">
+                <a:pos x="connsiteX244" y="connsiteY244"/>
+              </a:cxn>
+              <a:cxn ang="0">
+                <a:pos x="connsiteX245" y="connsiteY245"/>
+              </a:cxn>
+              <a:cxn ang="0">
+                <a:pos x="connsiteX246" y="connsiteY246"/>
+              </a:cxn>
+              <a:cxn ang="0">
+                <a:pos x="connsiteX247" y="connsiteY247"/>
+              </a:cxn>
+              <a:cxn ang="0">
+                <a:pos x="connsiteX248" y="connsiteY248"/>
+              </a:cxn>
+              <a:cxn ang="0">
+                <a:pos x="connsiteX249" y="connsiteY249"/>
+              </a:cxn>
+              <a:cxn ang="0">
+                <a:pos x="connsiteX250" y="connsiteY250"/>
+              </a:cxn>
+              <a:cxn ang="0">
+                <a:pos x="connsiteX251" y="connsiteY251"/>
+              </a:cxn>
+              <a:cxn ang="0">
+                <a:pos x="connsiteX252" y="connsiteY252"/>
+              </a:cxn>
+              <a:cxn ang="0">
+                <a:pos x="connsiteX253" y="connsiteY253"/>
+              </a:cxn>
+              <a:cxn ang="0">
+                <a:pos x="connsiteX254" y="connsiteY254"/>
+              </a:cxn>
+              <a:cxn ang="0">
+                <a:pos x="connsiteX255" y="connsiteY255"/>
+              </a:cxn>
+              <a:cxn ang="0">
+                <a:pos x="connsiteX256" y="connsiteY256"/>
+              </a:cxn>
+              <a:cxn ang="0">
+                <a:pos x="connsiteX257" y="connsiteY257"/>
+              </a:cxn>
+              <a:cxn ang="0">
+                <a:pos x="connsiteX258" y="connsiteY258"/>
+              </a:cxn>
+              <a:cxn ang="0">
+                <a:pos x="connsiteX259" y="connsiteY259"/>
+              </a:cxn>
+              <a:cxn ang="0">
+                <a:pos x="connsiteX260" y="connsiteY260"/>
+              </a:cxn>
+              <a:cxn ang="0">
+                <a:pos x="connsiteX261" y="connsiteY261"/>
+              </a:cxn>
+              <a:cxn ang="0">
+                <a:pos x="connsiteX262" y="connsiteY262"/>
+              </a:cxn>
+              <a:cxn ang="0">
+                <a:pos x="connsiteX263" y="connsiteY263"/>
+              </a:cxn>
+              <a:cxn ang="0">
+                <a:pos x="connsiteX264" y="connsiteY264"/>
+              </a:cxn>
+              <a:cxn ang="0">
+                <a:pos x="connsiteX265" y="connsiteY265"/>
+              </a:cxn>
+              <a:cxn ang="0">
+                <a:pos x="connsiteX266" y="connsiteY266"/>
+              </a:cxn>
+              <a:cxn ang="0">
+                <a:pos x="connsiteX267" y="connsiteY267"/>
+              </a:cxn>
+              <a:cxn ang="0">
+                <a:pos x="connsiteX268" y="connsiteY268"/>
+              </a:cxn>
+              <a:cxn ang="0">
+                <a:pos x="connsiteX269" y="connsiteY269"/>
+              </a:cxn>
+              <a:cxn ang="0">
+                <a:pos x="connsiteX270" y="connsiteY270"/>
+              </a:cxn>
+              <a:cxn ang="0">
+                <a:pos x="connsiteX271" y="connsiteY271"/>
+              </a:cxn>
+              <a:cxn ang="0">
+                <a:pos x="connsiteX272" y="connsiteY272"/>
+              </a:cxn>
+              <a:cxn ang="0">
+                <a:pos x="connsiteX273" y="connsiteY273"/>
+              </a:cxn>
+              <a:cxn ang="0">
+                <a:pos x="connsiteX274" y="connsiteY274"/>
+              </a:cxn>
+              <a:cxn ang="0">
+                <a:pos x="connsiteX275" y="connsiteY275"/>
+              </a:cxn>
+              <a:cxn ang="0">
+                <a:pos x="connsiteX276" y="connsiteY276"/>
+              </a:cxn>
+              <a:cxn ang="0">
+                <a:pos x="connsiteX277" y="connsiteY277"/>
+              </a:cxn>
+              <a:cxn ang="0">
+                <a:pos x="connsiteX278" y="connsiteY278"/>
+              </a:cxn>
+              <a:cxn ang="0">
+                <a:pos x="connsiteX279" y="connsiteY279"/>
+              </a:cxn>
+              <a:cxn ang="0">
+                <a:pos x="connsiteX280" y="connsiteY280"/>
+              </a:cxn>
+              <a:cxn ang="0">
+                <a:pos x="connsiteX281" y="connsiteY281"/>
+              </a:cxn>
+              <a:cxn ang="0">
+                <a:pos x="connsiteX282" y="connsiteY282"/>
+              </a:cxn>
+              <a:cxn ang="0">
+                <a:pos x="connsiteX283" y="connsiteY283"/>
+              </a:cxn>
+              <a:cxn ang="0">
+                <a:pos x="connsiteX284" y="connsiteY284"/>
+              </a:cxn>
+              <a:cxn ang="0">
+                <a:pos x="connsiteX285" y="connsiteY285"/>
+              </a:cxn>
+              <a:cxn ang="0">
+                <a:pos x="connsiteX286" y="connsiteY286"/>
+              </a:cxn>
+              <a:cxn ang="0">
+                <a:pos x="connsiteX287" y="connsiteY287"/>
+              </a:cxn>
+              <a:cxn ang="0">
+                <a:pos x="connsiteX288" y="connsiteY288"/>
+              </a:cxn>
+            </a:cxnLst>
+            <a:rect l="l" t="t" r="r" b="b"/>
+            <a:pathLst>
+              <a:path w="5090501" h="1410044">
+                <a:moveTo>
+                  <a:pt x="610884" y="227782"/>
+                </a:moveTo>
+                <a:lnTo>
+                  <a:pt x="304737" y="535339"/>
+                </a:lnTo>
+                <a:lnTo>
+                  <a:pt x="609450" y="811851"/>
+                </a:lnTo>
+                <a:lnTo>
+                  <a:pt x="460774" y="977472"/>
+                </a:lnTo>
+                <a:lnTo>
+                  <a:pt x="0" y="544445"/>
+                </a:lnTo>
+                <a:lnTo>
+                  <a:pt x="450259" y="76238"/>
+                </a:lnTo>
+                <a:lnTo>
+                  <a:pt x="610884" y="227782"/>
+                </a:lnTo>
+                <a:close/>
+                <a:moveTo>
+                  <a:pt x="1234435" y="261456"/>
+                </a:moveTo>
+                <a:lnTo>
+                  <a:pt x="1234435" y="1118022"/>
+                </a:lnTo>
+                <a:lnTo>
+                  <a:pt x="1020992" y="1118022"/>
+                </a:lnTo>
+                <a:lnTo>
+                  <a:pt x="1020992" y="261456"/>
+                </a:lnTo>
+                <a:lnTo>
+                  <a:pt x="699072" y="261456"/>
+                </a:lnTo>
+                <a:lnTo>
+                  <a:pt x="699072" y="47081"/>
+                </a:lnTo>
+                <a:lnTo>
+                  <a:pt x="1555614" y="47081"/>
+                </a:lnTo>
+                <a:lnTo>
+                  <a:pt x="1555614" y="261456"/>
+                </a:lnTo>
+                <a:lnTo>
+                  <a:pt x="1234435" y="261456"/>
+                </a:lnTo>
+                <a:close/>
+                <a:moveTo>
+                  <a:pt x="2192764" y="1118022"/>
+                </a:moveTo>
+                <a:lnTo>
+                  <a:pt x="2125368" y="1024577"/>
+                </a:lnTo>
+                <a:lnTo>
+                  <a:pt x="2125368" y="1024577"/>
+                </a:lnTo>
+                <a:cubicBezTo>
+                  <a:pt x="2108950" y="1039538"/>
+                  <a:pt x="2091431" y="1053662"/>
+                  <a:pt x="2072814" y="1066878"/>
+                </a:cubicBezTo>
+                <a:lnTo>
+                  <a:pt x="2072814" y="1066878"/>
+                </a:lnTo>
+                <a:lnTo>
+                  <a:pt x="2072814" y="1066878"/>
+                </a:lnTo>
+                <a:cubicBezTo>
+                  <a:pt x="2054149" y="1080094"/>
+                  <a:pt x="2034623" y="1091566"/>
+                  <a:pt x="2014237" y="1101269"/>
+                </a:cubicBezTo>
+                <a:lnTo>
+                  <a:pt x="2014237" y="1101269"/>
+                </a:lnTo>
+                <a:lnTo>
+                  <a:pt x="2014237" y="1101269"/>
+                </a:lnTo>
+                <a:cubicBezTo>
+                  <a:pt x="1993828" y="1110996"/>
+                  <a:pt x="1972844" y="1118715"/>
+                  <a:pt x="1951144" y="1124475"/>
+                </a:cubicBezTo>
+                <a:lnTo>
+                  <a:pt x="1951144" y="1124475"/>
+                </a:lnTo>
+                <a:lnTo>
+                  <a:pt x="1951144" y="1124475"/>
+                </a:lnTo>
+                <a:cubicBezTo>
+                  <a:pt x="1929467" y="1130211"/>
+                  <a:pt x="1907409" y="1133055"/>
+                  <a:pt x="1884920" y="1133055"/>
+                </a:cubicBezTo>
+                <a:lnTo>
+                  <a:pt x="1884920" y="1133055"/>
+                </a:lnTo>
+                <a:lnTo>
+                  <a:pt x="1884920" y="1133055"/>
+                </a:lnTo>
+                <a:cubicBezTo>
+                  <a:pt x="1835688" y="1133055"/>
+                  <a:pt x="1789419" y="1124308"/>
+                  <a:pt x="1746066" y="1106766"/>
+                </a:cubicBezTo>
+                <a:lnTo>
+                  <a:pt x="1746066" y="1106766"/>
+                </a:lnTo>
+                <a:lnTo>
+                  <a:pt x="1746066" y="1106766"/>
+                </a:lnTo>
+                <a:cubicBezTo>
+                  <a:pt x="1702737" y="1089391"/>
+                  <a:pt x="1664738" y="1064608"/>
+                  <a:pt x="1632044" y="1032463"/>
+                </a:cubicBezTo>
+                <a:lnTo>
+                  <a:pt x="1632044" y="1032463"/>
+                </a:lnTo>
+                <a:lnTo>
+                  <a:pt x="1632044" y="1032463"/>
+                </a:lnTo>
+                <a:cubicBezTo>
+                  <a:pt x="1599565" y="1000415"/>
+                  <a:pt x="1573897" y="961388"/>
+                  <a:pt x="1555112" y="915358"/>
+                </a:cubicBezTo>
+                <a:lnTo>
+                  <a:pt x="1555112" y="915358"/>
+                </a:lnTo>
+                <a:lnTo>
+                  <a:pt x="1555112" y="915358"/>
+                </a:lnTo>
+                <a:cubicBezTo>
+                  <a:pt x="1536447" y="869137"/>
+                  <a:pt x="1527151" y="817444"/>
+                  <a:pt x="1527151" y="760253"/>
+                </a:cubicBezTo>
+                <a:lnTo>
+                  <a:pt x="1527151" y="760253"/>
+                </a:lnTo>
+                <a:lnTo>
+                  <a:pt x="1527151" y="318120"/>
+                </a:lnTo>
+                <a:lnTo>
+                  <a:pt x="1730293" y="318120"/>
+                </a:lnTo>
+                <a:lnTo>
+                  <a:pt x="1730293" y="760253"/>
+                </a:lnTo>
+                <a:lnTo>
+                  <a:pt x="1730293" y="760253"/>
+                </a:lnTo>
+                <a:cubicBezTo>
+                  <a:pt x="1730293" y="787187"/>
+                  <a:pt x="1734427" y="811230"/>
+                  <a:pt x="1742720" y="832428"/>
+                </a:cubicBezTo>
+                <a:lnTo>
+                  <a:pt x="1742720" y="832428"/>
+                </a:lnTo>
+                <a:lnTo>
+                  <a:pt x="1742720" y="832428"/>
+                </a:lnTo>
+                <a:cubicBezTo>
+                  <a:pt x="1750846" y="853483"/>
+                  <a:pt x="1761911" y="871240"/>
+                  <a:pt x="1775940" y="885723"/>
+                </a:cubicBezTo>
+                <a:lnTo>
+                  <a:pt x="1775940" y="885723"/>
+                </a:lnTo>
+                <a:lnTo>
+                  <a:pt x="1775940" y="885723"/>
+                </a:lnTo>
+                <a:cubicBezTo>
+                  <a:pt x="1789801" y="900230"/>
+                  <a:pt x="1806148" y="911200"/>
+                  <a:pt x="1824933" y="918704"/>
+                </a:cubicBezTo>
+                <a:lnTo>
+                  <a:pt x="1824933" y="918704"/>
+                </a:lnTo>
+                <a:lnTo>
+                  <a:pt x="1824933" y="918704"/>
+                </a:lnTo>
+                <a:cubicBezTo>
+                  <a:pt x="1843574" y="926041"/>
+                  <a:pt x="1863578" y="929697"/>
+                  <a:pt x="1884920" y="929697"/>
+                </a:cubicBezTo>
+                <a:lnTo>
+                  <a:pt x="1884920" y="929697"/>
+                </a:lnTo>
+                <a:lnTo>
+                  <a:pt x="1884920" y="929697"/>
+                </a:lnTo>
+                <a:cubicBezTo>
+                  <a:pt x="1905807" y="929697"/>
+                  <a:pt x="1925644" y="924942"/>
+                  <a:pt x="1944428" y="915358"/>
+                </a:cubicBezTo>
+                <a:lnTo>
+                  <a:pt x="1944428" y="915358"/>
+                </a:lnTo>
+                <a:lnTo>
+                  <a:pt x="1944428" y="915358"/>
+                </a:lnTo>
+                <a:cubicBezTo>
+                  <a:pt x="1963070" y="905655"/>
+                  <a:pt x="1979345" y="892821"/>
+                  <a:pt x="1993206" y="876881"/>
+                </a:cubicBezTo>
+                <a:lnTo>
+                  <a:pt x="1993206" y="876881"/>
+                </a:lnTo>
+                <a:lnTo>
+                  <a:pt x="1993206" y="876881"/>
+                </a:lnTo>
+                <a:cubicBezTo>
+                  <a:pt x="2007211" y="860940"/>
+                  <a:pt x="2018205" y="842872"/>
+                  <a:pt x="2026163" y="822630"/>
+                </a:cubicBezTo>
+                <a:lnTo>
+                  <a:pt x="2026163" y="822630"/>
+                </a:lnTo>
+                <a:lnTo>
+                  <a:pt x="2026163" y="822630"/>
+                </a:lnTo>
+                <a:cubicBezTo>
+                  <a:pt x="2034145" y="802387"/>
+                  <a:pt x="2038113" y="781595"/>
+                  <a:pt x="2038113" y="760253"/>
+                </a:cubicBezTo>
+                <a:lnTo>
+                  <a:pt x="2038113" y="760253"/>
+                </a:lnTo>
+                <a:lnTo>
+                  <a:pt x="2038113" y="318120"/>
+                </a:lnTo>
+                <a:lnTo>
+                  <a:pt x="2241972" y="318120"/>
+                </a:lnTo>
+                <a:lnTo>
+                  <a:pt x="2241972" y="1118046"/>
+                </a:lnTo>
+                <a:lnTo>
+                  <a:pt x="2192764" y="1118046"/>
+                </a:lnTo>
+                <a:close/>
+                <a:moveTo>
+                  <a:pt x="2602657" y="1064249"/>
+                </a:moveTo>
+                <a:lnTo>
+                  <a:pt x="2602657" y="1422735"/>
+                </a:lnTo>
+                <a:lnTo>
+                  <a:pt x="2397340" y="1422735"/>
+                </a:lnTo>
+                <a:lnTo>
+                  <a:pt x="2397340" y="318097"/>
+                </a:lnTo>
+                <a:lnTo>
+                  <a:pt x="2446572" y="318097"/>
+                </a:lnTo>
+                <a:lnTo>
+                  <a:pt x="2528068" y="414410"/>
+                </a:lnTo>
+                <a:lnTo>
+                  <a:pt x="2528068" y="414410"/>
+                </a:lnTo>
+                <a:cubicBezTo>
+                  <a:pt x="2546422" y="397035"/>
+                  <a:pt x="2566545" y="380640"/>
+                  <a:pt x="2588532" y="365178"/>
+                </a:cubicBezTo>
+                <a:lnTo>
+                  <a:pt x="2588532" y="365178"/>
+                </a:lnTo>
+                <a:lnTo>
+                  <a:pt x="2588532" y="365178"/>
+                </a:lnTo>
+                <a:cubicBezTo>
+                  <a:pt x="2610352" y="349715"/>
+                  <a:pt x="2633128" y="336403"/>
+                  <a:pt x="2656883" y="325242"/>
+                </a:cubicBezTo>
+                <a:lnTo>
+                  <a:pt x="2656883" y="325242"/>
+                </a:lnTo>
+                <a:lnTo>
+                  <a:pt x="2656883" y="325242"/>
+                </a:lnTo>
+                <a:cubicBezTo>
+                  <a:pt x="2680448" y="313914"/>
+                  <a:pt x="2705016" y="305095"/>
+                  <a:pt x="2730493" y="298714"/>
+                </a:cubicBezTo>
+                <a:lnTo>
+                  <a:pt x="2730493" y="298714"/>
+                </a:lnTo>
+                <a:lnTo>
+                  <a:pt x="2730493" y="298714"/>
+                </a:lnTo>
+                <a:cubicBezTo>
+                  <a:pt x="2755826" y="292214"/>
+                  <a:pt x="2781469" y="288940"/>
+                  <a:pt x="2807448" y="288940"/>
+                </a:cubicBezTo>
+                <a:lnTo>
+                  <a:pt x="2807448" y="288940"/>
+                </a:lnTo>
+                <a:lnTo>
+                  <a:pt x="2807448" y="288940"/>
+                </a:lnTo>
+                <a:cubicBezTo>
+                  <a:pt x="2863706" y="288940"/>
+                  <a:pt x="2916595" y="299049"/>
+                  <a:pt x="2966137" y="319292"/>
+                </a:cubicBezTo>
+                <a:lnTo>
+                  <a:pt x="2966137" y="319292"/>
+                </a:lnTo>
+                <a:lnTo>
+                  <a:pt x="2966137" y="319292"/>
+                </a:lnTo>
+                <a:cubicBezTo>
+                  <a:pt x="3015704" y="339391"/>
+                  <a:pt x="3058961" y="367902"/>
+                  <a:pt x="3095909" y="404850"/>
+                </a:cubicBezTo>
+                <a:lnTo>
+                  <a:pt x="3095909" y="404850"/>
+                </a:lnTo>
+                <a:lnTo>
+                  <a:pt x="3095909" y="404850"/>
+                </a:lnTo>
+                <a:cubicBezTo>
+                  <a:pt x="3133072" y="441655"/>
+                  <a:pt x="3162373" y="486035"/>
+                  <a:pt x="3183882" y="537968"/>
+                </a:cubicBezTo>
+                <a:lnTo>
+                  <a:pt x="3183882" y="537968"/>
+                </a:lnTo>
+                <a:lnTo>
+                  <a:pt x="3183882" y="537968"/>
+                </a:lnTo>
+                <a:cubicBezTo>
+                  <a:pt x="3205248" y="590068"/>
+                  <a:pt x="3215907" y="647736"/>
+                  <a:pt x="3215907" y="710973"/>
+                </a:cubicBezTo>
+                <a:lnTo>
+                  <a:pt x="3215907" y="710973"/>
+                </a:lnTo>
+                <a:lnTo>
+                  <a:pt x="3215907" y="710973"/>
+                </a:lnTo>
+                <a:cubicBezTo>
+                  <a:pt x="3215907" y="776624"/>
+                  <a:pt x="3205248" y="835750"/>
+                  <a:pt x="3183882" y="888328"/>
+                </a:cubicBezTo>
+                <a:lnTo>
+                  <a:pt x="3183882" y="888328"/>
+                </a:lnTo>
+                <a:lnTo>
+                  <a:pt x="3183882" y="888328"/>
+                </a:lnTo>
+                <a:cubicBezTo>
+                  <a:pt x="3162397" y="940906"/>
+                  <a:pt x="3133072" y="985430"/>
+                  <a:pt x="3095909" y="1021924"/>
+                </a:cubicBezTo>
+                <a:lnTo>
+                  <a:pt x="3095909" y="1021924"/>
+                </a:lnTo>
+                <a:lnTo>
+                  <a:pt x="3095909" y="1021924"/>
+                </a:lnTo>
+                <a:cubicBezTo>
+                  <a:pt x="3058961" y="1058561"/>
+                  <a:pt x="3015728" y="1086595"/>
+                  <a:pt x="2966137" y="1106073"/>
+                </a:cubicBezTo>
+                <a:lnTo>
+                  <a:pt x="2966137" y="1106073"/>
+                </a:lnTo>
+                <a:lnTo>
+                  <a:pt x="2966137" y="1106073"/>
+                </a:lnTo>
+                <a:cubicBezTo>
+                  <a:pt x="2916619" y="1125479"/>
+                  <a:pt x="2863706" y="1135206"/>
+                  <a:pt x="2807448" y="1135206"/>
+                </a:cubicBezTo>
+                <a:lnTo>
+                  <a:pt x="2807448" y="1135206"/>
+                </a:lnTo>
+                <a:lnTo>
+                  <a:pt x="2807448" y="1135206"/>
+                </a:lnTo>
+                <a:cubicBezTo>
+                  <a:pt x="2789452" y="1135206"/>
+                  <a:pt x="2771599" y="1133246"/>
+                  <a:pt x="2753938" y="1129231"/>
+                </a:cubicBezTo>
+                <a:lnTo>
+                  <a:pt x="2753938" y="1129231"/>
+                </a:lnTo>
+                <a:lnTo>
+                  <a:pt x="2753938" y="1129231"/>
+                </a:lnTo>
+                <a:cubicBezTo>
+                  <a:pt x="2736252" y="1125264"/>
+                  <a:pt x="2718782" y="1119910"/>
+                  <a:pt x="2701575" y="1113218"/>
+                </a:cubicBezTo>
+                <a:lnTo>
+                  <a:pt x="2701575" y="1113218"/>
+                </a:lnTo>
+                <a:lnTo>
+                  <a:pt x="2701575" y="1113218"/>
+                </a:lnTo>
+                <a:cubicBezTo>
+                  <a:pt x="2684535" y="1106383"/>
+                  <a:pt x="2667638" y="1098759"/>
+                  <a:pt x="2650933" y="1090299"/>
+                </a:cubicBezTo>
+                <a:lnTo>
+                  <a:pt x="2650933" y="1090299"/>
+                </a:lnTo>
+                <a:lnTo>
+                  <a:pt x="2650933" y="1090299"/>
+                </a:lnTo>
+                <a:cubicBezTo>
+                  <a:pt x="2634179" y="1081863"/>
+                  <a:pt x="2618095" y="1073164"/>
+                  <a:pt x="2602657" y="1064249"/>
+                </a:cubicBezTo>
+                <a:lnTo>
+                  <a:pt x="2602657" y="1064249"/>
+                </a:lnTo>
+                <a:close/>
+                <a:moveTo>
+                  <a:pt x="3011307" y="710997"/>
+                </a:moveTo>
+                <a:lnTo>
+                  <a:pt x="3011307" y="710997"/>
+                </a:lnTo>
+                <a:lnTo>
+                  <a:pt x="3011307" y="710997"/>
+                </a:lnTo>
+                <a:cubicBezTo>
+                  <a:pt x="3011307" y="677061"/>
+                  <a:pt x="3005882" y="646733"/>
+                  <a:pt x="2995055" y="619942"/>
+                </a:cubicBezTo>
+                <a:lnTo>
+                  <a:pt x="2995055" y="619942"/>
+                </a:lnTo>
+                <a:lnTo>
+                  <a:pt x="2995055" y="619942"/>
+                </a:lnTo>
+                <a:cubicBezTo>
+                  <a:pt x="2984372" y="593031"/>
+                  <a:pt x="2969842" y="570232"/>
+                  <a:pt x="2951559" y="551590"/>
+                </a:cubicBezTo>
+                <a:lnTo>
+                  <a:pt x="2951559" y="551590"/>
+                </a:lnTo>
+                <a:lnTo>
+                  <a:pt x="2951559" y="551590"/>
+                </a:lnTo>
+                <a:cubicBezTo>
+                  <a:pt x="2933085" y="532806"/>
+                  <a:pt x="2911409" y="518442"/>
+                  <a:pt x="2886530" y="508596"/>
+                </a:cubicBezTo>
+                <a:lnTo>
+                  <a:pt x="2886530" y="508596"/>
+                </a:lnTo>
+                <a:lnTo>
+                  <a:pt x="2886530" y="508596"/>
+                </a:lnTo>
+                <a:cubicBezTo>
+                  <a:pt x="2861698" y="498534"/>
+                  <a:pt x="2835314" y="493516"/>
+                  <a:pt x="2807424" y="493516"/>
+                </a:cubicBezTo>
+                <a:lnTo>
+                  <a:pt x="2807424" y="493516"/>
+                </a:lnTo>
+                <a:lnTo>
+                  <a:pt x="2807424" y="493516"/>
+                </a:lnTo>
+                <a:cubicBezTo>
+                  <a:pt x="2779534" y="493516"/>
+                  <a:pt x="2753245" y="498534"/>
+                  <a:pt x="2728557" y="508596"/>
+                </a:cubicBezTo>
+                <a:lnTo>
+                  <a:pt x="2728557" y="508596"/>
+                </a:lnTo>
+                <a:lnTo>
+                  <a:pt x="2728557" y="508596"/>
+                </a:lnTo>
+                <a:cubicBezTo>
+                  <a:pt x="2703869" y="518442"/>
+                  <a:pt x="2682336" y="532806"/>
+                  <a:pt x="2664029" y="551590"/>
+                </a:cubicBezTo>
+                <a:lnTo>
+                  <a:pt x="2664029" y="551590"/>
+                </a:lnTo>
+                <a:lnTo>
+                  <a:pt x="2664029" y="551590"/>
+                </a:lnTo>
+                <a:cubicBezTo>
+                  <a:pt x="2645555" y="570232"/>
+                  <a:pt x="2630953" y="593031"/>
+                  <a:pt x="2620294" y="619942"/>
+                </a:cubicBezTo>
+                <a:lnTo>
+                  <a:pt x="2620294" y="619942"/>
+                </a:lnTo>
+                <a:lnTo>
+                  <a:pt x="2620294" y="619942"/>
+                </a:lnTo>
+                <a:cubicBezTo>
+                  <a:pt x="2609635" y="646709"/>
+                  <a:pt x="2604282" y="677061"/>
+                  <a:pt x="2604282" y="710997"/>
+                </a:cubicBezTo>
+                <a:lnTo>
+                  <a:pt x="2604282" y="710997"/>
+                </a:lnTo>
+                <a:lnTo>
+                  <a:pt x="2604282" y="710997"/>
+                </a:lnTo>
+                <a:cubicBezTo>
+                  <a:pt x="2604282" y="743356"/>
+                  <a:pt x="2609635" y="772991"/>
+                  <a:pt x="2620294" y="799926"/>
+                </a:cubicBezTo>
+                <a:lnTo>
+                  <a:pt x="2620294" y="799926"/>
+                </a:lnTo>
+                <a:lnTo>
+                  <a:pt x="2620294" y="799926"/>
+                </a:lnTo>
+                <a:cubicBezTo>
+                  <a:pt x="2630953" y="826692"/>
+                  <a:pt x="2645555" y="849540"/>
+                  <a:pt x="2664029" y="868516"/>
+                </a:cubicBezTo>
+                <a:lnTo>
+                  <a:pt x="2664029" y="868516"/>
+                </a:lnTo>
+                <a:lnTo>
+                  <a:pt x="2664029" y="868516"/>
+                </a:lnTo>
+                <a:cubicBezTo>
+                  <a:pt x="2682360" y="887468"/>
+                  <a:pt x="2703869" y="902190"/>
+                  <a:pt x="2728557" y="912729"/>
+                </a:cubicBezTo>
+                <a:lnTo>
+                  <a:pt x="2728557" y="912729"/>
+                </a:lnTo>
+                <a:lnTo>
+                  <a:pt x="2728557" y="912729"/>
+                </a:lnTo>
+                <a:cubicBezTo>
+                  <a:pt x="2753245" y="923101"/>
+                  <a:pt x="2779534" y="928264"/>
+                  <a:pt x="2807424" y="928264"/>
+                </a:cubicBezTo>
+                <a:lnTo>
+                  <a:pt x="2807424" y="928264"/>
+                </a:lnTo>
+                <a:lnTo>
+                  <a:pt x="2807424" y="928264"/>
+                </a:lnTo>
+                <a:cubicBezTo>
+                  <a:pt x="2835314" y="928264"/>
+                  <a:pt x="2861698" y="923077"/>
+                  <a:pt x="2886530" y="912729"/>
+                </a:cubicBezTo>
+                <a:lnTo>
+                  <a:pt x="2886530" y="912729"/>
+                </a:lnTo>
+                <a:lnTo>
+                  <a:pt x="2886530" y="912729"/>
+                </a:lnTo>
+                <a:cubicBezTo>
+                  <a:pt x="2911409" y="902214"/>
+                  <a:pt x="2933061" y="887468"/>
+                  <a:pt x="2951559" y="868516"/>
+                </a:cubicBezTo>
+                <a:lnTo>
+                  <a:pt x="2951559" y="868516"/>
+                </a:lnTo>
+                <a:lnTo>
+                  <a:pt x="2951559" y="868516"/>
+                </a:lnTo>
+                <a:cubicBezTo>
+                  <a:pt x="2969866" y="849540"/>
+                  <a:pt x="2984372" y="826692"/>
+                  <a:pt x="2995055" y="799926"/>
+                </a:cubicBezTo>
+                <a:lnTo>
+                  <a:pt x="2995055" y="799926"/>
+                </a:lnTo>
+                <a:lnTo>
+                  <a:pt x="2995055" y="799926"/>
+                </a:lnTo>
+                <a:cubicBezTo>
+                  <a:pt x="3005905" y="772991"/>
+                  <a:pt x="3011307" y="743333"/>
+                  <a:pt x="3011307" y="710997"/>
+                </a:cubicBezTo>
+                <a:close/>
+                <a:moveTo>
+                  <a:pt x="3533955" y="0"/>
+                </a:moveTo>
+                <a:lnTo>
+                  <a:pt x="3533955" y="1118022"/>
+                </a:lnTo>
+                <a:lnTo>
+                  <a:pt x="3328662" y="1118022"/>
+                </a:lnTo>
+                <a:lnTo>
+                  <a:pt x="3328662" y="0"/>
+                </a:lnTo>
+                <a:lnTo>
+                  <a:pt x="3533955" y="0"/>
+                </a:lnTo>
+                <a:close/>
+                <a:moveTo>
+                  <a:pt x="4389805" y="461515"/>
+                </a:moveTo>
+                <a:lnTo>
+                  <a:pt x="4007420" y="922289"/>
+                </a:lnTo>
+                <a:lnTo>
+                  <a:pt x="4007420" y="922289"/>
+                </a:lnTo>
+                <a:cubicBezTo>
+                  <a:pt x="4015402" y="924822"/>
+                  <a:pt x="4023337" y="926519"/>
+                  <a:pt x="4031319" y="927308"/>
+                </a:cubicBezTo>
+                <a:lnTo>
+                  <a:pt x="4031319" y="927308"/>
+                </a:lnTo>
+                <a:lnTo>
+                  <a:pt x="4031319" y="927308"/>
+                </a:lnTo>
+                <a:cubicBezTo>
+                  <a:pt x="4039301" y="927929"/>
+                  <a:pt x="4047236" y="928264"/>
+                  <a:pt x="4055218" y="928264"/>
+                </a:cubicBezTo>
+                <a:lnTo>
+                  <a:pt x="4055218" y="928264"/>
+                </a:lnTo>
+                <a:lnTo>
+                  <a:pt x="4055218" y="928264"/>
+                </a:lnTo>
+                <a:cubicBezTo>
+                  <a:pt x="4075150" y="928264"/>
+                  <a:pt x="4094341" y="925563"/>
+                  <a:pt x="4112815" y="920114"/>
+                </a:cubicBezTo>
+                <a:lnTo>
+                  <a:pt x="4112815" y="920114"/>
+                </a:lnTo>
+                <a:lnTo>
+                  <a:pt x="4112815" y="920114"/>
+                </a:lnTo>
+                <a:cubicBezTo>
+                  <a:pt x="4131289" y="914569"/>
+                  <a:pt x="4148568" y="906683"/>
+                  <a:pt x="4164676" y="896478"/>
+                </a:cubicBezTo>
+                <a:lnTo>
+                  <a:pt x="4164676" y="896478"/>
+                </a:lnTo>
+                <a:lnTo>
+                  <a:pt x="4164676" y="896478"/>
+                </a:lnTo>
+                <a:cubicBezTo>
+                  <a:pt x="4180927" y="886273"/>
+                  <a:pt x="4195338" y="873869"/>
+                  <a:pt x="4207957" y="859195"/>
+                </a:cubicBezTo>
+                <a:lnTo>
+                  <a:pt x="4207957" y="859195"/>
+                </a:lnTo>
+                <a:lnTo>
+                  <a:pt x="4207957" y="859195"/>
+                </a:lnTo>
+                <a:cubicBezTo>
+                  <a:pt x="4220695" y="844545"/>
+                  <a:pt x="4231067" y="828198"/>
+                  <a:pt x="4239002" y="810178"/>
+                </a:cubicBezTo>
+                <a:lnTo>
+                  <a:pt x="4239002" y="810178"/>
+                </a:lnTo>
+                <a:lnTo>
+                  <a:pt x="4388371" y="960503"/>
+                </a:lnTo>
+                <a:lnTo>
+                  <a:pt x="4388371" y="960503"/>
+                </a:lnTo>
+                <a:cubicBezTo>
+                  <a:pt x="4369419" y="987270"/>
+                  <a:pt x="4347671" y="1011408"/>
+                  <a:pt x="4323150" y="1032917"/>
+                </a:cubicBezTo>
+                <a:lnTo>
+                  <a:pt x="4323150" y="1032917"/>
+                </a:lnTo>
+                <a:lnTo>
+                  <a:pt x="4323150" y="1032917"/>
+                </a:lnTo>
+                <a:cubicBezTo>
+                  <a:pt x="4298415" y="1054283"/>
+                  <a:pt x="4271768" y="1072423"/>
+                  <a:pt x="4243041" y="1087384"/>
+                </a:cubicBezTo>
+                <a:lnTo>
+                  <a:pt x="4243041" y="1087384"/>
+                </a:lnTo>
+                <a:lnTo>
+                  <a:pt x="4243041" y="1087384"/>
+                </a:lnTo>
+                <a:cubicBezTo>
+                  <a:pt x="4214529" y="1102368"/>
+                  <a:pt x="4184416" y="1113696"/>
+                  <a:pt x="4152726" y="1121344"/>
+                </a:cubicBezTo>
+                <a:lnTo>
+                  <a:pt x="4152726" y="1121344"/>
+                </a:lnTo>
+                <a:lnTo>
+                  <a:pt x="4152726" y="1121344"/>
+                </a:lnTo>
+                <a:cubicBezTo>
+                  <a:pt x="4121179" y="1129135"/>
+                  <a:pt x="4088677" y="1133031"/>
+                  <a:pt x="4055218" y="1133031"/>
+                </a:cubicBezTo>
+                <a:lnTo>
+                  <a:pt x="4055218" y="1133031"/>
+                </a:lnTo>
+                <a:lnTo>
+                  <a:pt x="4055218" y="1133031"/>
+                </a:lnTo>
+                <a:cubicBezTo>
+                  <a:pt x="3998960" y="1133031"/>
+                  <a:pt x="3946095" y="1122539"/>
+                  <a:pt x="3896504" y="1101508"/>
+                </a:cubicBezTo>
+                <a:lnTo>
+                  <a:pt x="3896504" y="1101508"/>
+                </a:lnTo>
+                <a:lnTo>
+                  <a:pt x="3896504" y="1101508"/>
+                </a:lnTo>
+                <a:cubicBezTo>
+                  <a:pt x="3846985" y="1080620"/>
+                  <a:pt x="3803704" y="1051535"/>
+                  <a:pt x="3766732" y="1014276"/>
+                </a:cubicBezTo>
+                <a:lnTo>
+                  <a:pt x="3766732" y="1014276"/>
+                </a:lnTo>
+                <a:lnTo>
+                  <a:pt x="3766732" y="1014276"/>
+                </a:lnTo>
+                <a:cubicBezTo>
+                  <a:pt x="3729617" y="976850"/>
+                  <a:pt x="3700317" y="932374"/>
+                  <a:pt x="3678784" y="880919"/>
+                </a:cubicBezTo>
+                <a:lnTo>
+                  <a:pt x="3678784" y="880919"/>
+                </a:lnTo>
+                <a:lnTo>
+                  <a:pt x="3678784" y="880919"/>
+                </a:lnTo>
+                <a:cubicBezTo>
+                  <a:pt x="3657442" y="829321"/>
+                  <a:pt x="3646759" y="772657"/>
+                  <a:pt x="3646759" y="710997"/>
+                </a:cubicBezTo>
+                <a:lnTo>
+                  <a:pt x="3646759" y="710997"/>
+                </a:lnTo>
+                <a:lnTo>
+                  <a:pt x="3646759" y="710997"/>
+                </a:lnTo>
+                <a:cubicBezTo>
+                  <a:pt x="3646759" y="647760"/>
+                  <a:pt x="3657442" y="590020"/>
+                  <a:pt x="3678784" y="537729"/>
+                </a:cubicBezTo>
+                <a:lnTo>
+                  <a:pt x="3678784" y="537729"/>
+                </a:lnTo>
+                <a:lnTo>
+                  <a:pt x="3678784" y="537729"/>
+                </a:lnTo>
+                <a:cubicBezTo>
+                  <a:pt x="3700293" y="485486"/>
+                  <a:pt x="3729617" y="440866"/>
+                  <a:pt x="3766732" y="403894"/>
+                </a:cubicBezTo>
+                <a:lnTo>
+                  <a:pt x="3766732" y="403894"/>
+                </a:lnTo>
+                <a:lnTo>
+                  <a:pt x="3766732" y="403894"/>
+                </a:lnTo>
+                <a:cubicBezTo>
+                  <a:pt x="3803704" y="367090"/>
+                  <a:pt x="3846962" y="338506"/>
+                  <a:pt x="3896504" y="318097"/>
+                </a:cubicBezTo>
+                <a:lnTo>
+                  <a:pt x="3896504" y="318097"/>
+                </a:lnTo>
+                <a:lnTo>
+                  <a:pt x="3896504" y="318097"/>
+                </a:lnTo>
+                <a:cubicBezTo>
+                  <a:pt x="3946071" y="297687"/>
+                  <a:pt x="3998960" y="287530"/>
+                  <a:pt x="4055218" y="287530"/>
+                </a:cubicBezTo>
+                <a:lnTo>
+                  <a:pt x="4055218" y="287530"/>
+                </a:lnTo>
+                <a:lnTo>
+                  <a:pt x="4055218" y="287530"/>
+                </a:lnTo>
+                <a:cubicBezTo>
+                  <a:pt x="4088677" y="287530"/>
+                  <a:pt x="4121371" y="291497"/>
+                  <a:pt x="4153204" y="299479"/>
+                </a:cubicBezTo>
+                <a:lnTo>
+                  <a:pt x="4153204" y="299479"/>
+                </a:lnTo>
+                <a:lnTo>
+                  <a:pt x="4153204" y="299479"/>
+                </a:lnTo>
+                <a:cubicBezTo>
+                  <a:pt x="4185085" y="307438"/>
+                  <a:pt x="4215294" y="318885"/>
+                  <a:pt x="4243806" y="333870"/>
+                </a:cubicBezTo>
+                <a:lnTo>
+                  <a:pt x="4243806" y="333870"/>
+                </a:lnTo>
+                <a:lnTo>
+                  <a:pt x="4243806" y="333870"/>
+                </a:lnTo>
+                <a:cubicBezTo>
+                  <a:pt x="4272461" y="348687"/>
+                  <a:pt x="4299251" y="366922"/>
+                  <a:pt x="4324083" y="388599"/>
+                </a:cubicBezTo>
+                <a:lnTo>
+                  <a:pt x="4324083" y="388599"/>
+                </a:lnTo>
+                <a:lnTo>
+                  <a:pt x="4324083" y="388599"/>
+                </a:lnTo>
+                <a:cubicBezTo>
+                  <a:pt x="4349105" y="410299"/>
+                  <a:pt x="4370997" y="434581"/>
+                  <a:pt x="4389805" y="461515"/>
+                </a:cubicBezTo>
+                <a:lnTo>
+                  <a:pt x="4389805" y="461515"/>
+                </a:lnTo>
+                <a:close/>
+                <a:moveTo>
+                  <a:pt x="3874517" y="817109"/>
+                </a:moveTo>
+                <a:lnTo>
+                  <a:pt x="4112098" y="501880"/>
+                </a:lnTo>
+                <a:lnTo>
+                  <a:pt x="4112098" y="501880"/>
+                </a:lnTo>
+                <a:cubicBezTo>
+                  <a:pt x="4102658" y="498391"/>
+                  <a:pt x="4093337" y="496168"/>
+                  <a:pt x="4084136" y="495213"/>
+                </a:cubicBezTo>
+                <a:lnTo>
+                  <a:pt x="4084136" y="495213"/>
+                </a:lnTo>
+                <a:lnTo>
+                  <a:pt x="4084136" y="495213"/>
+                </a:lnTo>
+                <a:cubicBezTo>
+                  <a:pt x="4074887" y="494089"/>
+                  <a:pt x="4065232" y="493540"/>
+                  <a:pt x="4055194" y="493540"/>
+                </a:cubicBezTo>
+                <a:lnTo>
+                  <a:pt x="4055194" y="493540"/>
+                </a:lnTo>
+                <a:lnTo>
+                  <a:pt x="4055194" y="493540"/>
+                </a:lnTo>
+                <a:cubicBezTo>
+                  <a:pt x="4027328" y="493540"/>
+                  <a:pt x="4001087" y="498726"/>
+                  <a:pt x="3976590" y="509074"/>
+                </a:cubicBezTo>
+                <a:lnTo>
+                  <a:pt x="3976590" y="509074"/>
+                </a:lnTo>
+                <a:lnTo>
+                  <a:pt x="3976590" y="509074"/>
+                </a:lnTo>
+                <a:cubicBezTo>
+                  <a:pt x="3951855" y="519279"/>
+                  <a:pt x="3930417" y="533762"/>
+                  <a:pt x="3912278" y="552570"/>
+                </a:cubicBezTo>
+                <a:lnTo>
+                  <a:pt x="3912278" y="552570"/>
+                </a:lnTo>
+                <a:lnTo>
+                  <a:pt x="3912278" y="552570"/>
+                </a:lnTo>
+                <a:cubicBezTo>
+                  <a:pt x="3894114" y="571522"/>
+                  <a:pt x="3879799" y="594298"/>
+                  <a:pt x="3869283" y="620898"/>
+                </a:cubicBezTo>
+                <a:lnTo>
+                  <a:pt x="3869283" y="620898"/>
+                </a:lnTo>
+                <a:lnTo>
+                  <a:pt x="3869283" y="620898"/>
+                </a:lnTo>
+                <a:cubicBezTo>
+                  <a:pt x="3858911" y="647497"/>
+                  <a:pt x="3853749" y="677538"/>
+                  <a:pt x="3853749" y="710997"/>
+                </a:cubicBezTo>
+                <a:lnTo>
+                  <a:pt x="3853749" y="710997"/>
+                </a:lnTo>
+                <a:lnTo>
+                  <a:pt x="3853749" y="710997"/>
+                </a:lnTo>
+                <a:cubicBezTo>
+                  <a:pt x="3853749" y="718501"/>
+                  <a:pt x="3854083" y="726962"/>
+                  <a:pt x="3854681" y="736354"/>
+                </a:cubicBezTo>
+                <a:lnTo>
+                  <a:pt x="3854681" y="736354"/>
+                </a:lnTo>
+                <a:lnTo>
+                  <a:pt x="3854681" y="736354"/>
+                </a:lnTo>
+                <a:cubicBezTo>
+                  <a:pt x="3855494" y="745770"/>
+                  <a:pt x="3856784" y="755306"/>
+                  <a:pt x="3858505" y="765033"/>
+                </a:cubicBezTo>
+                <a:lnTo>
+                  <a:pt x="3858505" y="765033"/>
+                </a:lnTo>
+                <a:lnTo>
+                  <a:pt x="3858505" y="765033"/>
+                </a:lnTo>
+                <a:cubicBezTo>
+                  <a:pt x="3860273" y="774760"/>
+                  <a:pt x="3862424" y="784152"/>
+                  <a:pt x="3864981" y="793234"/>
+                </a:cubicBezTo>
+                <a:lnTo>
+                  <a:pt x="3864981" y="793234"/>
+                </a:lnTo>
+                <a:lnTo>
+                  <a:pt x="3864981" y="793234"/>
+                </a:lnTo>
+                <a:cubicBezTo>
+                  <a:pt x="3867395" y="802148"/>
+                  <a:pt x="3870550" y="810107"/>
+                  <a:pt x="3874517" y="817109"/>
+                </a:cubicBezTo>
+                <a:lnTo>
+                  <a:pt x="3874517" y="817109"/>
+                </a:lnTo>
+                <a:close/>
+                <a:moveTo>
+                  <a:pt x="4795396" y="535339"/>
+                </a:moveTo>
+                <a:lnTo>
+                  <a:pt x="4489225" y="227782"/>
+                </a:lnTo>
+                <a:lnTo>
+                  <a:pt x="4649851" y="76238"/>
+                </a:lnTo>
+                <a:lnTo>
+                  <a:pt x="5100109" y="544445"/>
+                </a:lnTo>
+                <a:lnTo>
+                  <a:pt x="4639311" y="977472"/>
+                </a:lnTo>
+                <a:lnTo>
+                  <a:pt x="4490683" y="811851"/>
+                </a:lnTo>
+                <a:lnTo>
+                  <a:pt x="4795396" y="535339"/>
+                </a:lnTo>
+                <a:close/>
+              </a:path>
+            </a:pathLst>
+          </a:custGeom>
+          <a:blipFill dpi="0" rotWithShape="1">
+            <a:blip r:embed="rId2">
+              <a:extLst>
+                <a:ext uri="{BEBA8EAE-BF5A-486C-A8C5-ECC9F3942E4B}">
+                  <a14:imgProps xmlns:a14="http://schemas.microsoft.com/office/drawing/2010/main">
+                    <a14:imgLayer r:embed="rId3">
+                      <a14:imgEffect>
+                        <a14:saturation sat="400000"/>
+                      </a14:imgEffect>
+                    </a14:imgLayer>
+                  </a14:imgProps>
+                </a:ext>
+              </a:extLst>
+            </a:blip>
+            <a:srcRect/>
+            <a:stretch>
+              <a:fillRect/>
+            </a:stretch>
+          </a:blipFill>
+          <a:ln w="23872" cap="flat">
+            <a:noFill/>
+            <a:prstDash val="solid"/>
+            <a:miter/>
+          </a:ln>
+        </p:spPr>
+        <p:txBody>
+          <a:bodyPr rtlCol="0" anchor="ctr"/>
+          <a:lstStyle/>
+          <a:p>
+            <a:endParaRPr lang="en-US"/>
+          </a:p>
+        </p:txBody>
+      </p:sp>
+    </p:spTree>
+    <p:extLst>
+      <p:ext uri="{BB962C8B-B14F-4D97-AF65-F5344CB8AC3E}">
+        <p14:creationId xmlns:p14="http://schemas.microsoft.com/office/powerpoint/2010/main" val="1034034621"/>
+      </p:ext>
+    </p:extLst>
+  </p:cSld>
+  <p:clrMapOvr>
+    <a:masterClrMapping/>
+  </p:clrMapOvr>
+</p:sld>
+</file>
+
 <file path=ppt/theme/theme1.xml><?xml version="1.0" encoding="utf-8"?>
 <a:theme xmlns:a="http://schemas.openxmlformats.org/drawingml/2006/main" name="Office Theme">
   <a:themeElements>

--- a/TupleBrandStandards.pptx
+++ b/TupleBrandStandards.pptx
@@ -10,8 +10,9 @@
     <p:sldId id="259" r:id="rId4"/>
     <p:sldId id="258" r:id="rId5"/>
     <p:sldId id="260" r:id="rId6"/>
-    <p:sldId id="261" r:id="rId7"/>
-    <p:sldId id="262" r:id="rId8"/>
+    <p:sldId id="263" r:id="rId7"/>
+    <p:sldId id="261" r:id="rId8"/>
+    <p:sldId id="262" r:id="rId9"/>
   </p:sldIdLst>
   <p:sldSz cx="12192000" cy="6858000"/>
   <p:notesSz cx="6858000" cy="9144000"/>
@@ -265,7 +266,7 @@
           <a:p>
             <a:fld id="{A4B95748-7583-476C-A01D-71A59B6EB51C}" type="datetimeFigureOut">
               <a:rPr lang="en-US" smtClean="0"/>
-              <a:t>8/26/2019</a:t>
+              <a:t>9/21/19</a:t>
             </a:fld>
             <a:endParaRPr lang="en-US"/>
           </a:p>
@@ -463,7 +464,7 @@
           <a:p>
             <a:fld id="{A4B95748-7583-476C-A01D-71A59B6EB51C}" type="datetimeFigureOut">
               <a:rPr lang="en-US" smtClean="0"/>
-              <a:t>8/26/2019</a:t>
+              <a:t>9/21/19</a:t>
             </a:fld>
             <a:endParaRPr lang="en-US"/>
           </a:p>
@@ -671,7 +672,7 @@
           <a:p>
             <a:fld id="{A4B95748-7583-476C-A01D-71A59B6EB51C}" type="datetimeFigureOut">
               <a:rPr lang="en-US" smtClean="0"/>
-              <a:t>8/26/2019</a:t>
+              <a:t>9/21/19</a:t>
             </a:fld>
             <a:endParaRPr lang="en-US"/>
           </a:p>
@@ -869,7 +870,7 @@
           <a:p>
             <a:fld id="{A4B95748-7583-476C-A01D-71A59B6EB51C}" type="datetimeFigureOut">
               <a:rPr lang="en-US" smtClean="0"/>
-              <a:t>8/26/2019</a:t>
+              <a:t>9/21/19</a:t>
             </a:fld>
             <a:endParaRPr lang="en-US"/>
           </a:p>
@@ -1144,7 +1145,7 @@
           <a:p>
             <a:fld id="{A4B95748-7583-476C-A01D-71A59B6EB51C}" type="datetimeFigureOut">
               <a:rPr lang="en-US" smtClean="0"/>
-              <a:t>8/26/2019</a:t>
+              <a:t>9/21/19</a:t>
             </a:fld>
             <a:endParaRPr lang="en-US"/>
           </a:p>
@@ -1409,7 +1410,7 @@
           <a:p>
             <a:fld id="{A4B95748-7583-476C-A01D-71A59B6EB51C}" type="datetimeFigureOut">
               <a:rPr lang="en-US" smtClean="0"/>
-              <a:t>8/26/2019</a:t>
+              <a:t>9/21/19</a:t>
             </a:fld>
             <a:endParaRPr lang="en-US"/>
           </a:p>
@@ -1821,7 +1822,7 @@
           <a:p>
             <a:fld id="{A4B95748-7583-476C-A01D-71A59B6EB51C}" type="datetimeFigureOut">
               <a:rPr lang="en-US" smtClean="0"/>
-              <a:t>8/26/2019</a:t>
+              <a:t>9/21/19</a:t>
             </a:fld>
             <a:endParaRPr lang="en-US"/>
           </a:p>
@@ -1962,7 +1963,7 @@
           <a:p>
             <a:fld id="{A4B95748-7583-476C-A01D-71A59B6EB51C}" type="datetimeFigureOut">
               <a:rPr lang="en-US" smtClean="0"/>
-              <a:t>8/26/2019</a:t>
+              <a:t>9/21/19</a:t>
             </a:fld>
             <a:endParaRPr lang="en-US"/>
           </a:p>
@@ -2075,7 +2076,7 @@
           <a:p>
             <a:fld id="{A4B95748-7583-476C-A01D-71A59B6EB51C}" type="datetimeFigureOut">
               <a:rPr lang="en-US" smtClean="0"/>
-              <a:t>8/26/2019</a:t>
+              <a:t>9/21/19</a:t>
             </a:fld>
             <a:endParaRPr lang="en-US"/>
           </a:p>
@@ -2386,7 +2387,7 @@
           <a:p>
             <a:fld id="{A4B95748-7583-476C-A01D-71A59B6EB51C}" type="datetimeFigureOut">
               <a:rPr lang="en-US" smtClean="0"/>
-              <a:t>8/26/2019</a:t>
+              <a:t>9/21/19</a:t>
             </a:fld>
             <a:endParaRPr lang="en-US"/>
           </a:p>
@@ -2674,7 +2675,7 @@
           <a:p>
             <a:fld id="{A4B95748-7583-476C-A01D-71A59B6EB51C}" type="datetimeFigureOut">
               <a:rPr lang="en-US" smtClean="0"/>
-              <a:t>8/26/2019</a:t>
+              <a:t>9/21/19</a:t>
             </a:fld>
             <a:endParaRPr lang="en-US"/>
           </a:p>
@@ -2915,7 +2916,7 @@
           <a:p>
             <a:fld id="{A4B95748-7583-476C-A01D-71A59B6EB51C}" type="datetimeFigureOut">
               <a:rPr lang="en-US" smtClean="0"/>
-              <a:t>8/26/2019</a:t>
+              <a:t>9/21/19</a:t>
             </a:fld>
             <a:endParaRPr lang="en-US"/>
           </a:p>
@@ -3384,9 +3385,7 @@
           <a:prstGeom prst="snip2DiagRect">
             <a:avLst/>
           </a:prstGeom>
-          <a:solidFill>
-            <a:schemeClr val="tx2"/>
-          </a:solidFill>
+          <a:noFill/>
         </p:spPr>
         <p:txBody>
           <a:bodyPr anchor="ctr"/>
@@ -3395,7 +3394,7 @@
             <a:r>
               <a:rPr lang="en-US" dirty="0">
                 <a:solidFill>
-                  <a:schemeClr val="bg1"/>
+                  <a:schemeClr val="tx2"/>
                 </a:solidFill>
               </a:rPr>
               <a:t>Brand Standards</a:t>
@@ -3417,8 +3416,8 @@
         </p:nvSpPr>
         <p:spPr>
           <a:xfrm>
-            <a:off x="7736149" y="6326155"/>
-            <a:ext cx="4325223" cy="369332"/>
+            <a:off x="8931043" y="6397407"/>
+            <a:ext cx="3260957" cy="369332"/>
           </a:xfrm>
           <a:prstGeom prst="rect">
             <a:avLst/>
@@ -3433,7 +3432,7 @@
           <a:p>
             <a:r>
               <a:rPr lang="en-US" dirty="0"/>
-              <a:t>Copyright © 2019, The Tuple Company</a:t>
+              <a:t>Copyright © 2019 Tuple, LLC</a:t>
             </a:r>
           </a:p>
         </p:txBody>
@@ -6636,7 +6635,7 @@
 </file>
 
 <file path=ppt/slides/slide4.xml><?xml version="1.0" encoding="utf-8"?>
-<p:sld xmlns:a="http://schemas.openxmlformats.org/drawingml/2006/main" xmlns:r="http://schemas.openxmlformats.org/officeDocument/2006/relationships" xmlns:p="http://schemas.openxmlformats.org/presentationml/2006/main">
+<p:sld xmlns:a="http://schemas.openxmlformats.org/drawingml/2006/main" xmlns:r="http://schemas.openxmlformats.org/officeDocument/2006/relationships" xmlns:p="http://schemas.openxmlformats.org/presentationml/2006/main" show="0">
   <p:cSld>
     <p:spTree>
       <p:nvGrpSpPr>
@@ -7091,6 +7090,260 @@
 </file>
 
 <file path=ppt/slides/slide6.xml><?xml version="1.0" encoding="utf-8"?>
+<p:sld xmlns:a="http://schemas.openxmlformats.org/drawingml/2006/main" xmlns:r="http://schemas.openxmlformats.org/officeDocument/2006/relationships" xmlns:p="http://schemas.openxmlformats.org/presentationml/2006/main">
+  <p:cSld>
+    <p:spTree>
+      <p:nvGrpSpPr>
+        <p:cNvPr id="1" name=""/>
+        <p:cNvGrpSpPr/>
+        <p:nvPr/>
+      </p:nvGrpSpPr>
+      <p:grpSpPr>
+        <a:xfrm>
+          <a:off x="0" y="0"/>
+          <a:ext cx="0" cy="0"/>
+          <a:chOff x="0" y="0"/>
+          <a:chExt cx="0" cy="0"/>
+        </a:xfrm>
+      </p:grpSpPr>
+      <p:sp>
+        <p:nvSpPr>
+          <p:cNvPr id="2" name="Title 1">
+            <a:extLst>
+              <a:ext uri="{FF2B5EF4-FFF2-40B4-BE49-F238E27FC236}">
+                <a16:creationId xmlns:a16="http://schemas.microsoft.com/office/drawing/2014/main" id="{5D60CD29-286A-4B4E-B22A-4F378DC25D3E}"/>
+              </a:ext>
+            </a:extLst>
+          </p:cNvPr>
+          <p:cNvSpPr>
+            <a:spLocks noGrp="1"/>
+          </p:cNvSpPr>
+          <p:nvPr>
+            <p:ph type="title"/>
+          </p:nvPr>
+        </p:nvSpPr>
+        <p:spPr/>
+        <p:txBody>
+          <a:bodyPr/>
+          <a:lstStyle/>
+          <a:p>
+            <a:r>
+              <a:rPr lang="en-US" dirty="0"/>
+              <a:t>Email</a:t>
+            </a:r>
+          </a:p>
+        </p:txBody>
+      </p:sp>
+      <p:sp>
+        <p:nvSpPr>
+          <p:cNvPr id="3" name="Content Placeholder 2">
+            <a:extLst>
+              <a:ext uri="{FF2B5EF4-FFF2-40B4-BE49-F238E27FC236}">
+                <a16:creationId xmlns:a16="http://schemas.microsoft.com/office/drawing/2014/main" id="{4EA03DB3-AE09-C945-A4A1-242B90F9F7F2}"/>
+              </a:ext>
+            </a:extLst>
+          </p:cNvPr>
+          <p:cNvSpPr>
+            <a:spLocks noGrp="1"/>
+          </p:cNvSpPr>
+          <p:nvPr>
+            <p:ph sz="half" idx="1"/>
+          </p:nvPr>
+        </p:nvSpPr>
+        <p:spPr/>
+        <p:txBody>
+          <a:bodyPr/>
+          <a:lstStyle/>
+          <a:p>
+            <a:pPr marL="0" marR="0" indent="0">
+              <a:spcBef>
+                <a:spcPts val="0"/>
+              </a:spcBef>
+              <a:spcAft>
+                <a:spcPts val="0"/>
+              </a:spcAft>
+              <a:buNone/>
+            </a:pPr>
+            <a:endParaRPr lang="en-US" b="1" dirty="0">
+              <a:solidFill>
+                <a:srgbClr val="000000"/>
+              </a:solidFill>
+              <a:latin typeface="Arial" panose="020B0604020202020204" pitchFamily="34" charset="0"/>
+              <a:ea typeface="Times New Roman" panose="02020603050405020304" pitchFamily="18" charset="0"/>
+              <a:cs typeface="Times New Roman" panose="02020603050405020304" pitchFamily="18" charset="0"/>
+            </a:endParaRPr>
+          </a:p>
+          <a:p>
+            <a:pPr marL="0" marR="0" indent="0">
+              <a:spcBef>
+                <a:spcPts val="0"/>
+              </a:spcBef>
+              <a:spcAft>
+                <a:spcPts val="0"/>
+              </a:spcAft>
+              <a:buNone/>
+            </a:pPr>
+            <a:r>
+              <a:rPr lang="en-US" b="1" dirty="0">
+                <a:solidFill>
+                  <a:srgbClr val="000000"/>
+                </a:solidFill>
+                <a:latin typeface="Arial" panose="020B0604020202020204" pitchFamily="34" charset="0"/>
+                <a:ea typeface="Times New Roman" panose="02020603050405020304" pitchFamily="18" charset="0"/>
+                <a:cs typeface="Times New Roman" panose="02020603050405020304" pitchFamily="18" charset="0"/>
+              </a:rPr>
+              <a:t>Colby T. Ford, Ph.D.</a:t>
+            </a:r>
+            <a:endParaRPr lang="en-US" dirty="0">
+              <a:latin typeface="Calibri" panose="020F0502020204030204" pitchFamily="34" charset="0"/>
+              <a:ea typeface="Calibri" panose="020F0502020204030204" pitchFamily="34" charset="0"/>
+              <a:cs typeface="Times New Roman" panose="02020603050405020304" pitchFamily="18" charset="0"/>
+            </a:endParaRPr>
+          </a:p>
+          <a:p>
+            <a:pPr marL="0" marR="0" indent="0">
+              <a:spcBef>
+                <a:spcPts val="0"/>
+              </a:spcBef>
+              <a:spcAft>
+                <a:spcPts val="0"/>
+              </a:spcAft>
+              <a:buNone/>
+            </a:pPr>
+            <a:r>
+              <a:rPr lang="en-US" dirty="0">
+                <a:solidFill>
+                  <a:srgbClr val="000000"/>
+                </a:solidFill>
+                <a:latin typeface="Arial" panose="020B0604020202020204" pitchFamily="34" charset="0"/>
+                <a:ea typeface="Times New Roman" panose="02020603050405020304" pitchFamily="18" charset="0"/>
+                <a:cs typeface="Times New Roman" panose="02020603050405020304" pitchFamily="18" charset="0"/>
+              </a:rPr>
+              <a:t>Founder, </a:t>
+            </a:r>
+            <a:r>
+              <a:rPr lang="en-US" dirty="0">
+                <a:latin typeface="Righteous" panose="02010506000000020000" pitchFamily="2" charset="0"/>
+                <a:ea typeface="Calibri" panose="020F0502020204030204" pitchFamily="34" charset="0"/>
+                <a:cs typeface="Times New Roman" panose="02020603050405020304" pitchFamily="18" charset="0"/>
+              </a:rPr>
+              <a:t>&lt;Tuple&gt;</a:t>
+            </a:r>
+            <a:endParaRPr lang="en-US" dirty="0">
+              <a:latin typeface="Calibri" panose="020F0502020204030204" pitchFamily="34" charset="0"/>
+              <a:ea typeface="Calibri" panose="020F0502020204030204" pitchFamily="34" charset="0"/>
+              <a:cs typeface="Times New Roman" panose="02020603050405020304" pitchFamily="18" charset="0"/>
+            </a:endParaRPr>
+          </a:p>
+          <a:p>
+            <a:pPr marL="0" marR="0" indent="0">
+              <a:spcBef>
+                <a:spcPts val="0"/>
+              </a:spcBef>
+              <a:spcAft>
+                <a:spcPts val="0"/>
+              </a:spcAft>
+              <a:buNone/>
+            </a:pPr>
+            <a:r>
+              <a:rPr lang="en-US" sz="2000" u="sng" dirty="0">
+                <a:solidFill>
+                  <a:srgbClr val="0563C1"/>
+                </a:solidFill>
+                <a:latin typeface="Arial" panose="020B0604020202020204" pitchFamily="34" charset="0"/>
+                <a:ea typeface="Calibri" panose="020F0502020204030204" pitchFamily="34" charset="0"/>
+                <a:cs typeface="Times New Roman" panose="02020603050405020304" pitchFamily="18" charset="0"/>
+                <a:hlinkClick r:id="rId2">
+                  <a:extLst>
+                    <a:ext uri="{A12FA001-AC4F-418D-AE19-62706E023703}">
+                      <ahyp:hlinkClr xmlns:ahyp="http://schemas.microsoft.com/office/drawing/2018/hyperlinkcolor" val="tx"/>
+                    </a:ext>
+                  </a:extLst>
+                </a:hlinkClick>
+              </a:rPr>
+              <a:t>(828) 773-8009</a:t>
+            </a:r>
+            <a:endParaRPr lang="en-US" dirty="0">
+              <a:latin typeface="Calibri" panose="020F0502020204030204" pitchFamily="34" charset="0"/>
+              <a:ea typeface="Calibri" panose="020F0502020204030204" pitchFamily="34" charset="0"/>
+              <a:cs typeface="Times New Roman" panose="02020603050405020304" pitchFamily="18" charset="0"/>
+            </a:endParaRPr>
+          </a:p>
+          <a:p>
+            <a:pPr marL="0" marR="0" indent="0">
+              <a:spcBef>
+                <a:spcPts val="0"/>
+              </a:spcBef>
+              <a:spcAft>
+                <a:spcPts val="0"/>
+              </a:spcAft>
+              <a:buNone/>
+            </a:pPr>
+            <a:r>
+              <a:rPr lang="en-US" sz="2000" u="sng" dirty="0">
+                <a:solidFill>
+                  <a:srgbClr val="0563C1"/>
+                </a:solidFill>
+                <a:latin typeface="Arial" panose="020B0604020202020204" pitchFamily="34" charset="0"/>
+                <a:ea typeface="Calibri" panose="020F0502020204030204" pitchFamily="34" charset="0"/>
+                <a:cs typeface="Times New Roman" panose="02020603050405020304" pitchFamily="18" charset="0"/>
+                <a:hlinkClick r:id="rId3">
+                  <a:extLst>
+                    <a:ext uri="{A12FA001-AC4F-418D-AE19-62706E023703}">
+                      <ahyp:hlinkClr xmlns:ahyp="http://schemas.microsoft.com/office/drawing/2018/hyperlinkcolor" val="tx"/>
+                    </a:ext>
+                  </a:extLst>
+                </a:hlinkClick>
+              </a:rPr>
+              <a:t>colby@tupleco.com</a:t>
+            </a:r>
+            <a:endParaRPr lang="en-US" dirty="0">
+              <a:latin typeface="Calibri" panose="020F0502020204030204" pitchFamily="34" charset="0"/>
+              <a:ea typeface="Calibri" panose="020F0502020204030204" pitchFamily="34" charset="0"/>
+              <a:cs typeface="Times New Roman" panose="02020603050405020304" pitchFamily="18" charset="0"/>
+            </a:endParaRPr>
+          </a:p>
+        </p:txBody>
+      </p:sp>
+      <p:sp>
+        <p:nvSpPr>
+          <p:cNvPr id="4" name="Content Placeholder 3">
+            <a:extLst>
+              <a:ext uri="{FF2B5EF4-FFF2-40B4-BE49-F238E27FC236}">
+                <a16:creationId xmlns:a16="http://schemas.microsoft.com/office/drawing/2014/main" id="{E2CBBC29-0950-2047-9282-D32EC3F1E07C}"/>
+              </a:ext>
+            </a:extLst>
+          </p:cNvPr>
+          <p:cNvSpPr>
+            <a:spLocks noGrp="1"/>
+          </p:cNvSpPr>
+          <p:nvPr>
+            <p:ph sz="half" idx="2"/>
+          </p:nvPr>
+        </p:nvSpPr>
+        <p:spPr/>
+        <p:txBody>
+          <a:bodyPr/>
+          <a:lstStyle/>
+          <a:p>
+            <a:endParaRPr lang="en-US"/>
+          </a:p>
+        </p:txBody>
+      </p:sp>
+    </p:spTree>
+    <p:extLst>
+      <p:ext uri="{BB962C8B-B14F-4D97-AF65-F5344CB8AC3E}">
+        <p14:creationId xmlns:p14="http://schemas.microsoft.com/office/powerpoint/2010/main" val="2962904487"/>
+      </p:ext>
+    </p:extLst>
+  </p:cSld>
+  <p:clrMapOvr>
+    <a:masterClrMapping/>
+  </p:clrMapOvr>
+</p:sld>
+</file>
+
+<file path=ppt/slides/slide7.xml><?xml version="1.0" encoding="utf-8"?>
 <p:sld xmlns:a="http://schemas.openxmlformats.org/drawingml/2006/main" xmlns:r="http://schemas.openxmlformats.org/officeDocument/2006/relationships" xmlns:p="http://schemas.openxmlformats.org/presentationml/2006/main">
   <p:cSld>
     <p:spTree>
@@ -9713,7 +9966,7 @@
 </p:sld>
 </file>
 
-<file path=ppt/slides/slide7.xml><?xml version="1.0" encoding="utf-8"?>
+<file path=ppt/slides/slide8.xml><?xml version="1.0" encoding="utf-8"?>
 <p:sld xmlns:a="http://schemas.openxmlformats.org/drawingml/2006/main" xmlns:r="http://schemas.openxmlformats.org/officeDocument/2006/relationships" xmlns:p="http://schemas.openxmlformats.org/presentationml/2006/main">
   <p:cSld>
     <p:spTree>
